--- a/projectsTP4/PPT/Control de Acceso + RTOS + CLOUD.pptx
+++ b/projectsTP4/PPT/Control de Acceso + RTOS + CLOUD.pptx
@@ -27,7 +27,9 @@
     <p:sldId id="265" r:id="rId21"/>
     <p:sldId id="267" r:id="rId22"/>
     <p:sldId id="278" r:id="rId23"/>
-    <p:sldId id="266" r:id="rId24"/>
+    <p:sldId id="280" r:id="rId24"/>
+    <p:sldId id="281" r:id="rId25"/>
+    <p:sldId id="266" r:id="rId26"/>
   </p:sldIdLst>
   <p:sldSz cx="12192000" cy="6858000"/>
   <p:notesSz cx="6858000" cy="9144000"/>
@@ -153,6 +155,8 @@
             <p14:sldId id="265"/>
             <p14:sldId id="267"/>
             <p14:sldId id="278"/>
+            <p14:sldId id="280"/>
+            <p14:sldId id="281"/>
             <p14:sldId id="266"/>
           </p14:sldIdLst>
         </p14:section>
@@ -1878,6 +1882,788 @@
 </file>
 
 <file path=ppt/diagrams/colors3.xml><?xml version="1.0" encoding="utf-8"?>
+<dgm:colorsDef xmlns:dgm="http://schemas.openxmlformats.org/drawingml/2006/diagram" xmlns:a="http://schemas.openxmlformats.org/drawingml/2006/main" uniqueId="urn:microsoft.com/office/officeart/2005/8/colors/colorful2">
+  <dgm:title val=""/>
+  <dgm:desc val=""/>
+  <dgm:catLst>
+    <dgm:cat type="colorful" pri="10200"/>
+  </dgm:catLst>
+  <dgm:styleLbl name="node0">
+    <dgm:fillClrLst meth="repeat">
+      <a:schemeClr val="accent1"/>
+    </dgm:fillClrLst>
+    <dgm:linClrLst meth="repeat">
+      <a:schemeClr val="lt1"/>
+    </dgm:linClrLst>
+    <dgm:effectClrLst/>
+    <dgm:txLinClrLst/>
+    <dgm:txFillClrLst/>
+    <dgm:txEffectClrLst/>
+  </dgm:styleLbl>
+  <dgm:styleLbl name="node1">
+    <dgm:fillClrLst>
+      <a:schemeClr val="accent2"/>
+      <a:schemeClr val="accent3"/>
+    </dgm:fillClrLst>
+    <dgm:linClrLst meth="repeat">
+      <a:schemeClr val="lt1"/>
+    </dgm:linClrLst>
+    <dgm:effectClrLst/>
+    <dgm:txLinClrLst/>
+    <dgm:txFillClrLst/>
+    <dgm:txEffectClrLst/>
+  </dgm:styleLbl>
+  <dgm:styleLbl name="alignNode1">
+    <dgm:fillClrLst>
+      <a:schemeClr val="accent2"/>
+      <a:schemeClr val="accent3"/>
+    </dgm:fillClrLst>
+    <dgm:linClrLst>
+      <a:schemeClr val="accent2"/>
+      <a:schemeClr val="accent3"/>
+    </dgm:linClrLst>
+    <dgm:effectClrLst/>
+    <dgm:txLinClrLst/>
+    <dgm:txFillClrLst/>
+    <dgm:txEffectClrLst/>
+  </dgm:styleLbl>
+  <dgm:styleLbl name="lnNode1">
+    <dgm:fillClrLst>
+      <a:schemeClr val="accent2"/>
+      <a:schemeClr val="accent3"/>
+    </dgm:fillClrLst>
+    <dgm:linClrLst meth="repeat">
+      <a:schemeClr val="lt1"/>
+    </dgm:linClrLst>
+    <dgm:effectClrLst/>
+    <dgm:txLinClrLst/>
+    <dgm:txFillClrLst/>
+    <dgm:txEffectClrLst/>
+  </dgm:styleLbl>
+  <dgm:styleLbl name="vennNode1">
+    <dgm:fillClrLst>
+      <a:schemeClr val="accent2">
+        <a:alpha val="50000"/>
+      </a:schemeClr>
+      <a:schemeClr val="accent3">
+        <a:alpha val="50000"/>
+      </a:schemeClr>
+    </dgm:fillClrLst>
+    <dgm:linClrLst meth="repeat">
+      <a:schemeClr val="lt1"/>
+    </dgm:linClrLst>
+    <dgm:effectClrLst/>
+    <dgm:txLinClrLst/>
+    <dgm:txFillClrLst/>
+    <dgm:txEffectClrLst/>
+  </dgm:styleLbl>
+  <dgm:styleLbl name="node2">
+    <dgm:fillClrLst>
+      <a:schemeClr val="accent3"/>
+    </dgm:fillClrLst>
+    <dgm:linClrLst meth="repeat">
+      <a:schemeClr val="lt1"/>
+    </dgm:linClrLst>
+    <dgm:effectClrLst/>
+    <dgm:txLinClrLst/>
+    <dgm:txFillClrLst/>
+    <dgm:txEffectClrLst/>
+  </dgm:styleLbl>
+  <dgm:styleLbl name="node3">
+    <dgm:fillClrLst>
+      <a:schemeClr val="accent4"/>
+    </dgm:fillClrLst>
+    <dgm:linClrLst meth="repeat">
+      <a:schemeClr val="lt1"/>
+    </dgm:linClrLst>
+    <dgm:effectClrLst/>
+    <dgm:txLinClrLst/>
+    <dgm:txFillClrLst/>
+    <dgm:txEffectClrLst/>
+  </dgm:styleLbl>
+  <dgm:styleLbl name="node4">
+    <dgm:fillClrLst>
+      <a:schemeClr val="accent5"/>
+    </dgm:fillClrLst>
+    <dgm:linClrLst meth="repeat">
+      <a:schemeClr val="lt1"/>
+    </dgm:linClrLst>
+    <dgm:effectClrLst/>
+    <dgm:txLinClrLst/>
+    <dgm:txFillClrLst/>
+    <dgm:txEffectClrLst/>
+  </dgm:styleLbl>
+  <dgm:styleLbl name="fgImgPlace1">
+    <dgm:fillClrLst>
+      <a:schemeClr val="accent2">
+        <a:tint val="50000"/>
+      </a:schemeClr>
+      <a:schemeClr val="accent3">
+        <a:tint val="50000"/>
+      </a:schemeClr>
+    </dgm:fillClrLst>
+    <dgm:linClrLst meth="repeat">
+      <a:schemeClr val="lt1"/>
+    </dgm:linClrLst>
+    <dgm:effectClrLst/>
+    <dgm:txLinClrLst/>
+    <dgm:txFillClrLst meth="repeat">
+      <a:schemeClr val="lt1"/>
+    </dgm:txFillClrLst>
+    <dgm:txEffectClrLst/>
+  </dgm:styleLbl>
+  <dgm:styleLbl name="alignImgPlace1">
+    <dgm:fillClrLst>
+      <a:schemeClr val="accent2">
+        <a:tint val="50000"/>
+      </a:schemeClr>
+      <a:schemeClr val="accent3">
+        <a:tint val="20000"/>
+      </a:schemeClr>
+    </dgm:fillClrLst>
+    <dgm:linClrLst meth="repeat">
+      <a:schemeClr val="lt1"/>
+    </dgm:linClrLst>
+    <dgm:effectClrLst/>
+    <dgm:txLinClrLst/>
+    <dgm:txFillClrLst meth="repeat">
+      <a:schemeClr val="lt1"/>
+    </dgm:txFillClrLst>
+    <dgm:txEffectClrLst/>
+  </dgm:styleLbl>
+  <dgm:styleLbl name="bgImgPlace1">
+    <dgm:fillClrLst>
+      <a:schemeClr val="accent2">
+        <a:tint val="50000"/>
+      </a:schemeClr>
+      <a:schemeClr val="accent3">
+        <a:tint val="20000"/>
+      </a:schemeClr>
+    </dgm:fillClrLst>
+    <dgm:linClrLst meth="repeat">
+      <a:schemeClr val="lt1"/>
+    </dgm:linClrLst>
+    <dgm:effectClrLst/>
+    <dgm:txLinClrLst/>
+    <dgm:txFillClrLst meth="repeat">
+      <a:schemeClr val="lt1"/>
+    </dgm:txFillClrLst>
+    <dgm:txEffectClrLst/>
+  </dgm:styleLbl>
+  <dgm:styleLbl name="sibTrans2D1">
+    <dgm:fillClrLst>
+      <a:schemeClr val="accent2"/>
+      <a:schemeClr val="accent3"/>
+    </dgm:fillClrLst>
+    <dgm:linClrLst meth="repeat">
+      <a:schemeClr val="lt1"/>
+    </dgm:linClrLst>
+    <dgm:effectClrLst/>
+    <dgm:txLinClrLst/>
+    <dgm:txFillClrLst/>
+    <dgm:txEffectClrLst/>
+  </dgm:styleLbl>
+  <dgm:styleLbl name="fgSibTrans2D1">
+    <dgm:fillClrLst>
+      <a:schemeClr val="accent2"/>
+      <a:schemeClr val="accent3"/>
+    </dgm:fillClrLst>
+    <dgm:linClrLst meth="repeat">
+      <a:schemeClr val="lt1"/>
+    </dgm:linClrLst>
+    <dgm:effectClrLst/>
+    <dgm:txLinClrLst/>
+    <dgm:txFillClrLst meth="repeat">
+      <a:schemeClr val="lt1"/>
+    </dgm:txFillClrLst>
+    <dgm:txEffectClrLst/>
+  </dgm:styleLbl>
+  <dgm:styleLbl name="bgSibTrans2D1">
+    <dgm:fillClrLst>
+      <a:schemeClr val="accent2"/>
+      <a:schemeClr val="accent3"/>
+    </dgm:fillClrLst>
+    <dgm:linClrLst meth="repeat">
+      <a:schemeClr val="lt1"/>
+    </dgm:linClrLst>
+    <dgm:effectClrLst/>
+    <dgm:txLinClrLst/>
+    <dgm:txFillClrLst meth="repeat">
+      <a:schemeClr val="lt1"/>
+    </dgm:txFillClrLst>
+    <dgm:txEffectClrLst/>
+  </dgm:styleLbl>
+  <dgm:styleLbl name="sibTrans1D1">
+    <dgm:fillClrLst/>
+    <dgm:linClrLst>
+      <a:schemeClr val="accent2"/>
+      <a:schemeClr val="accent3"/>
+    </dgm:linClrLst>
+    <dgm:effectClrLst/>
+    <dgm:txLinClrLst/>
+    <dgm:txFillClrLst meth="repeat">
+      <a:schemeClr val="tx1"/>
+    </dgm:txFillClrLst>
+    <dgm:txEffectClrLst/>
+  </dgm:styleLbl>
+  <dgm:styleLbl name="callout">
+    <dgm:fillClrLst meth="repeat">
+      <a:schemeClr val="accent2"/>
+    </dgm:fillClrLst>
+    <dgm:linClrLst meth="repeat">
+      <a:schemeClr val="accent2">
+        <a:tint val="50000"/>
+      </a:schemeClr>
+    </dgm:linClrLst>
+    <dgm:effectClrLst/>
+    <dgm:txLinClrLst/>
+    <dgm:txFillClrLst meth="repeat">
+      <a:schemeClr val="tx1"/>
+    </dgm:txFillClrLst>
+    <dgm:txEffectClrLst/>
+  </dgm:styleLbl>
+  <dgm:styleLbl name="asst0">
+    <dgm:fillClrLst meth="repeat">
+      <a:schemeClr val="accent2"/>
+    </dgm:fillClrLst>
+    <dgm:linClrLst meth="repeat">
+      <a:schemeClr val="lt1">
+        <a:shade val="80000"/>
+      </a:schemeClr>
+    </dgm:linClrLst>
+    <dgm:effectClrLst/>
+    <dgm:txLinClrLst/>
+    <dgm:txFillClrLst/>
+    <dgm:txEffectClrLst/>
+  </dgm:styleLbl>
+  <dgm:styleLbl name="asst1">
+    <dgm:fillClrLst meth="repeat">
+      <a:schemeClr val="accent3"/>
+    </dgm:fillClrLst>
+    <dgm:linClrLst meth="repeat">
+      <a:schemeClr val="lt1">
+        <a:shade val="80000"/>
+      </a:schemeClr>
+    </dgm:linClrLst>
+    <dgm:effectClrLst/>
+    <dgm:txLinClrLst/>
+    <dgm:txFillClrLst/>
+    <dgm:txEffectClrLst/>
+  </dgm:styleLbl>
+  <dgm:styleLbl name="asst2">
+    <dgm:fillClrLst>
+      <a:schemeClr val="accent4"/>
+    </dgm:fillClrLst>
+    <dgm:linClrLst meth="repeat">
+      <a:schemeClr val="lt1"/>
+    </dgm:linClrLst>
+    <dgm:effectClrLst/>
+    <dgm:txLinClrLst/>
+    <dgm:txFillClrLst/>
+    <dgm:txEffectClrLst/>
+  </dgm:styleLbl>
+  <dgm:styleLbl name="asst3">
+    <dgm:fillClrLst>
+      <a:schemeClr val="accent5"/>
+    </dgm:fillClrLst>
+    <dgm:linClrLst meth="repeat">
+      <a:schemeClr val="lt1"/>
+    </dgm:linClrLst>
+    <dgm:effectClrLst/>
+    <dgm:txLinClrLst/>
+    <dgm:txFillClrLst/>
+    <dgm:txEffectClrLst/>
+  </dgm:styleLbl>
+  <dgm:styleLbl name="asst4">
+    <dgm:fillClrLst>
+      <a:schemeClr val="accent6"/>
+    </dgm:fillClrLst>
+    <dgm:linClrLst meth="repeat">
+      <a:schemeClr val="lt1"/>
+    </dgm:linClrLst>
+    <dgm:effectClrLst/>
+    <dgm:txLinClrLst/>
+    <dgm:txFillClrLst/>
+    <dgm:txEffectClrLst/>
+  </dgm:styleLbl>
+  <dgm:styleLbl name="parChTrans2D1">
+    <dgm:fillClrLst meth="repeat">
+      <a:schemeClr val="accent2"/>
+    </dgm:fillClrLst>
+    <dgm:linClrLst meth="repeat">
+      <a:schemeClr val="lt1"/>
+    </dgm:linClrLst>
+    <dgm:effectClrLst/>
+    <dgm:txLinClrLst/>
+    <dgm:txFillClrLst meth="repeat">
+      <a:schemeClr val="lt1"/>
+    </dgm:txFillClrLst>
+    <dgm:txEffectClrLst/>
+  </dgm:styleLbl>
+  <dgm:styleLbl name="parChTrans2D2">
+    <dgm:fillClrLst meth="repeat">
+      <a:schemeClr val="accent3"/>
+    </dgm:fillClrLst>
+    <dgm:linClrLst meth="repeat">
+      <a:schemeClr val="lt1"/>
+    </dgm:linClrLst>
+    <dgm:effectClrLst/>
+    <dgm:txLinClrLst/>
+    <dgm:txFillClrLst/>
+    <dgm:txEffectClrLst/>
+  </dgm:styleLbl>
+  <dgm:styleLbl name="parChTrans2D3">
+    <dgm:fillClrLst meth="repeat">
+      <a:schemeClr val="accent4"/>
+    </dgm:fillClrLst>
+    <dgm:linClrLst meth="repeat">
+      <a:schemeClr val="lt1"/>
+    </dgm:linClrLst>
+    <dgm:effectClrLst/>
+    <dgm:txLinClrLst/>
+    <dgm:txFillClrLst/>
+    <dgm:txEffectClrLst/>
+  </dgm:styleLbl>
+  <dgm:styleLbl name="parChTrans2D4">
+    <dgm:fillClrLst meth="repeat">
+      <a:schemeClr val="accent5"/>
+    </dgm:fillClrLst>
+    <dgm:linClrLst meth="repeat">
+      <a:schemeClr val="lt1"/>
+    </dgm:linClrLst>
+    <dgm:effectClrLst/>
+    <dgm:txLinClrLst/>
+    <dgm:txFillClrLst meth="repeat">
+      <a:schemeClr val="lt1"/>
+    </dgm:txFillClrLst>
+    <dgm:txEffectClrLst/>
+  </dgm:styleLbl>
+  <dgm:styleLbl name="parChTrans1D1">
+    <dgm:fillClrLst meth="repeat">
+      <a:schemeClr val="accent2"/>
+    </dgm:fillClrLst>
+    <dgm:linClrLst meth="repeat">
+      <a:schemeClr val="accent2"/>
+    </dgm:linClrLst>
+    <dgm:effectClrLst/>
+    <dgm:txLinClrLst/>
+    <dgm:txFillClrLst meth="repeat">
+      <a:schemeClr val="tx1"/>
+    </dgm:txFillClrLst>
+    <dgm:txEffectClrLst/>
+  </dgm:styleLbl>
+  <dgm:styleLbl name="parChTrans1D2">
+    <dgm:fillClrLst meth="repeat">
+      <a:schemeClr val="accent2">
+        <a:tint val="90000"/>
+      </a:schemeClr>
+    </dgm:fillClrLst>
+    <dgm:linClrLst meth="repeat">
+      <a:schemeClr val="accent3"/>
+    </dgm:linClrLst>
+    <dgm:effectClrLst/>
+    <dgm:txLinClrLst/>
+    <dgm:txFillClrLst meth="repeat">
+      <a:schemeClr val="tx1"/>
+    </dgm:txFillClrLst>
+    <dgm:txEffectClrLst/>
+  </dgm:styleLbl>
+  <dgm:styleLbl name="parChTrans1D3">
+    <dgm:fillClrLst meth="repeat">
+      <a:schemeClr val="accent2">
+        <a:tint val="70000"/>
+      </a:schemeClr>
+    </dgm:fillClrLst>
+    <dgm:linClrLst meth="repeat">
+      <a:schemeClr val="accent4"/>
+    </dgm:linClrLst>
+    <dgm:effectClrLst/>
+    <dgm:txLinClrLst/>
+    <dgm:txFillClrLst meth="repeat">
+      <a:schemeClr val="tx1"/>
+    </dgm:txFillClrLst>
+    <dgm:txEffectClrLst/>
+  </dgm:styleLbl>
+  <dgm:styleLbl name="parChTrans1D4">
+    <dgm:fillClrLst meth="repeat">
+      <a:schemeClr val="accent2">
+        <a:tint val="50000"/>
+      </a:schemeClr>
+    </dgm:fillClrLst>
+    <dgm:linClrLst meth="repeat">
+      <a:schemeClr val="accent5"/>
+    </dgm:linClrLst>
+    <dgm:effectClrLst/>
+    <dgm:txLinClrLst/>
+    <dgm:txFillClrLst meth="repeat">
+      <a:schemeClr val="tx1"/>
+    </dgm:txFillClrLst>
+    <dgm:txEffectClrLst/>
+  </dgm:styleLbl>
+  <dgm:styleLbl name="fgAcc1">
+    <dgm:fillClrLst meth="repeat">
+      <a:schemeClr val="lt1">
+        <a:alpha val="90000"/>
+      </a:schemeClr>
+    </dgm:fillClrLst>
+    <dgm:linClrLst>
+      <a:schemeClr val="accent2"/>
+      <a:schemeClr val="accent3"/>
+    </dgm:linClrLst>
+    <dgm:effectClrLst/>
+    <dgm:txLinClrLst/>
+    <dgm:txFillClrLst meth="repeat">
+      <a:schemeClr val="dk1"/>
+    </dgm:txFillClrLst>
+    <dgm:txEffectClrLst/>
+  </dgm:styleLbl>
+  <dgm:styleLbl name="conFgAcc1">
+    <dgm:fillClrLst meth="repeat">
+      <a:schemeClr val="lt1">
+        <a:alpha val="90000"/>
+      </a:schemeClr>
+    </dgm:fillClrLst>
+    <dgm:linClrLst>
+      <a:schemeClr val="accent2"/>
+      <a:schemeClr val="accent3"/>
+    </dgm:linClrLst>
+    <dgm:effectClrLst/>
+    <dgm:txLinClrLst/>
+    <dgm:txFillClrLst meth="repeat">
+      <a:schemeClr val="dk1"/>
+    </dgm:txFillClrLst>
+    <dgm:txEffectClrLst/>
+  </dgm:styleLbl>
+  <dgm:styleLbl name="alignAcc1">
+    <dgm:fillClrLst meth="repeat">
+      <a:schemeClr val="lt1">
+        <a:alpha val="90000"/>
+      </a:schemeClr>
+    </dgm:fillClrLst>
+    <dgm:linClrLst>
+      <a:schemeClr val="accent2"/>
+      <a:schemeClr val="accent3"/>
+    </dgm:linClrLst>
+    <dgm:effectClrLst/>
+    <dgm:txLinClrLst/>
+    <dgm:txFillClrLst meth="repeat">
+      <a:schemeClr val="dk1"/>
+    </dgm:txFillClrLst>
+    <dgm:txEffectClrLst/>
+  </dgm:styleLbl>
+  <dgm:styleLbl name="trAlignAcc1">
+    <dgm:fillClrLst meth="repeat">
+      <a:schemeClr val="lt1">
+        <a:alpha val="40000"/>
+      </a:schemeClr>
+    </dgm:fillClrLst>
+    <dgm:linClrLst meth="repeat">
+      <a:schemeClr val="accent2"/>
+    </dgm:linClrLst>
+    <dgm:effectClrLst/>
+    <dgm:txLinClrLst/>
+    <dgm:txFillClrLst meth="repeat">
+      <a:schemeClr val="dk1"/>
+    </dgm:txFillClrLst>
+    <dgm:txEffectClrLst/>
+  </dgm:styleLbl>
+  <dgm:styleLbl name="bgAcc1">
+    <dgm:fillClrLst meth="repeat">
+      <a:schemeClr val="lt1">
+        <a:alpha val="90000"/>
+      </a:schemeClr>
+    </dgm:fillClrLst>
+    <dgm:linClrLst>
+      <a:schemeClr val="accent2"/>
+      <a:schemeClr val="accent3"/>
+    </dgm:linClrLst>
+    <dgm:effectClrLst/>
+    <dgm:txLinClrLst/>
+    <dgm:txFillClrLst meth="repeat">
+      <a:schemeClr val="dk1"/>
+    </dgm:txFillClrLst>
+    <dgm:txEffectClrLst/>
+  </dgm:styleLbl>
+  <dgm:styleLbl name="solidFgAcc1">
+    <dgm:fillClrLst meth="repeat">
+      <a:schemeClr val="lt1"/>
+    </dgm:fillClrLst>
+    <dgm:linClrLst>
+      <a:schemeClr val="accent2"/>
+      <a:schemeClr val="accent3"/>
+    </dgm:linClrLst>
+    <dgm:effectClrLst/>
+    <dgm:txLinClrLst/>
+    <dgm:txFillClrLst meth="repeat">
+      <a:schemeClr val="dk1"/>
+    </dgm:txFillClrLst>
+    <dgm:txEffectClrLst/>
+  </dgm:styleLbl>
+  <dgm:styleLbl name="solidAlignAcc1">
+    <dgm:fillClrLst meth="repeat">
+      <a:schemeClr val="lt1"/>
+    </dgm:fillClrLst>
+    <dgm:linClrLst>
+      <a:schemeClr val="accent2"/>
+      <a:schemeClr val="accent3"/>
+    </dgm:linClrLst>
+    <dgm:effectClrLst/>
+    <dgm:txLinClrLst/>
+    <dgm:txFillClrLst meth="repeat">
+      <a:schemeClr val="dk1"/>
+    </dgm:txFillClrLst>
+    <dgm:txEffectClrLst/>
+  </dgm:styleLbl>
+  <dgm:styleLbl name="solidBgAcc1">
+    <dgm:fillClrLst meth="repeat">
+      <a:schemeClr val="lt1"/>
+    </dgm:fillClrLst>
+    <dgm:linClrLst>
+      <a:schemeClr val="accent2"/>
+      <a:schemeClr val="accent3"/>
+    </dgm:linClrLst>
+    <dgm:effectClrLst/>
+    <dgm:txLinClrLst/>
+    <dgm:txFillClrLst meth="repeat">
+      <a:schemeClr val="dk1"/>
+    </dgm:txFillClrLst>
+    <dgm:txEffectClrLst/>
+  </dgm:styleLbl>
+  <dgm:styleLbl name="fgAccFollowNode1">
+    <dgm:fillClrLst>
+      <a:schemeClr val="accent2">
+        <a:tint val="40000"/>
+        <a:alpha val="90000"/>
+      </a:schemeClr>
+      <a:schemeClr val="accent3">
+        <a:tint val="40000"/>
+        <a:alpha val="90000"/>
+      </a:schemeClr>
+    </dgm:fillClrLst>
+    <dgm:linClrLst>
+      <a:schemeClr val="accent2">
+        <a:tint val="40000"/>
+        <a:alpha val="90000"/>
+      </a:schemeClr>
+      <a:schemeClr val="accent3">
+        <a:tint val="40000"/>
+        <a:alpha val="90000"/>
+      </a:schemeClr>
+    </dgm:linClrLst>
+    <dgm:effectClrLst/>
+    <dgm:txLinClrLst/>
+    <dgm:txFillClrLst meth="repeat">
+      <a:schemeClr val="dk1"/>
+    </dgm:txFillClrLst>
+    <dgm:txEffectClrLst/>
+  </dgm:styleLbl>
+  <dgm:styleLbl name="alignAccFollowNode1">
+    <dgm:fillClrLst>
+      <a:schemeClr val="accent2">
+        <a:tint val="40000"/>
+        <a:alpha val="90000"/>
+      </a:schemeClr>
+      <a:schemeClr val="accent3">
+        <a:tint val="40000"/>
+        <a:alpha val="90000"/>
+      </a:schemeClr>
+    </dgm:fillClrLst>
+    <dgm:linClrLst>
+      <a:schemeClr val="accent2">
+        <a:tint val="40000"/>
+        <a:alpha val="90000"/>
+      </a:schemeClr>
+      <a:schemeClr val="accent3">
+        <a:tint val="40000"/>
+        <a:alpha val="90000"/>
+      </a:schemeClr>
+    </dgm:linClrLst>
+    <dgm:effectClrLst/>
+    <dgm:txLinClrLst/>
+    <dgm:txFillClrLst meth="repeat">
+      <a:schemeClr val="dk1"/>
+    </dgm:txFillClrLst>
+    <dgm:txEffectClrLst/>
+  </dgm:styleLbl>
+  <dgm:styleLbl name="bgAccFollowNode1">
+    <dgm:fillClrLst>
+      <a:schemeClr val="accent2">
+        <a:tint val="40000"/>
+        <a:alpha val="90000"/>
+      </a:schemeClr>
+      <a:schemeClr val="accent3">
+        <a:tint val="40000"/>
+        <a:alpha val="90000"/>
+      </a:schemeClr>
+    </dgm:fillClrLst>
+    <dgm:linClrLst>
+      <a:schemeClr val="accent2">
+        <a:tint val="40000"/>
+        <a:alpha val="90000"/>
+      </a:schemeClr>
+      <a:schemeClr val="accent3">
+        <a:tint val="40000"/>
+        <a:alpha val="90000"/>
+      </a:schemeClr>
+    </dgm:linClrLst>
+    <dgm:effectClrLst/>
+    <dgm:txLinClrLst/>
+    <dgm:txFillClrLst meth="repeat">
+      <a:schemeClr val="dk1"/>
+    </dgm:txFillClrLst>
+    <dgm:txEffectClrLst/>
+  </dgm:styleLbl>
+  <dgm:styleLbl name="fgAcc0">
+    <dgm:fillClrLst meth="repeat">
+      <a:schemeClr val="lt1">
+        <a:alpha val="90000"/>
+      </a:schemeClr>
+    </dgm:fillClrLst>
+    <dgm:linClrLst>
+      <a:schemeClr val="accent1"/>
+    </dgm:linClrLst>
+    <dgm:effectClrLst/>
+    <dgm:txLinClrLst/>
+    <dgm:txFillClrLst meth="repeat">
+      <a:schemeClr val="dk1"/>
+    </dgm:txFillClrLst>
+    <dgm:txEffectClrLst/>
+  </dgm:styleLbl>
+  <dgm:styleLbl name="fgAcc2">
+    <dgm:fillClrLst meth="repeat">
+      <a:schemeClr val="lt1">
+        <a:alpha val="90000"/>
+      </a:schemeClr>
+    </dgm:fillClrLst>
+    <dgm:linClrLst>
+      <a:schemeClr val="accent3"/>
+    </dgm:linClrLst>
+    <dgm:effectClrLst/>
+    <dgm:txLinClrLst/>
+    <dgm:txFillClrLst meth="repeat">
+      <a:schemeClr val="dk1"/>
+    </dgm:txFillClrLst>
+    <dgm:txEffectClrLst/>
+  </dgm:styleLbl>
+  <dgm:styleLbl name="fgAcc3">
+    <dgm:fillClrLst meth="repeat">
+      <a:schemeClr val="lt1">
+        <a:alpha val="90000"/>
+      </a:schemeClr>
+    </dgm:fillClrLst>
+    <dgm:linClrLst>
+      <a:schemeClr val="accent4"/>
+    </dgm:linClrLst>
+    <dgm:effectClrLst/>
+    <dgm:txLinClrLst/>
+    <dgm:txFillClrLst meth="repeat">
+      <a:schemeClr val="dk1"/>
+    </dgm:txFillClrLst>
+    <dgm:txEffectClrLst/>
+  </dgm:styleLbl>
+  <dgm:styleLbl name="fgAcc4">
+    <dgm:fillClrLst meth="repeat">
+      <a:schemeClr val="lt1">
+        <a:alpha val="90000"/>
+      </a:schemeClr>
+    </dgm:fillClrLst>
+    <dgm:linClrLst>
+      <a:schemeClr val="accent5"/>
+    </dgm:linClrLst>
+    <dgm:effectClrLst/>
+    <dgm:txLinClrLst/>
+    <dgm:txFillClrLst meth="repeat">
+      <a:schemeClr val="dk1"/>
+    </dgm:txFillClrLst>
+    <dgm:txEffectClrLst/>
+  </dgm:styleLbl>
+  <dgm:styleLbl name="bgShp">
+    <dgm:fillClrLst meth="repeat">
+      <a:schemeClr val="accent2">
+        <a:tint val="40000"/>
+      </a:schemeClr>
+    </dgm:fillClrLst>
+    <dgm:linClrLst meth="repeat">
+      <a:schemeClr val="dk1"/>
+    </dgm:linClrLst>
+    <dgm:effectClrLst/>
+    <dgm:txLinClrLst/>
+    <dgm:txFillClrLst meth="repeat">
+      <a:schemeClr val="dk1"/>
+    </dgm:txFillClrLst>
+    <dgm:txEffectClrLst/>
+  </dgm:styleLbl>
+  <dgm:styleLbl name="dkBgShp">
+    <dgm:fillClrLst meth="repeat">
+      <a:schemeClr val="accent2">
+        <a:shade val="90000"/>
+      </a:schemeClr>
+    </dgm:fillClrLst>
+    <dgm:linClrLst meth="repeat">
+      <a:schemeClr val="dk1"/>
+    </dgm:linClrLst>
+    <dgm:effectClrLst/>
+    <dgm:txLinClrLst/>
+    <dgm:txFillClrLst meth="repeat">
+      <a:schemeClr val="lt1"/>
+    </dgm:txFillClrLst>
+    <dgm:txEffectClrLst/>
+  </dgm:styleLbl>
+  <dgm:styleLbl name="trBgShp">
+    <dgm:fillClrLst meth="repeat">
+      <a:schemeClr val="accent2">
+        <a:tint val="50000"/>
+        <a:alpha val="40000"/>
+      </a:schemeClr>
+    </dgm:fillClrLst>
+    <dgm:linClrLst meth="repeat">
+      <a:schemeClr val="accent2"/>
+    </dgm:linClrLst>
+    <dgm:effectClrLst/>
+    <dgm:txLinClrLst/>
+    <dgm:txFillClrLst meth="repeat">
+      <a:schemeClr val="lt1"/>
+    </dgm:txFillClrLst>
+    <dgm:txEffectClrLst/>
+  </dgm:styleLbl>
+  <dgm:styleLbl name="fgShp">
+    <dgm:fillClrLst meth="repeat">
+      <a:schemeClr val="accent2">
+        <a:tint val="40000"/>
+      </a:schemeClr>
+    </dgm:fillClrLst>
+    <dgm:linClrLst meth="repeat">
+      <a:schemeClr val="lt1"/>
+    </dgm:linClrLst>
+    <dgm:effectClrLst/>
+    <dgm:txLinClrLst/>
+    <dgm:txFillClrLst meth="repeat">
+      <a:schemeClr val="dk1"/>
+    </dgm:txFillClrLst>
+    <dgm:txEffectClrLst/>
+  </dgm:styleLbl>
+  <dgm:styleLbl name="revTx">
+    <dgm:fillClrLst meth="repeat">
+      <a:schemeClr val="lt1">
+        <a:alpha val="0"/>
+      </a:schemeClr>
+    </dgm:fillClrLst>
+    <dgm:linClrLst meth="repeat">
+      <a:schemeClr val="dk1">
+        <a:alpha val="0"/>
+      </a:schemeClr>
+    </dgm:linClrLst>
+    <dgm:effectClrLst/>
+    <dgm:txLinClrLst/>
+    <dgm:txFillClrLst meth="repeat">
+      <a:schemeClr val="tx1"/>
+    </dgm:txFillClrLst>
+    <dgm:txEffectClrLst/>
+  </dgm:styleLbl>
+</dgm:colorsDef>
+</file>
+
+<file path=ppt/diagrams/colors4.xml><?xml version="1.0" encoding="utf-8"?>
 <dgm:colorsDef xmlns:dgm="http://schemas.openxmlformats.org/drawingml/2006/diagram" xmlns:a="http://schemas.openxmlformats.org/drawingml/2006/main" uniqueId="urn:microsoft.com/office/officeart/2005/8/colors/colorful2">
   <dgm:title val=""/>
   <dgm:desc val=""/>
@@ -5047,6 +5833,634 @@
   <dgm:extLst>
     <a:ext uri="http://schemas.microsoft.com/office/drawing/2008/diagram">
       <dsp:dataModelExt xmlns:dsp="http://schemas.microsoft.com/office/drawing/2008/diagram" relId="rId8" minVer="http://schemas.openxmlformats.org/drawingml/2006/diagram"/>
+    </a:ext>
+  </dgm:extLst>
+</dgm:dataModel>
+</file>
+
+<file path=ppt/diagrams/data4.xml><?xml version="1.0" encoding="utf-8"?>
+<dgm:dataModel xmlns:dgm="http://schemas.openxmlformats.org/drawingml/2006/diagram" xmlns:a="http://schemas.openxmlformats.org/drawingml/2006/main">
+  <dgm:ptLst>
+    <dgm:pt modelId="{2E023F88-A089-4001-B9D3-B6FAFF5A8C31}" type="doc">
+      <dgm:prSet loTypeId="urn:microsoft.com/office/officeart/2005/8/layout/orgChart1" loCatId="hierarchy" qsTypeId="urn:microsoft.com/office/officeart/2005/8/quickstyle/simple1" qsCatId="simple" csTypeId="urn:microsoft.com/office/officeart/2005/8/colors/colorful2" csCatId="colorful" phldr="1"/>
+      <dgm:spPr/>
+      <dgm:t>
+        <a:bodyPr/>
+        <a:lstStyle/>
+        <a:p>
+          <a:endParaRPr lang="es-AR"/>
+        </a:p>
+      </dgm:t>
+    </dgm:pt>
+    <dgm:pt modelId="{D04AEC4C-0833-45D3-8084-54651BF666CC}">
+      <dgm:prSet phldrT="[Text]"/>
+      <dgm:spPr/>
+      <dgm:t>
+        <a:bodyPr/>
+        <a:lstStyle/>
+        <a:p>
+          <a:r>
+            <a:rPr lang="es-AR" dirty="0"/>
+            <a:t>Cloud</a:t>
+          </a:r>
+        </a:p>
+        <a:p>
+          <a:r>
+            <a:rPr lang="es-AR" dirty="0"/>
+            <a:t>RTOS</a:t>
+          </a:r>
+        </a:p>
+      </dgm:t>
+    </dgm:pt>
+    <dgm:pt modelId="{A43164C3-FDB2-4B2A-8E94-33080CD4EE99}" type="parTrans" cxnId="{4F435EF9-D42F-4712-ABE3-DBA9934EBBC8}">
+      <dgm:prSet/>
+      <dgm:spPr/>
+      <dgm:t>
+        <a:bodyPr/>
+        <a:lstStyle/>
+        <a:p>
+          <a:endParaRPr lang="es-AR"/>
+        </a:p>
+      </dgm:t>
+    </dgm:pt>
+    <dgm:pt modelId="{FFE20448-E6AE-42CF-93CD-EB55FCA0C75D}" type="sibTrans" cxnId="{4F435EF9-D42F-4712-ABE3-DBA9934EBBC8}">
+      <dgm:prSet/>
+      <dgm:spPr/>
+      <dgm:t>
+        <a:bodyPr/>
+        <a:lstStyle/>
+        <a:p>
+          <a:endParaRPr lang="es-AR"/>
+        </a:p>
+      </dgm:t>
+    </dgm:pt>
+    <dgm:pt modelId="{2190907B-883D-49AA-97B2-7241430D85A0}">
+      <dgm:prSet phldrT="[Text]"/>
+      <dgm:spPr/>
+      <dgm:t>
+        <a:bodyPr/>
+        <a:lstStyle/>
+        <a:p>
+          <a:r>
+            <a:rPr lang="es-AR" dirty="0"/>
+            <a:t>Data Base</a:t>
+          </a:r>
+        </a:p>
+      </dgm:t>
+    </dgm:pt>
+    <dgm:pt modelId="{107EBA30-4735-499D-B02E-2D07AECBEDF1}" type="parTrans" cxnId="{F13C190A-0294-463F-A1BC-747333877757}">
+      <dgm:prSet/>
+      <dgm:spPr/>
+      <dgm:t>
+        <a:bodyPr/>
+        <a:lstStyle/>
+        <a:p>
+          <a:endParaRPr lang="es-AR"/>
+        </a:p>
+      </dgm:t>
+    </dgm:pt>
+    <dgm:pt modelId="{A9F4E508-D497-495F-A67A-DF3686AA7588}" type="sibTrans" cxnId="{F13C190A-0294-463F-A1BC-747333877757}">
+      <dgm:prSet/>
+      <dgm:spPr/>
+      <dgm:t>
+        <a:bodyPr/>
+        <a:lstStyle/>
+        <a:p>
+          <a:endParaRPr lang="es-AR"/>
+        </a:p>
+      </dgm:t>
+    </dgm:pt>
+    <dgm:pt modelId="{5F0FA74B-9D9E-44B9-BF4F-DD916686D582}">
+      <dgm:prSet phldrT="[Text]"/>
+      <dgm:spPr/>
+      <dgm:t>
+        <a:bodyPr/>
+        <a:lstStyle/>
+        <a:p>
+          <a:r>
+            <a:rPr lang="es-AR" dirty="0"/>
+            <a:t>LED</a:t>
+          </a:r>
+        </a:p>
+      </dgm:t>
+    </dgm:pt>
+    <dgm:pt modelId="{42DAB07F-304E-4701-90AA-3C2005930D1C}" type="parTrans" cxnId="{3DFAEC9D-F43B-4779-A153-2B7ABB1975B1}">
+      <dgm:prSet/>
+      <dgm:spPr/>
+      <dgm:t>
+        <a:bodyPr/>
+        <a:lstStyle/>
+        <a:p>
+          <a:endParaRPr lang="es-AR"/>
+        </a:p>
+      </dgm:t>
+    </dgm:pt>
+    <dgm:pt modelId="{C1517E95-A866-4ABB-B96F-1C861355E34F}" type="sibTrans" cxnId="{3DFAEC9D-F43B-4779-A153-2B7ABB1975B1}">
+      <dgm:prSet/>
+      <dgm:spPr/>
+      <dgm:t>
+        <a:bodyPr/>
+        <a:lstStyle/>
+        <a:p>
+          <a:endParaRPr lang="es-AR"/>
+        </a:p>
+      </dgm:t>
+    </dgm:pt>
+    <dgm:pt modelId="{7F2FE843-F9FE-4D54-AA47-B2532A523B00}">
+      <dgm:prSet phldrT="[Text]"/>
+      <dgm:spPr/>
+      <dgm:t>
+        <a:bodyPr/>
+        <a:lstStyle/>
+        <a:p>
+          <a:r>
+            <a:rPr lang="es-AR" dirty="0"/>
+            <a:t>Gateway</a:t>
+          </a:r>
+        </a:p>
+        <a:p>
+          <a:r>
+            <a:rPr lang="es-AR" dirty="0"/>
+            <a:t>Comm</a:t>
+          </a:r>
+        </a:p>
+      </dgm:t>
+    </dgm:pt>
+    <dgm:pt modelId="{36F57F05-40A4-4BE2-B01C-898B85556F3A}" type="parTrans" cxnId="{6AAA88CE-E234-40E1-8710-087EEE4AF017}">
+      <dgm:prSet/>
+      <dgm:spPr/>
+      <dgm:t>
+        <a:bodyPr/>
+        <a:lstStyle/>
+        <a:p>
+          <a:endParaRPr lang="es-AR"/>
+        </a:p>
+      </dgm:t>
+    </dgm:pt>
+    <dgm:pt modelId="{4A67387A-E64F-43D3-9BDD-BD5BB846C29B}" type="sibTrans" cxnId="{6AAA88CE-E234-40E1-8710-087EEE4AF017}">
+      <dgm:prSet/>
+      <dgm:spPr/>
+      <dgm:t>
+        <a:bodyPr/>
+        <a:lstStyle/>
+        <a:p>
+          <a:endParaRPr lang="es-AR"/>
+        </a:p>
+      </dgm:t>
+    </dgm:pt>
+    <dgm:pt modelId="{B1C050F0-74CA-41CC-AAFC-1A5248388778}">
+      <dgm:prSet/>
+      <dgm:spPr/>
+      <dgm:t>
+        <a:bodyPr/>
+        <a:lstStyle/>
+        <a:p>
+          <a:r>
+            <a:rPr lang="es-AR" dirty="0"/>
+            <a:t>PIT</a:t>
+          </a:r>
+        </a:p>
+      </dgm:t>
+    </dgm:pt>
+    <dgm:pt modelId="{01A2AF55-B47E-4EA2-9C01-C5043F8C01E9}" type="parTrans" cxnId="{99216E49-7CD7-4B5F-96BE-2AFF1F5AD7F1}">
+      <dgm:prSet/>
+      <dgm:spPr/>
+      <dgm:t>
+        <a:bodyPr/>
+        <a:lstStyle/>
+        <a:p>
+          <a:endParaRPr lang="es-AR"/>
+        </a:p>
+      </dgm:t>
+    </dgm:pt>
+    <dgm:pt modelId="{A1EF046E-75EF-4F1E-8546-685189D36494}" type="sibTrans" cxnId="{99216E49-7CD7-4B5F-96BE-2AFF1F5AD7F1}">
+      <dgm:prSet/>
+      <dgm:spPr/>
+      <dgm:t>
+        <a:bodyPr/>
+        <a:lstStyle/>
+        <a:p>
+          <a:endParaRPr lang="es-AR"/>
+        </a:p>
+      </dgm:t>
+    </dgm:pt>
+    <dgm:pt modelId="{73389F7A-8DF1-4106-AF31-60F156825B39}">
+      <dgm:prSet/>
+      <dgm:spPr/>
+      <dgm:t>
+        <a:bodyPr/>
+        <a:lstStyle/>
+        <a:p>
+          <a:r>
+            <a:rPr lang="es-AR" dirty="0"/>
+            <a:t>UART</a:t>
+          </a:r>
+        </a:p>
+      </dgm:t>
+    </dgm:pt>
+    <dgm:pt modelId="{E650B100-3076-4DA9-A481-834A0A5304D2}" type="parTrans" cxnId="{D53C9D5C-F625-43EE-B0F8-59ADE433D285}">
+      <dgm:prSet/>
+      <dgm:spPr/>
+      <dgm:t>
+        <a:bodyPr/>
+        <a:lstStyle/>
+        <a:p>
+          <a:endParaRPr lang="es-AR"/>
+        </a:p>
+      </dgm:t>
+    </dgm:pt>
+    <dgm:pt modelId="{D5BEDBF4-62A7-4C98-BB97-C0D40B45F334}" type="sibTrans" cxnId="{D53C9D5C-F625-43EE-B0F8-59ADE433D285}">
+      <dgm:prSet/>
+      <dgm:spPr/>
+      <dgm:t>
+        <a:bodyPr/>
+        <a:lstStyle/>
+        <a:p>
+          <a:endParaRPr lang="es-AR"/>
+        </a:p>
+      </dgm:t>
+    </dgm:pt>
+    <dgm:pt modelId="{E5B377C9-8079-4C9C-9809-401FCEDB0767}">
+      <dgm:prSet/>
+      <dgm:spPr/>
+      <dgm:t>
+        <a:bodyPr/>
+        <a:lstStyle/>
+        <a:p>
+          <a:r>
+            <a:rPr lang="es-AR" dirty="0"/>
+            <a:t>GPIO</a:t>
+          </a:r>
+        </a:p>
+      </dgm:t>
+    </dgm:pt>
+    <dgm:pt modelId="{C619D7F9-BCB5-4BBA-A3B4-3C173A554A94}" type="parTrans" cxnId="{D98007EA-0F55-417F-A5D8-63104EBDE0BA}">
+      <dgm:prSet/>
+      <dgm:spPr/>
+      <dgm:t>
+        <a:bodyPr/>
+        <a:lstStyle/>
+        <a:p>
+          <a:endParaRPr lang="es-AR"/>
+        </a:p>
+      </dgm:t>
+    </dgm:pt>
+    <dgm:pt modelId="{3F36A0A4-133E-4FE8-9F61-CF69DD672F7D}" type="sibTrans" cxnId="{D98007EA-0F55-417F-A5D8-63104EBDE0BA}">
+      <dgm:prSet/>
+      <dgm:spPr/>
+      <dgm:t>
+        <a:bodyPr/>
+        <a:lstStyle/>
+        <a:p>
+          <a:endParaRPr lang="es-AR"/>
+        </a:p>
+      </dgm:t>
+    </dgm:pt>
+    <dgm:pt modelId="{B138CD57-AF28-4C14-A740-F3A487336A86}" type="pres">
+      <dgm:prSet presAssocID="{2E023F88-A089-4001-B9D3-B6FAFF5A8C31}" presName="hierChild1" presStyleCnt="0">
+        <dgm:presLayoutVars>
+          <dgm:orgChart val="1"/>
+          <dgm:chPref val="1"/>
+          <dgm:dir/>
+          <dgm:animOne val="branch"/>
+          <dgm:animLvl val="lvl"/>
+          <dgm:resizeHandles/>
+        </dgm:presLayoutVars>
+      </dgm:prSet>
+      <dgm:spPr/>
+    </dgm:pt>
+    <dgm:pt modelId="{2C1E3472-4551-4E1F-82FF-43FCF1AA4514}" type="pres">
+      <dgm:prSet presAssocID="{D04AEC4C-0833-45D3-8084-54651BF666CC}" presName="hierRoot1" presStyleCnt="0">
+        <dgm:presLayoutVars>
+          <dgm:hierBranch val="init"/>
+        </dgm:presLayoutVars>
+      </dgm:prSet>
+      <dgm:spPr/>
+    </dgm:pt>
+    <dgm:pt modelId="{CF713DDC-7B79-4B39-84B2-89B27331ED1A}" type="pres">
+      <dgm:prSet presAssocID="{D04AEC4C-0833-45D3-8084-54651BF666CC}" presName="rootComposite1" presStyleCnt="0"/>
+      <dgm:spPr/>
+    </dgm:pt>
+    <dgm:pt modelId="{80AB6942-ACA9-4750-9B00-B53846C73006}" type="pres">
+      <dgm:prSet presAssocID="{D04AEC4C-0833-45D3-8084-54651BF666CC}" presName="rootText1" presStyleLbl="node0" presStyleIdx="0" presStyleCnt="1">
+        <dgm:presLayoutVars>
+          <dgm:chPref val="3"/>
+        </dgm:presLayoutVars>
+      </dgm:prSet>
+      <dgm:spPr/>
+    </dgm:pt>
+    <dgm:pt modelId="{42C7BCB8-2E91-448C-97F0-9D48BCE645F4}" type="pres">
+      <dgm:prSet presAssocID="{D04AEC4C-0833-45D3-8084-54651BF666CC}" presName="rootConnector1" presStyleLbl="node1" presStyleIdx="0" presStyleCnt="0"/>
+      <dgm:spPr/>
+    </dgm:pt>
+    <dgm:pt modelId="{1531F0BC-A861-4B03-8D19-456C32B25010}" type="pres">
+      <dgm:prSet presAssocID="{D04AEC4C-0833-45D3-8084-54651BF666CC}" presName="hierChild2" presStyleCnt="0"/>
+      <dgm:spPr/>
+    </dgm:pt>
+    <dgm:pt modelId="{311A0BB6-9193-4656-8DA4-F9654584F13E}" type="pres">
+      <dgm:prSet presAssocID="{107EBA30-4735-499D-B02E-2D07AECBEDF1}" presName="Name37" presStyleLbl="parChTrans1D2" presStyleIdx="0" presStyleCnt="3"/>
+      <dgm:spPr/>
+    </dgm:pt>
+    <dgm:pt modelId="{8A3093E6-8DE7-4A61-BE1B-E4E4295D614A}" type="pres">
+      <dgm:prSet presAssocID="{2190907B-883D-49AA-97B2-7241430D85A0}" presName="hierRoot2" presStyleCnt="0">
+        <dgm:presLayoutVars>
+          <dgm:hierBranch val="init"/>
+        </dgm:presLayoutVars>
+      </dgm:prSet>
+      <dgm:spPr/>
+    </dgm:pt>
+    <dgm:pt modelId="{84D80272-70B3-46E2-B518-235632589F3C}" type="pres">
+      <dgm:prSet presAssocID="{2190907B-883D-49AA-97B2-7241430D85A0}" presName="rootComposite" presStyleCnt="0"/>
+      <dgm:spPr/>
+    </dgm:pt>
+    <dgm:pt modelId="{D0D8F376-4BEA-4CEC-850C-6C5678F7457D}" type="pres">
+      <dgm:prSet presAssocID="{2190907B-883D-49AA-97B2-7241430D85A0}" presName="rootText" presStyleLbl="node2" presStyleIdx="0" presStyleCnt="3">
+        <dgm:presLayoutVars>
+          <dgm:chPref val="3"/>
+        </dgm:presLayoutVars>
+      </dgm:prSet>
+      <dgm:spPr/>
+    </dgm:pt>
+    <dgm:pt modelId="{264FE59B-77D2-4419-847A-81402E65DC82}" type="pres">
+      <dgm:prSet presAssocID="{2190907B-883D-49AA-97B2-7241430D85A0}" presName="rootConnector" presStyleLbl="node2" presStyleIdx="0" presStyleCnt="3"/>
+      <dgm:spPr/>
+    </dgm:pt>
+    <dgm:pt modelId="{7E6958BC-5385-4D7C-95B2-467776A7DF3D}" type="pres">
+      <dgm:prSet presAssocID="{2190907B-883D-49AA-97B2-7241430D85A0}" presName="hierChild4" presStyleCnt="0"/>
+      <dgm:spPr/>
+    </dgm:pt>
+    <dgm:pt modelId="{465E0321-449B-4F39-8072-25A78921C9AD}" type="pres">
+      <dgm:prSet presAssocID="{2190907B-883D-49AA-97B2-7241430D85A0}" presName="hierChild5" presStyleCnt="0"/>
+      <dgm:spPr/>
+    </dgm:pt>
+    <dgm:pt modelId="{36F886DF-E68E-4685-BE89-5A4458ADC62A}" type="pres">
+      <dgm:prSet presAssocID="{42DAB07F-304E-4701-90AA-3C2005930D1C}" presName="Name37" presStyleLbl="parChTrans1D2" presStyleIdx="1" presStyleCnt="3"/>
+      <dgm:spPr/>
+    </dgm:pt>
+    <dgm:pt modelId="{63A245E9-491D-46DA-8E49-29BA5EBCE6CF}" type="pres">
+      <dgm:prSet presAssocID="{5F0FA74B-9D9E-44B9-BF4F-DD916686D582}" presName="hierRoot2" presStyleCnt="0">
+        <dgm:presLayoutVars>
+          <dgm:hierBranch val="init"/>
+        </dgm:presLayoutVars>
+      </dgm:prSet>
+      <dgm:spPr/>
+    </dgm:pt>
+    <dgm:pt modelId="{A9B28983-4B1F-4DC3-93A3-CF835BA21967}" type="pres">
+      <dgm:prSet presAssocID="{5F0FA74B-9D9E-44B9-BF4F-DD916686D582}" presName="rootComposite" presStyleCnt="0"/>
+      <dgm:spPr/>
+    </dgm:pt>
+    <dgm:pt modelId="{92E0DD4F-A5E8-4604-9493-52D0DB86CEBA}" type="pres">
+      <dgm:prSet presAssocID="{5F0FA74B-9D9E-44B9-BF4F-DD916686D582}" presName="rootText" presStyleLbl="node2" presStyleIdx="1" presStyleCnt="3" custLinFactNeighborX="1306" custLinFactNeighborY="-871">
+        <dgm:presLayoutVars>
+          <dgm:chPref val="3"/>
+        </dgm:presLayoutVars>
+      </dgm:prSet>
+      <dgm:spPr/>
+    </dgm:pt>
+    <dgm:pt modelId="{60AB83DE-C3A2-4FD1-8131-7E3ECF9F16B9}" type="pres">
+      <dgm:prSet presAssocID="{5F0FA74B-9D9E-44B9-BF4F-DD916686D582}" presName="rootConnector" presStyleLbl="node2" presStyleIdx="1" presStyleCnt="3"/>
+      <dgm:spPr/>
+    </dgm:pt>
+    <dgm:pt modelId="{1064AA24-C2C8-468B-B4E6-63F26C26B4A7}" type="pres">
+      <dgm:prSet presAssocID="{5F0FA74B-9D9E-44B9-BF4F-DD916686D582}" presName="hierChild4" presStyleCnt="0"/>
+      <dgm:spPr/>
+    </dgm:pt>
+    <dgm:pt modelId="{D6A64FBF-2983-472E-9AFB-596B7165D29D}" type="pres">
+      <dgm:prSet presAssocID="{C619D7F9-BCB5-4BBA-A3B4-3C173A554A94}" presName="Name37" presStyleLbl="parChTrans1D3" presStyleIdx="0" presStyleCnt="3"/>
+      <dgm:spPr/>
+    </dgm:pt>
+    <dgm:pt modelId="{6D3EBBED-1E66-4B19-9E74-7390A08032EA}" type="pres">
+      <dgm:prSet presAssocID="{E5B377C9-8079-4C9C-9809-401FCEDB0767}" presName="hierRoot2" presStyleCnt="0">
+        <dgm:presLayoutVars>
+          <dgm:hierBranch val="init"/>
+        </dgm:presLayoutVars>
+      </dgm:prSet>
+      <dgm:spPr/>
+    </dgm:pt>
+    <dgm:pt modelId="{2A4FABEA-95C4-43D4-81A0-B22BC7FCBBA6}" type="pres">
+      <dgm:prSet presAssocID="{E5B377C9-8079-4C9C-9809-401FCEDB0767}" presName="rootComposite" presStyleCnt="0"/>
+      <dgm:spPr/>
+    </dgm:pt>
+    <dgm:pt modelId="{9496136A-CF3F-46F1-B248-C3FCA71510DA}" type="pres">
+      <dgm:prSet presAssocID="{E5B377C9-8079-4C9C-9809-401FCEDB0767}" presName="rootText" presStyleLbl="node3" presStyleIdx="0" presStyleCnt="3">
+        <dgm:presLayoutVars>
+          <dgm:chPref val="3"/>
+        </dgm:presLayoutVars>
+      </dgm:prSet>
+      <dgm:spPr/>
+    </dgm:pt>
+    <dgm:pt modelId="{1554EF2D-70B7-4FF5-87EA-2A63ED9200A0}" type="pres">
+      <dgm:prSet presAssocID="{E5B377C9-8079-4C9C-9809-401FCEDB0767}" presName="rootConnector" presStyleLbl="node3" presStyleIdx="0" presStyleCnt="3"/>
+      <dgm:spPr/>
+    </dgm:pt>
+    <dgm:pt modelId="{C0D3E40F-DEAC-49E9-95EB-E02E276D02F6}" type="pres">
+      <dgm:prSet presAssocID="{E5B377C9-8079-4C9C-9809-401FCEDB0767}" presName="hierChild4" presStyleCnt="0"/>
+      <dgm:spPr/>
+    </dgm:pt>
+    <dgm:pt modelId="{B00FCC64-6A3E-4F57-8871-BBC332E2DAB2}" type="pres">
+      <dgm:prSet presAssocID="{E5B377C9-8079-4C9C-9809-401FCEDB0767}" presName="hierChild5" presStyleCnt="0"/>
+      <dgm:spPr/>
+    </dgm:pt>
+    <dgm:pt modelId="{C6EC0D86-DEC6-43B9-BC22-D7CD97792A4F}" type="pres">
+      <dgm:prSet presAssocID="{5F0FA74B-9D9E-44B9-BF4F-DD916686D582}" presName="hierChild5" presStyleCnt="0"/>
+      <dgm:spPr/>
+    </dgm:pt>
+    <dgm:pt modelId="{E2EC1232-E62E-40DB-996D-1DD46217CB5C}" type="pres">
+      <dgm:prSet presAssocID="{36F57F05-40A4-4BE2-B01C-898B85556F3A}" presName="Name37" presStyleLbl="parChTrans1D2" presStyleIdx="2" presStyleCnt="3"/>
+      <dgm:spPr/>
+    </dgm:pt>
+    <dgm:pt modelId="{34B288BB-3FE3-4E9D-8488-52A9E15A2207}" type="pres">
+      <dgm:prSet presAssocID="{7F2FE843-F9FE-4D54-AA47-B2532A523B00}" presName="hierRoot2" presStyleCnt="0">
+        <dgm:presLayoutVars>
+          <dgm:hierBranch val="init"/>
+        </dgm:presLayoutVars>
+      </dgm:prSet>
+      <dgm:spPr/>
+    </dgm:pt>
+    <dgm:pt modelId="{AFAF341E-6C0E-4C0B-ADE2-4FCB4A4F75F6}" type="pres">
+      <dgm:prSet presAssocID="{7F2FE843-F9FE-4D54-AA47-B2532A523B00}" presName="rootComposite" presStyleCnt="0"/>
+      <dgm:spPr/>
+    </dgm:pt>
+    <dgm:pt modelId="{370A86EE-B2B8-43F9-94B4-3796109A902D}" type="pres">
+      <dgm:prSet presAssocID="{7F2FE843-F9FE-4D54-AA47-B2532A523B00}" presName="rootText" presStyleLbl="node2" presStyleIdx="2" presStyleCnt="3">
+        <dgm:presLayoutVars>
+          <dgm:chPref val="3"/>
+        </dgm:presLayoutVars>
+      </dgm:prSet>
+      <dgm:spPr/>
+    </dgm:pt>
+    <dgm:pt modelId="{E074015F-559A-4561-93EA-11F9D8B93498}" type="pres">
+      <dgm:prSet presAssocID="{7F2FE843-F9FE-4D54-AA47-B2532A523B00}" presName="rootConnector" presStyleLbl="node2" presStyleIdx="2" presStyleCnt="3"/>
+      <dgm:spPr/>
+    </dgm:pt>
+    <dgm:pt modelId="{6FA4AF8E-87E7-490B-9A03-C50E42C2A631}" type="pres">
+      <dgm:prSet presAssocID="{7F2FE843-F9FE-4D54-AA47-B2532A523B00}" presName="hierChild4" presStyleCnt="0"/>
+      <dgm:spPr/>
+    </dgm:pt>
+    <dgm:pt modelId="{7397A2FE-4E59-46FF-B894-C4523D3E2866}" type="pres">
+      <dgm:prSet presAssocID="{01A2AF55-B47E-4EA2-9C01-C5043F8C01E9}" presName="Name37" presStyleLbl="parChTrans1D3" presStyleIdx="1" presStyleCnt="3"/>
+      <dgm:spPr/>
+    </dgm:pt>
+    <dgm:pt modelId="{3F23CE00-C569-4D37-856E-D4FC8DDC405B}" type="pres">
+      <dgm:prSet presAssocID="{B1C050F0-74CA-41CC-AAFC-1A5248388778}" presName="hierRoot2" presStyleCnt="0">
+        <dgm:presLayoutVars>
+          <dgm:hierBranch val="init"/>
+        </dgm:presLayoutVars>
+      </dgm:prSet>
+      <dgm:spPr/>
+    </dgm:pt>
+    <dgm:pt modelId="{8C897B4C-2910-4E98-9F91-26E15A1FE579}" type="pres">
+      <dgm:prSet presAssocID="{B1C050F0-74CA-41CC-AAFC-1A5248388778}" presName="rootComposite" presStyleCnt="0"/>
+      <dgm:spPr/>
+    </dgm:pt>
+    <dgm:pt modelId="{906B8C98-7C09-44DC-8E40-43D476E6F5F7}" type="pres">
+      <dgm:prSet presAssocID="{B1C050F0-74CA-41CC-AAFC-1A5248388778}" presName="rootText" presStyleLbl="node3" presStyleIdx="1" presStyleCnt="3">
+        <dgm:presLayoutVars>
+          <dgm:chPref val="3"/>
+        </dgm:presLayoutVars>
+      </dgm:prSet>
+      <dgm:spPr/>
+    </dgm:pt>
+    <dgm:pt modelId="{A67F10FC-0161-4E16-959E-99B9B9ADADFB}" type="pres">
+      <dgm:prSet presAssocID="{B1C050F0-74CA-41CC-AAFC-1A5248388778}" presName="rootConnector" presStyleLbl="node3" presStyleIdx="1" presStyleCnt="3"/>
+      <dgm:spPr/>
+    </dgm:pt>
+    <dgm:pt modelId="{B0829791-FF25-4A5B-9E92-31B9AD18C100}" type="pres">
+      <dgm:prSet presAssocID="{B1C050F0-74CA-41CC-AAFC-1A5248388778}" presName="hierChild4" presStyleCnt="0"/>
+      <dgm:spPr/>
+    </dgm:pt>
+    <dgm:pt modelId="{EAE1A5D7-DD8E-4D02-AA16-1F1AA63A443B}" type="pres">
+      <dgm:prSet presAssocID="{B1C050F0-74CA-41CC-AAFC-1A5248388778}" presName="hierChild5" presStyleCnt="0"/>
+      <dgm:spPr/>
+    </dgm:pt>
+    <dgm:pt modelId="{0440C98E-8F6E-471E-9A16-8649F30418B9}" type="pres">
+      <dgm:prSet presAssocID="{E650B100-3076-4DA9-A481-834A0A5304D2}" presName="Name37" presStyleLbl="parChTrans1D3" presStyleIdx="2" presStyleCnt="3"/>
+      <dgm:spPr/>
+    </dgm:pt>
+    <dgm:pt modelId="{9BA6FEFC-2422-402C-B09E-E078F16F661C}" type="pres">
+      <dgm:prSet presAssocID="{73389F7A-8DF1-4106-AF31-60F156825B39}" presName="hierRoot2" presStyleCnt="0">
+        <dgm:presLayoutVars>
+          <dgm:hierBranch val="init"/>
+        </dgm:presLayoutVars>
+      </dgm:prSet>
+      <dgm:spPr/>
+    </dgm:pt>
+    <dgm:pt modelId="{47347324-AF18-480A-9F0C-341928A93A6F}" type="pres">
+      <dgm:prSet presAssocID="{73389F7A-8DF1-4106-AF31-60F156825B39}" presName="rootComposite" presStyleCnt="0"/>
+      <dgm:spPr/>
+    </dgm:pt>
+    <dgm:pt modelId="{5652C2E6-83A2-442C-8521-630112330045}" type="pres">
+      <dgm:prSet presAssocID="{73389F7A-8DF1-4106-AF31-60F156825B39}" presName="rootText" presStyleLbl="node3" presStyleIdx="2" presStyleCnt="3">
+        <dgm:presLayoutVars>
+          <dgm:chPref val="3"/>
+        </dgm:presLayoutVars>
+      </dgm:prSet>
+      <dgm:spPr/>
+    </dgm:pt>
+    <dgm:pt modelId="{5A98CA7D-79C2-4148-8769-08A940A96DE3}" type="pres">
+      <dgm:prSet presAssocID="{73389F7A-8DF1-4106-AF31-60F156825B39}" presName="rootConnector" presStyleLbl="node3" presStyleIdx="2" presStyleCnt="3"/>
+      <dgm:spPr/>
+    </dgm:pt>
+    <dgm:pt modelId="{983E1A10-3AF2-4844-8BF4-64A73E608800}" type="pres">
+      <dgm:prSet presAssocID="{73389F7A-8DF1-4106-AF31-60F156825B39}" presName="hierChild4" presStyleCnt="0"/>
+      <dgm:spPr/>
+    </dgm:pt>
+    <dgm:pt modelId="{D9A0E3D7-8F8B-49F9-A79A-0C3187BAE221}" type="pres">
+      <dgm:prSet presAssocID="{73389F7A-8DF1-4106-AF31-60F156825B39}" presName="hierChild5" presStyleCnt="0"/>
+      <dgm:spPr/>
+    </dgm:pt>
+    <dgm:pt modelId="{7C52A49B-512A-4EAE-BB65-9A7CF58527DE}" type="pres">
+      <dgm:prSet presAssocID="{7F2FE843-F9FE-4D54-AA47-B2532A523B00}" presName="hierChild5" presStyleCnt="0"/>
+      <dgm:spPr/>
+    </dgm:pt>
+    <dgm:pt modelId="{5AB0EE23-1980-4211-83FC-710EA3596A22}" type="pres">
+      <dgm:prSet presAssocID="{D04AEC4C-0833-45D3-8084-54651BF666CC}" presName="hierChild3" presStyleCnt="0"/>
+      <dgm:spPr/>
+    </dgm:pt>
+  </dgm:ptLst>
+  <dgm:cxnLst>
+    <dgm:cxn modelId="{F13C190A-0294-463F-A1BC-747333877757}" srcId="{D04AEC4C-0833-45D3-8084-54651BF666CC}" destId="{2190907B-883D-49AA-97B2-7241430D85A0}" srcOrd="0" destOrd="0" parTransId="{107EBA30-4735-499D-B02E-2D07AECBEDF1}" sibTransId="{A9F4E508-D497-495F-A67A-DF3686AA7588}"/>
+    <dgm:cxn modelId="{22205B1D-D0E8-42DE-BAE7-E79E91729587}" type="presOf" srcId="{B1C050F0-74CA-41CC-AAFC-1A5248388778}" destId="{906B8C98-7C09-44DC-8E40-43D476E6F5F7}" srcOrd="0" destOrd="0" presId="urn:microsoft.com/office/officeart/2005/8/layout/orgChart1"/>
+    <dgm:cxn modelId="{EED2CD23-71FC-46B8-8FC7-0948ECD07906}" type="presOf" srcId="{5F0FA74B-9D9E-44B9-BF4F-DD916686D582}" destId="{60AB83DE-C3A2-4FD1-8131-7E3ECF9F16B9}" srcOrd="1" destOrd="0" presId="urn:microsoft.com/office/officeart/2005/8/layout/orgChart1"/>
+    <dgm:cxn modelId="{286C642A-EB5B-43E5-AC81-54AC43F50832}" type="presOf" srcId="{2190907B-883D-49AA-97B2-7241430D85A0}" destId="{264FE59B-77D2-4419-847A-81402E65DC82}" srcOrd="1" destOrd="0" presId="urn:microsoft.com/office/officeart/2005/8/layout/orgChart1"/>
+    <dgm:cxn modelId="{26D08A32-1F70-46D7-9150-4FC18290E1CB}" type="presOf" srcId="{107EBA30-4735-499D-B02E-2D07AECBEDF1}" destId="{311A0BB6-9193-4656-8DA4-F9654584F13E}" srcOrd="0" destOrd="0" presId="urn:microsoft.com/office/officeart/2005/8/layout/orgChart1"/>
+    <dgm:cxn modelId="{1CAD0E37-72FC-4BA2-BE7C-E589393D23A3}" type="presOf" srcId="{7F2FE843-F9FE-4D54-AA47-B2532A523B00}" destId="{370A86EE-B2B8-43F9-94B4-3796109A902D}" srcOrd="0" destOrd="0" presId="urn:microsoft.com/office/officeart/2005/8/layout/orgChart1"/>
+    <dgm:cxn modelId="{32F33D3A-280F-4640-A87D-E689F4C7E113}" type="presOf" srcId="{2E023F88-A089-4001-B9D3-B6FAFF5A8C31}" destId="{B138CD57-AF28-4C14-A740-F3A487336A86}" srcOrd="0" destOrd="0" presId="urn:microsoft.com/office/officeart/2005/8/layout/orgChart1"/>
+    <dgm:cxn modelId="{D53C9D5C-F625-43EE-B0F8-59ADE433D285}" srcId="{7F2FE843-F9FE-4D54-AA47-B2532A523B00}" destId="{73389F7A-8DF1-4106-AF31-60F156825B39}" srcOrd="1" destOrd="0" parTransId="{E650B100-3076-4DA9-A481-834A0A5304D2}" sibTransId="{D5BEDBF4-62A7-4C98-BB97-C0D40B45F334}"/>
+    <dgm:cxn modelId="{D3109542-9406-45F1-82CB-18F2609180A0}" type="presOf" srcId="{73389F7A-8DF1-4106-AF31-60F156825B39}" destId="{5652C2E6-83A2-442C-8521-630112330045}" srcOrd="0" destOrd="0" presId="urn:microsoft.com/office/officeart/2005/8/layout/orgChart1"/>
+    <dgm:cxn modelId="{99216E49-7CD7-4B5F-96BE-2AFF1F5AD7F1}" srcId="{7F2FE843-F9FE-4D54-AA47-B2532A523B00}" destId="{B1C050F0-74CA-41CC-AAFC-1A5248388778}" srcOrd="0" destOrd="0" parTransId="{01A2AF55-B47E-4EA2-9C01-C5043F8C01E9}" sibTransId="{A1EF046E-75EF-4F1E-8546-685189D36494}"/>
+    <dgm:cxn modelId="{13D95A4A-31FA-4ADE-8B8D-81BE238B05A6}" type="presOf" srcId="{E650B100-3076-4DA9-A481-834A0A5304D2}" destId="{0440C98E-8F6E-471E-9A16-8649F30418B9}" srcOrd="0" destOrd="0" presId="urn:microsoft.com/office/officeart/2005/8/layout/orgChart1"/>
+    <dgm:cxn modelId="{C6B6B66D-405B-4D3B-BBDE-99D2E6D87E9D}" type="presOf" srcId="{42DAB07F-304E-4701-90AA-3C2005930D1C}" destId="{36F886DF-E68E-4685-BE89-5A4458ADC62A}" srcOrd="0" destOrd="0" presId="urn:microsoft.com/office/officeart/2005/8/layout/orgChart1"/>
+    <dgm:cxn modelId="{28E3EF82-F0A1-4E4F-8513-733AE3BA53BF}" type="presOf" srcId="{D04AEC4C-0833-45D3-8084-54651BF666CC}" destId="{42C7BCB8-2E91-448C-97F0-9D48BCE645F4}" srcOrd="1" destOrd="0" presId="urn:microsoft.com/office/officeart/2005/8/layout/orgChart1"/>
+    <dgm:cxn modelId="{82A18886-4E5E-46CA-8F40-0CECF4361CA2}" type="presOf" srcId="{36F57F05-40A4-4BE2-B01C-898B85556F3A}" destId="{E2EC1232-E62E-40DB-996D-1DD46217CB5C}" srcOrd="0" destOrd="0" presId="urn:microsoft.com/office/officeart/2005/8/layout/orgChart1"/>
+    <dgm:cxn modelId="{EB40BA8E-41BE-4A13-89C5-55B309C48DDA}" type="presOf" srcId="{C619D7F9-BCB5-4BBA-A3B4-3C173A554A94}" destId="{D6A64FBF-2983-472E-9AFB-596B7165D29D}" srcOrd="0" destOrd="0" presId="urn:microsoft.com/office/officeart/2005/8/layout/orgChart1"/>
+    <dgm:cxn modelId="{CC78848F-B35D-4577-AD84-F4EE55078E38}" type="presOf" srcId="{D04AEC4C-0833-45D3-8084-54651BF666CC}" destId="{80AB6942-ACA9-4750-9B00-B53846C73006}" srcOrd="0" destOrd="0" presId="urn:microsoft.com/office/officeart/2005/8/layout/orgChart1"/>
+    <dgm:cxn modelId="{3C734291-4FAC-4A23-B701-DFA398660FE7}" type="presOf" srcId="{E5B377C9-8079-4C9C-9809-401FCEDB0767}" destId="{9496136A-CF3F-46F1-B248-C3FCA71510DA}" srcOrd="0" destOrd="0" presId="urn:microsoft.com/office/officeart/2005/8/layout/orgChart1"/>
+    <dgm:cxn modelId="{3DFAEC9D-F43B-4779-A153-2B7ABB1975B1}" srcId="{D04AEC4C-0833-45D3-8084-54651BF666CC}" destId="{5F0FA74B-9D9E-44B9-BF4F-DD916686D582}" srcOrd="1" destOrd="0" parTransId="{42DAB07F-304E-4701-90AA-3C2005930D1C}" sibTransId="{C1517E95-A866-4ABB-B96F-1C861355E34F}"/>
+    <dgm:cxn modelId="{766DC2A2-4C63-45CF-B65D-A7367B757F92}" type="presOf" srcId="{2190907B-883D-49AA-97B2-7241430D85A0}" destId="{D0D8F376-4BEA-4CEC-850C-6C5678F7457D}" srcOrd="0" destOrd="0" presId="urn:microsoft.com/office/officeart/2005/8/layout/orgChart1"/>
+    <dgm:cxn modelId="{B9D13EA8-ADC3-4C8F-9785-FAB6F97E0241}" type="presOf" srcId="{E5B377C9-8079-4C9C-9809-401FCEDB0767}" destId="{1554EF2D-70B7-4FF5-87EA-2A63ED9200A0}" srcOrd="1" destOrd="0" presId="urn:microsoft.com/office/officeart/2005/8/layout/orgChart1"/>
+    <dgm:cxn modelId="{881138BB-E24C-4E47-B8E4-13981F5F347C}" type="presOf" srcId="{73389F7A-8DF1-4106-AF31-60F156825B39}" destId="{5A98CA7D-79C2-4148-8769-08A940A96DE3}" srcOrd="1" destOrd="0" presId="urn:microsoft.com/office/officeart/2005/8/layout/orgChart1"/>
+    <dgm:cxn modelId="{787264C4-C05E-44B8-A521-699E9A383750}" type="presOf" srcId="{01A2AF55-B47E-4EA2-9C01-C5043F8C01E9}" destId="{7397A2FE-4E59-46FF-B894-C4523D3E2866}" srcOrd="0" destOrd="0" presId="urn:microsoft.com/office/officeart/2005/8/layout/orgChart1"/>
+    <dgm:cxn modelId="{0F9B70CB-B62C-4C37-AFF1-D83199632BD2}" type="presOf" srcId="{B1C050F0-74CA-41CC-AAFC-1A5248388778}" destId="{A67F10FC-0161-4E16-959E-99B9B9ADADFB}" srcOrd="1" destOrd="0" presId="urn:microsoft.com/office/officeart/2005/8/layout/orgChart1"/>
+    <dgm:cxn modelId="{6AAA88CE-E234-40E1-8710-087EEE4AF017}" srcId="{D04AEC4C-0833-45D3-8084-54651BF666CC}" destId="{7F2FE843-F9FE-4D54-AA47-B2532A523B00}" srcOrd="2" destOrd="0" parTransId="{36F57F05-40A4-4BE2-B01C-898B85556F3A}" sibTransId="{4A67387A-E64F-43D3-9BDD-BD5BB846C29B}"/>
+    <dgm:cxn modelId="{D98007EA-0F55-417F-A5D8-63104EBDE0BA}" srcId="{5F0FA74B-9D9E-44B9-BF4F-DD916686D582}" destId="{E5B377C9-8079-4C9C-9809-401FCEDB0767}" srcOrd="0" destOrd="0" parTransId="{C619D7F9-BCB5-4BBA-A3B4-3C173A554A94}" sibTransId="{3F36A0A4-133E-4FE8-9F61-CF69DD672F7D}"/>
+    <dgm:cxn modelId="{66380FF0-D838-4886-98E1-F97F2E11C7F2}" type="presOf" srcId="{5F0FA74B-9D9E-44B9-BF4F-DD916686D582}" destId="{92E0DD4F-A5E8-4604-9493-52D0DB86CEBA}" srcOrd="0" destOrd="0" presId="urn:microsoft.com/office/officeart/2005/8/layout/orgChart1"/>
+    <dgm:cxn modelId="{F14626F5-88D5-4BB3-9F3A-FAAC71923155}" type="presOf" srcId="{7F2FE843-F9FE-4D54-AA47-B2532A523B00}" destId="{E074015F-559A-4561-93EA-11F9D8B93498}" srcOrd="1" destOrd="0" presId="urn:microsoft.com/office/officeart/2005/8/layout/orgChart1"/>
+    <dgm:cxn modelId="{4F435EF9-D42F-4712-ABE3-DBA9934EBBC8}" srcId="{2E023F88-A089-4001-B9D3-B6FAFF5A8C31}" destId="{D04AEC4C-0833-45D3-8084-54651BF666CC}" srcOrd="0" destOrd="0" parTransId="{A43164C3-FDB2-4B2A-8E94-33080CD4EE99}" sibTransId="{FFE20448-E6AE-42CF-93CD-EB55FCA0C75D}"/>
+    <dgm:cxn modelId="{D0B0B015-4AF8-4146-86E1-848A70D66C66}" type="presParOf" srcId="{B138CD57-AF28-4C14-A740-F3A487336A86}" destId="{2C1E3472-4551-4E1F-82FF-43FCF1AA4514}" srcOrd="0" destOrd="0" presId="urn:microsoft.com/office/officeart/2005/8/layout/orgChart1"/>
+    <dgm:cxn modelId="{AF21378B-56CD-4B40-B14D-4F6BA2988AA2}" type="presParOf" srcId="{2C1E3472-4551-4E1F-82FF-43FCF1AA4514}" destId="{CF713DDC-7B79-4B39-84B2-89B27331ED1A}" srcOrd="0" destOrd="0" presId="urn:microsoft.com/office/officeart/2005/8/layout/orgChart1"/>
+    <dgm:cxn modelId="{28A1B8FC-209C-4FA9-8F06-CD5DAFE303C7}" type="presParOf" srcId="{CF713DDC-7B79-4B39-84B2-89B27331ED1A}" destId="{80AB6942-ACA9-4750-9B00-B53846C73006}" srcOrd="0" destOrd="0" presId="urn:microsoft.com/office/officeart/2005/8/layout/orgChart1"/>
+    <dgm:cxn modelId="{B98DA2A9-0A7E-49A2-AA73-F37773F7E8AE}" type="presParOf" srcId="{CF713DDC-7B79-4B39-84B2-89B27331ED1A}" destId="{42C7BCB8-2E91-448C-97F0-9D48BCE645F4}" srcOrd="1" destOrd="0" presId="urn:microsoft.com/office/officeart/2005/8/layout/orgChart1"/>
+    <dgm:cxn modelId="{E0ED28AA-79A1-4C8C-B084-6238A77B8ABF}" type="presParOf" srcId="{2C1E3472-4551-4E1F-82FF-43FCF1AA4514}" destId="{1531F0BC-A861-4B03-8D19-456C32B25010}" srcOrd="1" destOrd="0" presId="urn:microsoft.com/office/officeart/2005/8/layout/orgChart1"/>
+    <dgm:cxn modelId="{6A7F2C81-B33E-4C2E-8162-17C70313EE80}" type="presParOf" srcId="{1531F0BC-A861-4B03-8D19-456C32B25010}" destId="{311A0BB6-9193-4656-8DA4-F9654584F13E}" srcOrd="0" destOrd="0" presId="urn:microsoft.com/office/officeart/2005/8/layout/orgChart1"/>
+    <dgm:cxn modelId="{4B8AF11C-82D2-4686-BBC1-C02639E074BD}" type="presParOf" srcId="{1531F0BC-A861-4B03-8D19-456C32B25010}" destId="{8A3093E6-8DE7-4A61-BE1B-E4E4295D614A}" srcOrd="1" destOrd="0" presId="urn:microsoft.com/office/officeart/2005/8/layout/orgChart1"/>
+    <dgm:cxn modelId="{0AF4967A-203D-417C-8502-4C048F0634A7}" type="presParOf" srcId="{8A3093E6-8DE7-4A61-BE1B-E4E4295D614A}" destId="{84D80272-70B3-46E2-B518-235632589F3C}" srcOrd="0" destOrd="0" presId="urn:microsoft.com/office/officeart/2005/8/layout/orgChart1"/>
+    <dgm:cxn modelId="{7968617C-0A0E-450B-9693-7B671CC0DD81}" type="presParOf" srcId="{84D80272-70B3-46E2-B518-235632589F3C}" destId="{D0D8F376-4BEA-4CEC-850C-6C5678F7457D}" srcOrd="0" destOrd="0" presId="urn:microsoft.com/office/officeart/2005/8/layout/orgChart1"/>
+    <dgm:cxn modelId="{FD96D5BD-226C-4342-BF47-D6D5BBD7F1E0}" type="presParOf" srcId="{84D80272-70B3-46E2-B518-235632589F3C}" destId="{264FE59B-77D2-4419-847A-81402E65DC82}" srcOrd="1" destOrd="0" presId="urn:microsoft.com/office/officeart/2005/8/layout/orgChart1"/>
+    <dgm:cxn modelId="{BA9FCD7A-6213-4AF9-BCE1-7E312048C47F}" type="presParOf" srcId="{8A3093E6-8DE7-4A61-BE1B-E4E4295D614A}" destId="{7E6958BC-5385-4D7C-95B2-467776A7DF3D}" srcOrd="1" destOrd="0" presId="urn:microsoft.com/office/officeart/2005/8/layout/orgChart1"/>
+    <dgm:cxn modelId="{094B0271-6864-46C3-8666-5135757F532E}" type="presParOf" srcId="{8A3093E6-8DE7-4A61-BE1B-E4E4295D614A}" destId="{465E0321-449B-4F39-8072-25A78921C9AD}" srcOrd="2" destOrd="0" presId="urn:microsoft.com/office/officeart/2005/8/layout/orgChart1"/>
+    <dgm:cxn modelId="{897A8C0D-3E49-49CF-9DAD-305DB3BFB262}" type="presParOf" srcId="{1531F0BC-A861-4B03-8D19-456C32B25010}" destId="{36F886DF-E68E-4685-BE89-5A4458ADC62A}" srcOrd="2" destOrd="0" presId="urn:microsoft.com/office/officeart/2005/8/layout/orgChart1"/>
+    <dgm:cxn modelId="{C0DB2630-7C05-46EA-9A41-857795416292}" type="presParOf" srcId="{1531F0BC-A861-4B03-8D19-456C32B25010}" destId="{63A245E9-491D-46DA-8E49-29BA5EBCE6CF}" srcOrd="3" destOrd="0" presId="urn:microsoft.com/office/officeart/2005/8/layout/orgChart1"/>
+    <dgm:cxn modelId="{AD4084F1-8540-42F8-8B25-85E46ACAD302}" type="presParOf" srcId="{63A245E9-491D-46DA-8E49-29BA5EBCE6CF}" destId="{A9B28983-4B1F-4DC3-93A3-CF835BA21967}" srcOrd="0" destOrd="0" presId="urn:microsoft.com/office/officeart/2005/8/layout/orgChart1"/>
+    <dgm:cxn modelId="{CFA6657F-618F-4EF9-917D-15E0E2B62CF1}" type="presParOf" srcId="{A9B28983-4B1F-4DC3-93A3-CF835BA21967}" destId="{92E0DD4F-A5E8-4604-9493-52D0DB86CEBA}" srcOrd="0" destOrd="0" presId="urn:microsoft.com/office/officeart/2005/8/layout/orgChart1"/>
+    <dgm:cxn modelId="{AA9BA526-14C9-4609-B18F-0D1D935DDEE2}" type="presParOf" srcId="{A9B28983-4B1F-4DC3-93A3-CF835BA21967}" destId="{60AB83DE-C3A2-4FD1-8131-7E3ECF9F16B9}" srcOrd="1" destOrd="0" presId="urn:microsoft.com/office/officeart/2005/8/layout/orgChart1"/>
+    <dgm:cxn modelId="{6C7A920B-F23E-4942-93B3-BE61C170C33E}" type="presParOf" srcId="{63A245E9-491D-46DA-8E49-29BA5EBCE6CF}" destId="{1064AA24-C2C8-468B-B4E6-63F26C26B4A7}" srcOrd="1" destOrd="0" presId="urn:microsoft.com/office/officeart/2005/8/layout/orgChart1"/>
+    <dgm:cxn modelId="{FA5F0B33-F4B9-40AC-84E6-AB7371931E56}" type="presParOf" srcId="{1064AA24-C2C8-468B-B4E6-63F26C26B4A7}" destId="{D6A64FBF-2983-472E-9AFB-596B7165D29D}" srcOrd="0" destOrd="0" presId="urn:microsoft.com/office/officeart/2005/8/layout/orgChart1"/>
+    <dgm:cxn modelId="{82530F35-1F1A-49F0-8766-98160B8B17AE}" type="presParOf" srcId="{1064AA24-C2C8-468B-B4E6-63F26C26B4A7}" destId="{6D3EBBED-1E66-4B19-9E74-7390A08032EA}" srcOrd="1" destOrd="0" presId="urn:microsoft.com/office/officeart/2005/8/layout/orgChart1"/>
+    <dgm:cxn modelId="{B362785C-7849-43FF-A7E7-53588398A19D}" type="presParOf" srcId="{6D3EBBED-1E66-4B19-9E74-7390A08032EA}" destId="{2A4FABEA-95C4-43D4-81A0-B22BC7FCBBA6}" srcOrd="0" destOrd="0" presId="urn:microsoft.com/office/officeart/2005/8/layout/orgChart1"/>
+    <dgm:cxn modelId="{2364992A-597C-42E5-BABE-A58C0B54B4F6}" type="presParOf" srcId="{2A4FABEA-95C4-43D4-81A0-B22BC7FCBBA6}" destId="{9496136A-CF3F-46F1-B248-C3FCA71510DA}" srcOrd="0" destOrd="0" presId="urn:microsoft.com/office/officeart/2005/8/layout/orgChart1"/>
+    <dgm:cxn modelId="{6E63A5D0-F219-4191-8899-499785FC9D12}" type="presParOf" srcId="{2A4FABEA-95C4-43D4-81A0-B22BC7FCBBA6}" destId="{1554EF2D-70B7-4FF5-87EA-2A63ED9200A0}" srcOrd="1" destOrd="0" presId="urn:microsoft.com/office/officeart/2005/8/layout/orgChart1"/>
+    <dgm:cxn modelId="{FA4EF279-8BAE-4A6F-8C29-CA45EC4AA021}" type="presParOf" srcId="{6D3EBBED-1E66-4B19-9E74-7390A08032EA}" destId="{C0D3E40F-DEAC-49E9-95EB-E02E276D02F6}" srcOrd="1" destOrd="0" presId="urn:microsoft.com/office/officeart/2005/8/layout/orgChart1"/>
+    <dgm:cxn modelId="{DF1B063A-C83D-4FFD-A97B-2FCE204EF405}" type="presParOf" srcId="{6D3EBBED-1E66-4B19-9E74-7390A08032EA}" destId="{B00FCC64-6A3E-4F57-8871-BBC332E2DAB2}" srcOrd="2" destOrd="0" presId="urn:microsoft.com/office/officeart/2005/8/layout/orgChart1"/>
+    <dgm:cxn modelId="{82673B72-E1D6-4EBF-BC10-4760068EE504}" type="presParOf" srcId="{63A245E9-491D-46DA-8E49-29BA5EBCE6CF}" destId="{C6EC0D86-DEC6-43B9-BC22-D7CD97792A4F}" srcOrd="2" destOrd="0" presId="urn:microsoft.com/office/officeart/2005/8/layout/orgChart1"/>
+    <dgm:cxn modelId="{DE0CA3A2-FC56-481D-B50B-CE05A832AD25}" type="presParOf" srcId="{1531F0BC-A861-4B03-8D19-456C32B25010}" destId="{E2EC1232-E62E-40DB-996D-1DD46217CB5C}" srcOrd="4" destOrd="0" presId="urn:microsoft.com/office/officeart/2005/8/layout/orgChart1"/>
+    <dgm:cxn modelId="{DE6B1728-6646-4089-9231-588C8C37EC41}" type="presParOf" srcId="{1531F0BC-A861-4B03-8D19-456C32B25010}" destId="{34B288BB-3FE3-4E9D-8488-52A9E15A2207}" srcOrd="5" destOrd="0" presId="urn:microsoft.com/office/officeart/2005/8/layout/orgChart1"/>
+    <dgm:cxn modelId="{B8EE5CAD-E66E-4BCB-B14F-B7CD9E163589}" type="presParOf" srcId="{34B288BB-3FE3-4E9D-8488-52A9E15A2207}" destId="{AFAF341E-6C0E-4C0B-ADE2-4FCB4A4F75F6}" srcOrd="0" destOrd="0" presId="urn:microsoft.com/office/officeart/2005/8/layout/orgChart1"/>
+    <dgm:cxn modelId="{A3E465E6-6F1A-4A61-959E-CBB876EC95A4}" type="presParOf" srcId="{AFAF341E-6C0E-4C0B-ADE2-4FCB4A4F75F6}" destId="{370A86EE-B2B8-43F9-94B4-3796109A902D}" srcOrd="0" destOrd="0" presId="urn:microsoft.com/office/officeart/2005/8/layout/orgChart1"/>
+    <dgm:cxn modelId="{BF4A0777-0A01-4538-90E2-F41A8BE99FAB}" type="presParOf" srcId="{AFAF341E-6C0E-4C0B-ADE2-4FCB4A4F75F6}" destId="{E074015F-559A-4561-93EA-11F9D8B93498}" srcOrd="1" destOrd="0" presId="urn:microsoft.com/office/officeart/2005/8/layout/orgChart1"/>
+    <dgm:cxn modelId="{28E6C46B-B40D-4DF4-9C9F-E32BAB5B4CFE}" type="presParOf" srcId="{34B288BB-3FE3-4E9D-8488-52A9E15A2207}" destId="{6FA4AF8E-87E7-490B-9A03-C50E42C2A631}" srcOrd="1" destOrd="0" presId="urn:microsoft.com/office/officeart/2005/8/layout/orgChart1"/>
+    <dgm:cxn modelId="{21D3FC9D-05CC-41AC-A348-5B79B1C5CE7E}" type="presParOf" srcId="{6FA4AF8E-87E7-490B-9A03-C50E42C2A631}" destId="{7397A2FE-4E59-46FF-B894-C4523D3E2866}" srcOrd="0" destOrd="0" presId="urn:microsoft.com/office/officeart/2005/8/layout/orgChart1"/>
+    <dgm:cxn modelId="{90DDF4F4-1C36-414E-B208-1F2A57CC01E9}" type="presParOf" srcId="{6FA4AF8E-87E7-490B-9A03-C50E42C2A631}" destId="{3F23CE00-C569-4D37-856E-D4FC8DDC405B}" srcOrd="1" destOrd="0" presId="urn:microsoft.com/office/officeart/2005/8/layout/orgChart1"/>
+    <dgm:cxn modelId="{DD6D9B40-ABD1-49CD-8EFC-21CC58DD7240}" type="presParOf" srcId="{3F23CE00-C569-4D37-856E-D4FC8DDC405B}" destId="{8C897B4C-2910-4E98-9F91-26E15A1FE579}" srcOrd="0" destOrd="0" presId="urn:microsoft.com/office/officeart/2005/8/layout/orgChart1"/>
+    <dgm:cxn modelId="{EB2CAD5E-CB68-4B54-93A2-1344E8D3AD2B}" type="presParOf" srcId="{8C897B4C-2910-4E98-9F91-26E15A1FE579}" destId="{906B8C98-7C09-44DC-8E40-43D476E6F5F7}" srcOrd="0" destOrd="0" presId="urn:microsoft.com/office/officeart/2005/8/layout/orgChart1"/>
+    <dgm:cxn modelId="{5DA26355-6E09-47B6-A25F-F0C81A282D13}" type="presParOf" srcId="{8C897B4C-2910-4E98-9F91-26E15A1FE579}" destId="{A67F10FC-0161-4E16-959E-99B9B9ADADFB}" srcOrd="1" destOrd="0" presId="urn:microsoft.com/office/officeart/2005/8/layout/orgChart1"/>
+    <dgm:cxn modelId="{1130D546-93EB-4391-A97F-A96C1CCA4F62}" type="presParOf" srcId="{3F23CE00-C569-4D37-856E-D4FC8DDC405B}" destId="{B0829791-FF25-4A5B-9E92-31B9AD18C100}" srcOrd="1" destOrd="0" presId="urn:microsoft.com/office/officeart/2005/8/layout/orgChart1"/>
+    <dgm:cxn modelId="{A200A72A-87F4-48B1-ABE2-7D2D002CCDC6}" type="presParOf" srcId="{3F23CE00-C569-4D37-856E-D4FC8DDC405B}" destId="{EAE1A5D7-DD8E-4D02-AA16-1F1AA63A443B}" srcOrd="2" destOrd="0" presId="urn:microsoft.com/office/officeart/2005/8/layout/orgChart1"/>
+    <dgm:cxn modelId="{BEFB2C0D-F4AA-4B5D-9DBD-295A13B777A1}" type="presParOf" srcId="{6FA4AF8E-87E7-490B-9A03-C50E42C2A631}" destId="{0440C98E-8F6E-471E-9A16-8649F30418B9}" srcOrd="2" destOrd="0" presId="urn:microsoft.com/office/officeart/2005/8/layout/orgChart1"/>
+    <dgm:cxn modelId="{4841FB04-AB99-4AEC-A825-B86896DFCBB5}" type="presParOf" srcId="{6FA4AF8E-87E7-490B-9A03-C50E42C2A631}" destId="{9BA6FEFC-2422-402C-B09E-E078F16F661C}" srcOrd="3" destOrd="0" presId="urn:microsoft.com/office/officeart/2005/8/layout/orgChart1"/>
+    <dgm:cxn modelId="{01A59137-0689-42DE-B311-1DBE06E40654}" type="presParOf" srcId="{9BA6FEFC-2422-402C-B09E-E078F16F661C}" destId="{47347324-AF18-480A-9F0C-341928A93A6F}" srcOrd="0" destOrd="0" presId="urn:microsoft.com/office/officeart/2005/8/layout/orgChart1"/>
+    <dgm:cxn modelId="{E69E0818-5AB0-4DDB-8CDD-600D9C9E29C6}" type="presParOf" srcId="{47347324-AF18-480A-9F0C-341928A93A6F}" destId="{5652C2E6-83A2-442C-8521-630112330045}" srcOrd="0" destOrd="0" presId="urn:microsoft.com/office/officeart/2005/8/layout/orgChart1"/>
+    <dgm:cxn modelId="{EDEB9657-69EE-4075-BAFE-CF0ADF48F291}" type="presParOf" srcId="{47347324-AF18-480A-9F0C-341928A93A6F}" destId="{5A98CA7D-79C2-4148-8769-08A940A96DE3}" srcOrd="1" destOrd="0" presId="urn:microsoft.com/office/officeart/2005/8/layout/orgChart1"/>
+    <dgm:cxn modelId="{6E44E7E3-D7B5-4904-960A-DAFB4A75FCA4}" type="presParOf" srcId="{9BA6FEFC-2422-402C-B09E-E078F16F661C}" destId="{983E1A10-3AF2-4844-8BF4-64A73E608800}" srcOrd="1" destOrd="0" presId="urn:microsoft.com/office/officeart/2005/8/layout/orgChart1"/>
+    <dgm:cxn modelId="{706BF904-B7EA-43F4-8025-DC820EE4C452}" type="presParOf" srcId="{9BA6FEFC-2422-402C-B09E-E078F16F661C}" destId="{D9A0E3D7-8F8B-49F9-A79A-0C3187BAE221}" srcOrd="2" destOrd="0" presId="urn:microsoft.com/office/officeart/2005/8/layout/orgChart1"/>
+    <dgm:cxn modelId="{47B78746-8B3F-416B-8D2F-C0CDB1654964}" type="presParOf" srcId="{34B288BB-3FE3-4E9D-8488-52A9E15A2207}" destId="{7C52A49B-512A-4EAE-BB65-9A7CF58527DE}" srcOrd="2" destOrd="0" presId="urn:microsoft.com/office/officeart/2005/8/layout/orgChart1"/>
+    <dgm:cxn modelId="{4D2C970D-53DA-4785-AED3-19A58245B3A7}" type="presParOf" srcId="{2C1E3472-4551-4E1F-82FF-43FCF1AA4514}" destId="{5AB0EE23-1980-4211-83FC-710EA3596A22}" srcOrd="2" destOrd="0" presId="urn:microsoft.com/office/officeart/2005/8/layout/orgChart1"/>
+  </dgm:cxnLst>
+  <dgm:bg/>
+  <dgm:whole/>
+  <dgm:extLst>
+    <a:ext uri="http://schemas.microsoft.com/office/drawing/2008/diagram">
+      <dsp:dataModelExt xmlns:dsp="http://schemas.microsoft.com/office/drawing/2008/diagram" relId="rId6" minVer="http://schemas.openxmlformats.org/drawingml/2006/diagram"/>
     </a:ext>
   </dgm:extLst>
 </dgm:dataModel>
@@ -10375,6 +11789,944 @@
 </dsp:drawing>
 </file>
 
+<file path=ppt/diagrams/drawing4.xml><?xml version="1.0" encoding="utf-8"?>
+<dsp:drawing xmlns:dgm="http://schemas.openxmlformats.org/drawingml/2006/diagram" xmlns:dsp="http://schemas.microsoft.com/office/drawing/2008/diagram" xmlns:a="http://schemas.openxmlformats.org/drawingml/2006/main">
+  <dsp:spTree>
+    <dsp:nvGrpSpPr>
+      <dsp:cNvPr id="0" name=""/>
+      <dsp:cNvGrpSpPr/>
+    </dsp:nvGrpSpPr>
+    <dsp:grpSpPr/>
+    <dsp:sp modelId="{0440C98E-8F6E-471E-9A16-8649F30418B9}">
+      <dsp:nvSpPr>
+        <dsp:cNvPr id="0" name=""/>
+        <dsp:cNvSpPr/>
+      </dsp:nvSpPr>
+      <dsp:spPr>
+        <a:xfrm>
+          <a:off x="5290765" y="2169673"/>
+          <a:ext cx="268634" cy="2095351"/>
+        </a:xfrm>
+        <a:custGeom>
+          <a:avLst/>
+          <a:gdLst/>
+          <a:ahLst/>
+          <a:cxnLst/>
+          <a:rect l="0" t="0" r="0" b="0"/>
+          <a:pathLst>
+            <a:path>
+              <a:moveTo>
+                <a:pt x="0" y="0"/>
+              </a:moveTo>
+              <a:lnTo>
+                <a:pt x="0" y="2095351"/>
+              </a:lnTo>
+              <a:lnTo>
+                <a:pt x="268634" y="2095351"/>
+              </a:lnTo>
+            </a:path>
+          </a:pathLst>
+        </a:custGeom>
+        <a:noFill/>
+        <a:ln w="12700" cap="flat" cmpd="sng" algn="ctr">
+          <a:solidFill>
+            <a:schemeClr val="accent4">
+              <a:hueOff val="0"/>
+              <a:satOff val="0"/>
+              <a:lumOff val="0"/>
+              <a:alphaOff val="0"/>
+            </a:schemeClr>
+          </a:solidFill>
+          <a:prstDash val="solid"/>
+        </a:ln>
+        <a:effectLst/>
+      </dsp:spPr>
+      <dsp:style>
+        <a:lnRef idx="2">
+          <a:scrgbClr r="0" g="0" b="0"/>
+        </a:lnRef>
+        <a:fillRef idx="0">
+          <a:scrgbClr r="0" g="0" b="0"/>
+        </a:fillRef>
+        <a:effectRef idx="0">
+          <a:scrgbClr r="0" g="0" b="0"/>
+        </a:effectRef>
+        <a:fontRef idx="minor"/>
+      </dsp:style>
+    </dsp:sp>
+    <dsp:sp modelId="{7397A2FE-4E59-46FF-B894-C4523D3E2866}">
+      <dsp:nvSpPr>
+        <dsp:cNvPr id="0" name=""/>
+        <dsp:cNvSpPr/>
+      </dsp:nvSpPr>
+      <dsp:spPr>
+        <a:xfrm>
+          <a:off x="5290765" y="2169673"/>
+          <a:ext cx="268634" cy="823813"/>
+        </a:xfrm>
+        <a:custGeom>
+          <a:avLst/>
+          <a:gdLst/>
+          <a:ahLst/>
+          <a:cxnLst/>
+          <a:rect l="0" t="0" r="0" b="0"/>
+          <a:pathLst>
+            <a:path>
+              <a:moveTo>
+                <a:pt x="0" y="0"/>
+              </a:moveTo>
+              <a:lnTo>
+                <a:pt x="0" y="823813"/>
+              </a:lnTo>
+              <a:lnTo>
+                <a:pt x="268634" y="823813"/>
+              </a:lnTo>
+            </a:path>
+          </a:pathLst>
+        </a:custGeom>
+        <a:noFill/>
+        <a:ln w="12700" cap="flat" cmpd="sng" algn="ctr">
+          <a:solidFill>
+            <a:schemeClr val="accent4">
+              <a:hueOff val="0"/>
+              <a:satOff val="0"/>
+              <a:lumOff val="0"/>
+              <a:alphaOff val="0"/>
+            </a:schemeClr>
+          </a:solidFill>
+          <a:prstDash val="solid"/>
+        </a:ln>
+        <a:effectLst/>
+      </dsp:spPr>
+      <dsp:style>
+        <a:lnRef idx="2">
+          <a:scrgbClr r="0" g="0" b="0"/>
+        </a:lnRef>
+        <a:fillRef idx="0">
+          <a:scrgbClr r="0" g="0" b="0"/>
+        </a:fillRef>
+        <a:effectRef idx="0">
+          <a:scrgbClr r="0" g="0" b="0"/>
+        </a:effectRef>
+        <a:fontRef idx="minor"/>
+      </dsp:style>
+    </dsp:sp>
+    <dsp:sp modelId="{E2EC1232-E62E-40DB-996D-1DD46217CB5C}">
+      <dsp:nvSpPr>
+        <dsp:cNvPr id="0" name=""/>
+        <dsp:cNvSpPr/>
+      </dsp:nvSpPr>
+      <dsp:spPr>
+        <a:xfrm>
+          <a:off x="3840137" y="898135"/>
+          <a:ext cx="2166987" cy="376088"/>
+        </a:xfrm>
+        <a:custGeom>
+          <a:avLst/>
+          <a:gdLst/>
+          <a:ahLst/>
+          <a:cxnLst/>
+          <a:rect l="0" t="0" r="0" b="0"/>
+          <a:pathLst>
+            <a:path>
+              <a:moveTo>
+                <a:pt x="0" y="0"/>
+              </a:moveTo>
+              <a:lnTo>
+                <a:pt x="0" y="188044"/>
+              </a:lnTo>
+              <a:lnTo>
+                <a:pt x="2166987" y="188044"/>
+              </a:lnTo>
+              <a:lnTo>
+                <a:pt x="2166987" y="376088"/>
+              </a:lnTo>
+            </a:path>
+          </a:pathLst>
+        </a:custGeom>
+        <a:noFill/>
+        <a:ln w="12700" cap="flat" cmpd="sng" algn="ctr">
+          <a:solidFill>
+            <a:schemeClr val="accent3">
+              <a:hueOff val="0"/>
+              <a:satOff val="0"/>
+              <a:lumOff val="0"/>
+              <a:alphaOff val="0"/>
+            </a:schemeClr>
+          </a:solidFill>
+          <a:prstDash val="solid"/>
+        </a:ln>
+        <a:effectLst/>
+      </dsp:spPr>
+      <dsp:style>
+        <a:lnRef idx="2">
+          <a:scrgbClr r="0" g="0" b="0"/>
+        </a:lnRef>
+        <a:fillRef idx="0">
+          <a:scrgbClr r="0" g="0" b="0"/>
+        </a:fillRef>
+        <a:effectRef idx="0">
+          <a:scrgbClr r="0" g="0" b="0"/>
+        </a:effectRef>
+        <a:fontRef idx="minor"/>
+      </dsp:style>
+    </dsp:sp>
+    <dsp:sp modelId="{D6A64FBF-2983-472E-9AFB-596B7165D29D}">
+      <dsp:nvSpPr>
+        <dsp:cNvPr id="0" name=""/>
+        <dsp:cNvSpPr/>
+      </dsp:nvSpPr>
+      <dsp:spPr>
+        <a:xfrm>
+          <a:off x="3147167" y="2161874"/>
+          <a:ext cx="245245" cy="831612"/>
+        </a:xfrm>
+        <a:custGeom>
+          <a:avLst/>
+          <a:gdLst/>
+          <a:ahLst/>
+          <a:cxnLst/>
+          <a:rect l="0" t="0" r="0" b="0"/>
+          <a:pathLst>
+            <a:path>
+              <a:moveTo>
+                <a:pt x="0" y="0"/>
+              </a:moveTo>
+              <a:lnTo>
+                <a:pt x="0" y="831612"/>
+              </a:lnTo>
+              <a:lnTo>
+                <a:pt x="245245" y="831612"/>
+              </a:lnTo>
+            </a:path>
+          </a:pathLst>
+        </a:custGeom>
+        <a:noFill/>
+        <a:ln w="12700" cap="flat" cmpd="sng" algn="ctr">
+          <a:solidFill>
+            <a:schemeClr val="accent4">
+              <a:hueOff val="0"/>
+              <a:satOff val="0"/>
+              <a:lumOff val="0"/>
+              <a:alphaOff val="0"/>
+            </a:schemeClr>
+          </a:solidFill>
+          <a:prstDash val="solid"/>
+        </a:ln>
+        <a:effectLst/>
+      </dsp:spPr>
+      <dsp:style>
+        <a:lnRef idx="2">
+          <a:scrgbClr r="0" g="0" b="0"/>
+        </a:lnRef>
+        <a:fillRef idx="0">
+          <a:scrgbClr r="0" g="0" b="0"/>
+        </a:fillRef>
+        <a:effectRef idx="0">
+          <a:scrgbClr r="0" g="0" b="0"/>
+        </a:effectRef>
+        <a:fontRef idx="minor"/>
+      </dsp:style>
+    </dsp:sp>
+    <dsp:sp modelId="{36F886DF-E68E-4685-BE89-5A4458ADC62A}">
+      <dsp:nvSpPr>
+        <dsp:cNvPr id="0" name=""/>
+        <dsp:cNvSpPr/>
+      </dsp:nvSpPr>
+      <dsp:spPr>
+        <a:xfrm>
+          <a:off x="3794417" y="898135"/>
+          <a:ext cx="91440" cy="368289"/>
+        </a:xfrm>
+        <a:custGeom>
+          <a:avLst/>
+          <a:gdLst/>
+          <a:ahLst/>
+          <a:cxnLst/>
+          <a:rect l="0" t="0" r="0" b="0"/>
+          <a:pathLst>
+            <a:path>
+              <a:moveTo>
+                <a:pt x="45720" y="0"/>
+              </a:moveTo>
+              <a:lnTo>
+                <a:pt x="45720" y="180244"/>
+              </a:lnTo>
+              <a:lnTo>
+                <a:pt x="69109" y="180244"/>
+              </a:lnTo>
+              <a:lnTo>
+                <a:pt x="69109" y="368289"/>
+              </a:lnTo>
+            </a:path>
+          </a:pathLst>
+        </a:custGeom>
+        <a:noFill/>
+        <a:ln w="12700" cap="flat" cmpd="sng" algn="ctr">
+          <a:solidFill>
+            <a:schemeClr val="accent3">
+              <a:hueOff val="0"/>
+              <a:satOff val="0"/>
+              <a:lumOff val="0"/>
+              <a:alphaOff val="0"/>
+            </a:schemeClr>
+          </a:solidFill>
+          <a:prstDash val="solid"/>
+        </a:ln>
+        <a:effectLst/>
+      </dsp:spPr>
+      <dsp:style>
+        <a:lnRef idx="2">
+          <a:scrgbClr r="0" g="0" b="0"/>
+        </a:lnRef>
+        <a:fillRef idx="0">
+          <a:scrgbClr r="0" g="0" b="0"/>
+        </a:fillRef>
+        <a:effectRef idx="0">
+          <a:scrgbClr r="0" g="0" b="0"/>
+        </a:effectRef>
+        <a:fontRef idx="minor"/>
+      </dsp:style>
+    </dsp:sp>
+    <dsp:sp modelId="{311A0BB6-9193-4656-8DA4-F9654584F13E}">
+      <dsp:nvSpPr>
+        <dsp:cNvPr id="0" name=""/>
+        <dsp:cNvSpPr/>
+      </dsp:nvSpPr>
+      <dsp:spPr>
+        <a:xfrm>
+          <a:off x="1673150" y="898135"/>
+          <a:ext cx="2166987" cy="376088"/>
+        </a:xfrm>
+        <a:custGeom>
+          <a:avLst/>
+          <a:gdLst/>
+          <a:ahLst/>
+          <a:cxnLst/>
+          <a:rect l="0" t="0" r="0" b="0"/>
+          <a:pathLst>
+            <a:path>
+              <a:moveTo>
+                <a:pt x="2166987" y="0"/>
+              </a:moveTo>
+              <a:lnTo>
+                <a:pt x="2166987" y="188044"/>
+              </a:lnTo>
+              <a:lnTo>
+                <a:pt x="0" y="188044"/>
+              </a:lnTo>
+              <a:lnTo>
+                <a:pt x="0" y="376088"/>
+              </a:lnTo>
+            </a:path>
+          </a:pathLst>
+        </a:custGeom>
+        <a:noFill/>
+        <a:ln w="12700" cap="flat" cmpd="sng" algn="ctr">
+          <a:solidFill>
+            <a:schemeClr val="accent3">
+              <a:hueOff val="0"/>
+              <a:satOff val="0"/>
+              <a:lumOff val="0"/>
+              <a:alphaOff val="0"/>
+            </a:schemeClr>
+          </a:solidFill>
+          <a:prstDash val="solid"/>
+        </a:ln>
+        <a:effectLst/>
+      </dsp:spPr>
+      <dsp:style>
+        <a:lnRef idx="2">
+          <a:scrgbClr r="0" g="0" b="0"/>
+        </a:lnRef>
+        <a:fillRef idx="0">
+          <a:scrgbClr r="0" g="0" b="0"/>
+        </a:fillRef>
+        <a:effectRef idx="0">
+          <a:scrgbClr r="0" g="0" b="0"/>
+        </a:effectRef>
+        <a:fontRef idx="minor"/>
+      </dsp:style>
+    </dsp:sp>
+    <dsp:sp modelId="{80AB6942-ACA9-4750-9B00-B53846C73006}">
+      <dsp:nvSpPr>
+        <dsp:cNvPr id="0" name=""/>
+        <dsp:cNvSpPr/>
+      </dsp:nvSpPr>
+      <dsp:spPr>
+        <a:xfrm>
+          <a:off x="2944688" y="2686"/>
+          <a:ext cx="1790898" cy="895449"/>
+        </a:xfrm>
+        <a:prstGeom prst="rect">
+          <a:avLst/>
+        </a:prstGeom>
+        <a:solidFill>
+          <a:schemeClr val="accent1">
+            <a:hueOff val="0"/>
+            <a:satOff val="0"/>
+            <a:lumOff val="0"/>
+            <a:alphaOff val="0"/>
+          </a:schemeClr>
+        </a:solidFill>
+        <a:ln w="12700" cap="flat" cmpd="sng" algn="ctr">
+          <a:solidFill>
+            <a:schemeClr val="lt1">
+              <a:hueOff val="0"/>
+              <a:satOff val="0"/>
+              <a:lumOff val="0"/>
+              <a:alphaOff val="0"/>
+            </a:schemeClr>
+          </a:solidFill>
+          <a:prstDash val="solid"/>
+        </a:ln>
+        <a:effectLst/>
+      </dsp:spPr>
+      <dsp:style>
+        <a:lnRef idx="2">
+          <a:scrgbClr r="0" g="0" b="0"/>
+        </a:lnRef>
+        <a:fillRef idx="1">
+          <a:scrgbClr r="0" g="0" b="0"/>
+        </a:fillRef>
+        <a:effectRef idx="0">
+          <a:scrgbClr r="0" g="0" b="0"/>
+        </a:effectRef>
+        <a:fontRef idx="minor">
+          <a:schemeClr val="lt1"/>
+        </a:fontRef>
+      </dsp:style>
+      <dsp:txBody>
+        <a:bodyPr spcFirstLastPara="0" vert="horz" wrap="square" lIns="17145" tIns="17145" rIns="17145" bIns="17145" numCol="1" spcCol="1270" anchor="ctr" anchorCtr="0">
+          <a:noAutofit/>
+        </a:bodyPr>
+        <a:lstStyle/>
+        <a:p>
+          <a:pPr marL="0" lvl="0" indent="0" algn="ctr" defTabSz="1200150">
+            <a:lnSpc>
+              <a:spcPct val="90000"/>
+            </a:lnSpc>
+            <a:spcBef>
+              <a:spcPct val="0"/>
+            </a:spcBef>
+            <a:spcAft>
+              <a:spcPct val="35000"/>
+            </a:spcAft>
+            <a:buNone/>
+          </a:pPr>
+          <a:r>
+            <a:rPr lang="es-AR" sz="2700" kern="1200" dirty="0"/>
+            <a:t>Cloud</a:t>
+          </a:r>
+        </a:p>
+        <a:p>
+          <a:pPr marL="0" lvl="0" indent="0" algn="ctr" defTabSz="1200150">
+            <a:lnSpc>
+              <a:spcPct val="90000"/>
+            </a:lnSpc>
+            <a:spcBef>
+              <a:spcPct val="0"/>
+            </a:spcBef>
+            <a:spcAft>
+              <a:spcPct val="35000"/>
+            </a:spcAft>
+            <a:buNone/>
+          </a:pPr>
+          <a:r>
+            <a:rPr lang="es-AR" sz="2700" kern="1200" dirty="0"/>
+            <a:t>RTOS</a:t>
+          </a:r>
+        </a:p>
+      </dsp:txBody>
+      <dsp:txXfrm>
+        <a:off x="2944688" y="2686"/>
+        <a:ext cx="1790898" cy="895449"/>
+      </dsp:txXfrm>
+    </dsp:sp>
+    <dsp:sp modelId="{D0D8F376-4BEA-4CEC-850C-6C5678F7457D}">
+      <dsp:nvSpPr>
+        <dsp:cNvPr id="0" name=""/>
+        <dsp:cNvSpPr/>
+      </dsp:nvSpPr>
+      <dsp:spPr>
+        <a:xfrm>
+          <a:off x="777701" y="1274224"/>
+          <a:ext cx="1790898" cy="895449"/>
+        </a:xfrm>
+        <a:prstGeom prst="rect">
+          <a:avLst/>
+        </a:prstGeom>
+        <a:solidFill>
+          <a:schemeClr val="accent3">
+            <a:hueOff val="0"/>
+            <a:satOff val="0"/>
+            <a:lumOff val="0"/>
+            <a:alphaOff val="0"/>
+          </a:schemeClr>
+        </a:solidFill>
+        <a:ln w="12700" cap="flat" cmpd="sng" algn="ctr">
+          <a:solidFill>
+            <a:schemeClr val="lt1">
+              <a:hueOff val="0"/>
+              <a:satOff val="0"/>
+              <a:lumOff val="0"/>
+              <a:alphaOff val="0"/>
+            </a:schemeClr>
+          </a:solidFill>
+          <a:prstDash val="solid"/>
+        </a:ln>
+        <a:effectLst/>
+      </dsp:spPr>
+      <dsp:style>
+        <a:lnRef idx="2">
+          <a:scrgbClr r="0" g="0" b="0"/>
+        </a:lnRef>
+        <a:fillRef idx="1">
+          <a:scrgbClr r="0" g="0" b="0"/>
+        </a:fillRef>
+        <a:effectRef idx="0">
+          <a:scrgbClr r="0" g="0" b="0"/>
+        </a:effectRef>
+        <a:fontRef idx="minor">
+          <a:schemeClr val="lt1"/>
+        </a:fontRef>
+      </dsp:style>
+      <dsp:txBody>
+        <a:bodyPr spcFirstLastPara="0" vert="horz" wrap="square" lIns="17145" tIns="17145" rIns="17145" bIns="17145" numCol="1" spcCol="1270" anchor="ctr" anchorCtr="0">
+          <a:noAutofit/>
+        </a:bodyPr>
+        <a:lstStyle/>
+        <a:p>
+          <a:pPr marL="0" lvl="0" indent="0" algn="ctr" defTabSz="1200150">
+            <a:lnSpc>
+              <a:spcPct val="90000"/>
+            </a:lnSpc>
+            <a:spcBef>
+              <a:spcPct val="0"/>
+            </a:spcBef>
+            <a:spcAft>
+              <a:spcPct val="35000"/>
+            </a:spcAft>
+            <a:buNone/>
+          </a:pPr>
+          <a:r>
+            <a:rPr lang="es-AR" sz="2700" kern="1200" dirty="0"/>
+            <a:t>Data Base</a:t>
+          </a:r>
+        </a:p>
+      </dsp:txBody>
+      <dsp:txXfrm>
+        <a:off x="777701" y="1274224"/>
+        <a:ext cx="1790898" cy="895449"/>
+      </dsp:txXfrm>
+    </dsp:sp>
+    <dsp:sp modelId="{92E0DD4F-A5E8-4604-9493-52D0DB86CEBA}">
+      <dsp:nvSpPr>
+        <dsp:cNvPr id="0" name=""/>
+        <dsp:cNvSpPr/>
+      </dsp:nvSpPr>
+      <dsp:spPr>
+        <a:xfrm>
+          <a:off x="2968077" y="1266425"/>
+          <a:ext cx="1790898" cy="895449"/>
+        </a:xfrm>
+        <a:prstGeom prst="rect">
+          <a:avLst/>
+        </a:prstGeom>
+        <a:solidFill>
+          <a:schemeClr val="accent3">
+            <a:hueOff val="0"/>
+            <a:satOff val="0"/>
+            <a:lumOff val="0"/>
+            <a:alphaOff val="0"/>
+          </a:schemeClr>
+        </a:solidFill>
+        <a:ln w="12700" cap="flat" cmpd="sng" algn="ctr">
+          <a:solidFill>
+            <a:schemeClr val="lt1">
+              <a:hueOff val="0"/>
+              <a:satOff val="0"/>
+              <a:lumOff val="0"/>
+              <a:alphaOff val="0"/>
+            </a:schemeClr>
+          </a:solidFill>
+          <a:prstDash val="solid"/>
+        </a:ln>
+        <a:effectLst/>
+      </dsp:spPr>
+      <dsp:style>
+        <a:lnRef idx="2">
+          <a:scrgbClr r="0" g="0" b="0"/>
+        </a:lnRef>
+        <a:fillRef idx="1">
+          <a:scrgbClr r="0" g="0" b="0"/>
+        </a:fillRef>
+        <a:effectRef idx="0">
+          <a:scrgbClr r="0" g="0" b="0"/>
+        </a:effectRef>
+        <a:fontRef idx="minor">
+          <a:schemeClr val="lt1"/>
+        </a:fontRef>
+      </dsp:style>
+      <dsp:txBody>
+        <a:bodyPr spcFirstLastPara="0" vert="horz" wrap="square" lIns="17145" tIns="17145" rIns="17145" bIns="17145" numCol="1" spcCol="1270" anchor="ctr" anchorCtr="0">
+          <a:noAutofit/>
+        </a:bodyPr>
+        <a:lstStyle/>
+        <a:p>
+          <a:pPr marL="0" lvl="0" indent="0" algn="ctr" defTabSz="1200150">
+            <a:lnSpc>
+              <a:spcPct val="90000"/>
+            </a:lnSpc>
+            <a:spcBef>
+              <a:spcPct val="0"/>
+            </a:spcBef>
+            <a:spcAft>
+              <a:spcPct val="35000"/>
+            </a:spcAft>
+            <a:buNone/>
+          </a:pPr>
+          <a:r>
+            <a:rPr lang="es-AR" sz="2700" kern="1200" dirty="0"/>
+            <a:t>LED</a:t>
+          </a:r>
+        </a:p>
+      </dsp:txBody>
+      <dsp:txXfrm>
+        <a:off x="2968077" y="1266425"/>
+        <a:ext cx="1790898" cy="895449"/>
+      </dsp:txXfrm>
+    </dsp:sp>
+    <dsp:sp modelId="{9496136A-CF3F-46F1-B248-C3FCA71510DA}">
+      <dsp:nvSpPr>
+        <dsp:cNvPr id="0" name=""/>
+        <dsp:cNvSpPr/>
+      </dsp:nvSpPr>
+      <dsp:spPr>
+        <a:xfrm>
+          <a:off x="3392413" y="2545762"/>
+          <a:ext cx="1790898" cy="895449"/>
+        </a:xfrm>
+        <a:prstGeom prst="rect">
+          <a:avLst/>
+        </a:prstGeom>
+        <a:solidFill>
+          <a:schemeClr val="accent4">
+            <a:hueOff val="0"/>
+            <a:satOff val="0"/>
+            <a:lumOff val="0"/>
+            <a:alphaOff val="0"/>
+          </a:schemeClr>
+        </a:solidFill>
+        <a:ln w="12700" cap="flat" cmpd="sng" algn="ctr">
+          <a:solidFill>
+            <a:schemeClr val="lt1">
+              <a:hueOff val="0"/>
+              <a:satOff val="0"/>
+              <a:lumOff val="0"/>
+              <a:alphaOff val="0"/>
+            </a:schemeClr>
+          </a:solidFill>
+          <a:prstDash val="solid"/>
+        </a:ln>
+        <a:effectLst/>
+      </dsp:spPr>
+      <dsp:style>
+        <a:lnRef idx="2">
+          <a:scrgbClr r="0" g="0" b="0"/>
+        </a:lnRef>
+        <a:fillRef idx="1">
+          <a:scrgbClr r="0" g="0" b="0"/>
+        </a:fillRef>
+        <a:effectRef idx="0">
+          <a:scrgbClr r="0" g="0" b="0"/>
+        </a:effectRef>
+        <a:fontRef idx="minor">
+          <a:schemeClr val="lt1"/>
+        </a:fontRef>
+      </dsp:style>
+      <dsp:txBody>
+        <a:bodyPr spcFirstLastPara="0" vert="horz" wrap="square" lIns="17145" tIns="17145" rIns="17145" bIns="17145" numCol="1" spcCol="1270" anchor="ctr" anchorCtr="0">
+          <a:noAutofit/>
+        </a:bodyPr>
+        <a:lstStyle/>
+        <a:p>
+          <a:pPr marL="0" lvl="0" indent="0" algn="ctr" defTabSz="1200150">
+            <a:lnSpc>
+              <a:spcPct val="90000"/>
+            </a:lnSpc>
+            <a:spcBef>
+              <a:spcPct val="0"/>
+            </a:spcBef>
+            <a:spcAft>
+              <a:spcPct val="35000"/>
+            </a:spcAft>
+            <a:buNone/>
+          </a:pPr>
+          <a:r>
+            <a:rPr lang="es-AR" sz="2700" kern="1200" dirty="0"/>
+            <a:t>GPIO</a:t>
+          </a:r>
+        </a:p>
+      </dsp:txBody>
+      <dsp:txXfrm>
+        <a:off x="3392413" y="2545762"/>
+        <a:ext cx="1790898" cy="895449"/>
+      </dsp:txXfrm>
+    </dsp:sp>
+    <dsp:sp modelId="{370A86EE-B2B8-43F9-94B4-3796109A902D}">
+      <dsp:nvSpPr>
+        <dsp:cNvPr id="0" name=""/>
+        <dsp:cNvSpPr/>
+      </dsp:nvSpPr>
+      <dsp:spPr>
+        <a:xfrm>
+          <a:off x="5111675" y="1274224"/>
+          <a:ext cx="1790898" cy="895449"/>
+        </a:xfrm>
+        <a:prstGeom prst="rect">
+          <a:avLst/>
+        </a:prstGeom>
+        <a:solidFill>
+          <a:schemeClr val="accent3">
+            <a:hueOff val="0"/>
+            <a:satOff val="0"/>
+            <a:lumOff val="0"/>
+            <a:alphaOff val="0"/>
+          </a:schemeClr>
+        </a:solidFill>
+        <a:ln w="12700" cap="flat" cmpd="sng" algn="ctr">
+          <a:solidFill>
+            <a:schemeClr val="lt1">
+              <a:hueOff val="0"/>
+              <a:satOff val="0"/>
+              <a:lumOff val="0"/>
+              <a:alphaOff val="0"/>
+            </a:schemeClr>
+          </a:solidFill>
+          <a:prstDash val="solid"/>
+        </a:ln>
+        <a:effectLst/>
+      </dsp:spPr>
+      <dsp:style>
+        <a:lnRef idx="2">
+          <a:scrgbClr r="0" g="0" b="0"/>
+        </a:lnRef>
+        <a:fillRef idx="1">
+          <a:scrgbClr r="0" g="0" b="0"/>
+        </a:fillRef>
+        <a:effectRef idx="0">
+          <a:scrgbClr r="0" g="0" b="0"/>
+        </a:effectRef>
+        <a:fontRef idx="minor">
+          <a:schemeClr val="lt1"/>
+        </a:fontRef>
+      </dsp:style>
+      <dsp:txBody>
+        <a:bodyPr spcFirstLastPara="0" vert="horz" wrap="square" lIns="17145" tIns="17145" rIns="17145" bIns="17145" numCol="1" spcCol="1270" anchor="ctr" anchorCtr="0">
+          <a:noAutofit/>
+        </a:bodyPr>
+        <a:lstStyle/>
+        <a:p>
+          <a:pPr marL="0" lvl="0" indent="0" algn="ctr" defTabSz="1200150">
+            <a:lnSpc>
+              <a:spcPct val="90000"/>
+            </a:lnSpc>
+            <a:spcBef>
+              <a:spcPct val="0"/>
+            </a:spcBef>
+            <a:spcAft>
+              <a:spcPct val="35000"/>
+            </a:spcAft>
+            <a:buNone/>
+          </a:pPr>
+          <a:r>
+            <a:rPr lang="es-AR" sz="2700" kern="1200" dirty="0"/>
+            <a:t>Gateway</a:t>
+          </a:r>
+        </a:p>
+        <a:p>
+          <a:pPr marL="0" lvl="0" indent="0" algn="ctr" defTabSz="1200150">
+            <a:lnSpc>
+              <a:spcPct val="90000"/>
+            </a:lnSpc>
+            <a:spcBef>
+              <a:spcPct val="0"/>
+            </a:spcBef>
+            <a:spcAft>
+              <a:spcPct val="35000"/>
+            </a:spcAft>
+            <a:buNone/>
+          </a:pPr>
+          <a:r>
+            <a:rPr lang="es-AR" sz="2700" kern="1200" dirty="0"/>
+            <a:t>Comm</a:t>
+          </a:r>
+        </a:p>
+      </dsp:txBody>
+      <dsp:txXfrm>
+        <a:off x="5111675" y="1274224"/>
+        <a:ext cx="1790898" cy="895449"/>
+      </dsp:txXfrm>
+    </dsp:sp>
+    <dsp:sp modelId="{906B8C98-7C09-44DC-8E40-43D476E6F5F7}">
+      <dsp:nvSpPr>
+        <dsp:cNvPr id="0" name=""/>
+        <dsp:cNvSpPr/>
+      </dsp:nvSpPr>
+      <dsp:spPr>
+        <a:xfrm>
+          <a:off x="5559400" y="2545762"/>
+          <a:ext cx="1790898" cy="895449"/>
+        </a:xfrm>
+        <a:prstGeom prst="rect">
+          <a:avLst/>
+        </a:prstGeom>
+        <a:solidFill>
+          <a:schemeClr val="accent4">
+            <a:hueOff val="0"/>
+            <a:satOff val="0"/>
+            <a:lumOff val="0"/>
+            <a:alphaOff val="0"/>
+          </a:schemeClr>
+        </a:solidFill>
+        <a:ln w="12700" cap="flat" cmpd="sng" algn="ctr">
+          <a:solidFill>
+            <a:schemeClr val="lt1">
+              <a:hueOff val="0"/>
+              <a:satOff val="0"/>
+              <a:lumOff val="0"/>
+              <a:alphaOff val="0"/>
+            </a:schemeClr>
+          </a:solidFill>
+          <a:prstDash val="solid"/>
+        </a:ln>
+        <a:effectLst/>
+      </dsp:spPr>
+      <dsp:style>
+        <a:lnRef idx="2">
+          <a:scrgbClr r="0" g="0" b="0"/>
+        </a:lnRef>
+        <a:fillRef idx="1">
+          <a:scrgbClr r="0" g="0" b="0"/>
+        </a:fillRef>
+        <a:effectRef idx="0">
+          <a:scrgbClr r="0" g="0" b="0"/>
+        </a:effectRef>
+        <a:fontRef idx="minor">
+          <a:schemeClr val="lt1"/>
+        </a:fontRef>
+      </dsp:style>
+      <dsp:txBody>
+        <a:bodyPr spcFirstLastPara="0" vert="horz" wrap="square" lIns="17145" tIns="17145" rIns="17145" bIns="17145" numCol="1" spcCol="1270" anchor="ctr" anchorCtr="0">
+          <a:noAutofit/>
+        </a:bodyPr>
+        <a:lstStyle/>
+        <a:p>
+          <a:pPr marL="0" lvl="0" indent="0" algn="ctr" defTabSz="1200150">
+            <a:lnSpc>
+              <a:spcPct val="90000"/>
+            </a:lnSpc>
+            <a:spcBef>
+              <a:spcPct val="0"/>
+            </a:spcBef>
+            <a:spcAft>
+              <a:spcPct val="35000"/>
+            </a:spcAft>
+            <a:buNone/>
+          </a:pPr>
+          <a:r>
+            <a:rPr lang="es-AR" sz="2700" kern="1200" dirty="0"/>
+            <a:t>PIT</a:t>
+          </a:r>
+        </a:p>
+      </dsp:txBody>
+      <dsp:txXfrm>
+        <a:off x="5559400" y="2545762"/>
+        <a:ext cx="1790898" cy="895449"/>
+      </dsp:txXfrm>
+    </dsp:sp>
+    <dsp:sp modelId="{5652C2E6-83A2-442C-8521-630112330045}">
+      <dsp:nvSpPr>
+        <dsp:cNvPr id="0" name=""/>
+        <dsp:cNvSpPr/>
+      </dsp:nvSpPr>
+      <dsp:spPr>
+        <a:xfrm>
+          <a:off x="5559400" y="3817300"/>
+          <a:ext cx="1790898" cy="895449"/>
+        </a:xfrm>
+        <a:prstGeom prst="rect">
+          <a:avLst/>
+        </a:prstGeom>
+        <a:solidFill>
+          <a:schemeClr val="accent4">
+            <a:hueOff val="0"/>
+            <a:satOff val="0"/>
+            <a:lumOff val="0"/>
+            <a:alphaOff val="0"/>
+          </a:schemeClr>
+        </a:solidFill>
+        <a:ln w="12700" cap="flat" cmpd="sng" algn="ctr">
+          <a:solidFill>
+            <a:schemeClr val="lt1">
+              <a:hueOff val="0"/>
+              <a:satOff val="0"/>
+              <a:lumOff val="0"/>
+              <a:alphaOff val="0"/>
+            </a:schemeClr>
+          </a:solidFill>
+          <a:prstDash val="solid"/>
+        </a:ln>
+        <a:effectLst/>
+      </dsp:spPr>
+      <dsp:style>
+        <a:lnRef idx="2">
+          <a:scrgbClr r="0" g="0" b="0"/>
+        </a:lnRef>
+        <a:fillRef idx="1">
+          <a:scrgbClr r="0" g="0" b="0"/>
+        </a:fillRef>
+        <a:effectRef idx="0">
+          <a:scrgbClr r="0" g="0" b="0"/>
+        </a:effectRef>
+        <a:fontRef idx="minor">
+          <a:schemeClr val="lt1"/>
+        </a:fontRef>
+      </dsp:style>
+      <dsp:txBody>
+        <a:bodyPr spcFirstLastPara="0" vert="horz" wrap="square" lIns="17145" tIns="17145" rIns="17145" bIns="17145" numCol="1" spcCol="1270" anchor="ctr" anchorCtr="0">
+          <a:noAutofit/>
+        </a:bodyPr>
+        <a:lstStyle/>
+        <a:p>
+          <a:pPr marL="0" lvl="0" indent="0" algn="ctr" defTabSz="1200150">
+            <a:lnSpc>
+              <a:spcPct val="90000"/>
+            </a:lnSpc>
+            <a:spcBef>
+              <a:spcPct val="0"/>
+            </a:spcBef>
+            <a:spcAft>
+              <a:spcPct val="35000"/>
+            </a:spcAft>
+            <a:buNone/>
+          </a:pPr>
+          <a:r>
+            <a:rPr lang="es-AR" sz="2700" kern="1200" dirty="0"/>
+            <a:t>UART</a:t>
+          </a:r>
+        </a:p>
+      </dsp:txBody>
+      <dsp:txXfrm>
+        <a:off x="5559400" y="3817300"/>
+        <a:ext cx="1790898" cy="895449"/>
+      </dsp:txXfrm>
+    </dsp:sp>
+  </dsp:spTree>
+</dsp:drawing>
+</file>
+
 <file path=ppt/diagrams/layout1.xml><?xml version="1.0" encoding="utf-8"?>
 <dgm:layoutDef xmlns:dgm="http://schemas.openxmlformats.org/drawingml/2006/diagram" xmlns:a="http://schemas.openxmlformats.org/drawingml/2006/main" uniqueId="urn:microsoft.com/office/officeart/2005/8/layout/hierarchy6">
   <dgm:title val=""/>
@@ -11908,6 +14260,1152 @@
 </dgm:layoutDef>
 </file>
 
+<file path=ppt/diagrams/layout4.xml><?xml version="1.0" encoding="utf-8"?>
+<dgm:layoutDef xmlns:dgm="http://schemas.openxmlformats.org/drawingml/2006/diagram" xmlns:a="http://schemas.openxmlformats.org/drawingml/2006/main" uniqueId="urn:microsoft.com/office/officeart/2005/8/layout/orgChart1">
+  <dgm:title val=""/>
+  <dgm:desc val=""/>
+  <dgm:catLst>
+    <dgm:cat type="hierarchy" pri="1000"/>
+    <dgm:cat type="convert" pri="6000"/>
+  </dgm:catLst>
+  <dgm:sampData>
+    <dgm:dataModel>
+      <dgm:ptLst>
+        <dgm:pt modelId="0" type="doc"/>
+        <dgm:pt modelId="1">
+          <dgm:prSet phldr="1"/>
+        </dgm:pt>
+        <dgm:pt modelId="2" type="asst">
+          <dgm:prSet phldr="1"/>
+        </dgm:pt>
+        <dgm:pt modelId="3">
+          <dgm:prSet phldr="1"/>
+        </dgm:pt>
+        <dgm:pt modelId="4">
+          <dgm:prSet phldr="1"/>
+        </dgm:pt>
+        <dgm:pt modelId="5">
+          <dgm:prSet phldr="1"/>
+        </dgm:pt>
+      </dgm:ptLst>
+      <dgm:cxnLst>
+        <dgm:cxn modelId="5" srcId="0" destId="1" srcOrd="0" destOrd="0"/>
+        <dgm:cxn modelId="6" srcId="1" destId="2" srcOrd="0" destOrd="0"/>
+        <dgm:cxn modelId="7" srcId="1" destId="3" srcOrd="1" destOrd="0"/>
+        <dgm:cxn modelId="8" srcId="1" destId="4" srcOrd="2" destOrd="0"/>
+        <dgm:cxn modelId="9" srcId="1" destId="5" srcOrd="3" destOrd="0"/>
+      </dgm:cxnLst>
+      <dgm:bg/>
+      <dgm:whole/>
+    </dgm:dataModel>
+  </dgm:sampData>
+  <dgm:styleData>
+    <dgm:dataModel>
+      <dgm:ptLst>
+        <dgm:pt modelId="0" type="doc"/>
+        <dgm:pt modelId="1"/>
+        <dgm:pt modelId="12"/>
+        <dgm:pt modelId="13"/>
+      </dgm:ptLst>
+      <dgm:cxnLst>
+        <dgm:cxn modelId="2" srcId="0" destId="1" srcOrd="0" destOrd="0"/>
+        <dgm:cxn modelId="16" srcId="1" destId="12" srcOrd="1" destOrd="0"/>
+        <dgm:cxn modelId="17" srcId="1" destId="13" srcOrd="2" destOrd="0"/>
+      </dgm:cxnLst>
+      <dgm:bg/>
+      <dgm:whole/>
+    </dgm:dataModel>
+  </dgm:styleData>
+  <dgm:clrData>
+    <dgm:dataModel>
+      <dgm:ptLst>
+        <dgm:pt modelId="0" type="doc"/>
+        <dgm:pt modelId="1"/>
+        <dgm:pt modelId="11" type="asst"/>
+        <dgm:pt modelId="12"/>
+        <dgm:pt modelId="13"/>
+        <dgm:pt modelId="14"/>
+      </dgm:ptLst>
+      <dgm:cxnLst>
+        <dgm:cxn modelId="2" srcId="0" destId="1" srcOrd="0" destOrd="0"/>
+        <dgm:cxn modelId="15" srcId="1" destId="11" srcOrd="0" destOrd="0"/>
+        <dgm:cxn modelId="16" srcId="1" destId="12" srcOrd="1" destOrd="0"/>
+        <dgm:cxn modelId="17" srcId="1" destId="13" srcOrd="2" destOrd="0"/>
+        <dgm:cxn modelId="18" srcId="1" destId="14" srcOrd="2" destOrd="0"/>
+      </dgm:cxnLst>
+      <dgm:bg/>
+      <dgm:whole/>
+    </dgm:dataModel>
+  </dgm:clrData>
+  <dgm:layoutNode name="hierChild1">
+    <dgm:varLst>
+      <dgm:orgChart val="1"/>
+      <dgm:chPref val="1"/>
+      <dgm:dir/>
+      <dgm:animOne val="branch"/>
+      <dgm:animLvl val="lvl"/>
+      <dgm:resizeHandles/>
+    </dgm:varLst>
+    <dgm:choose name="Name0">
+      <dgm:if name="Name1" func="var" arg="dir" op="equ" val="norm">
+        <dgm:alg type="hierChild">
+          <dgm:param type="linDir" val="fromL"/>
+        </dgm:alg>
+      </dgm:if>
+      <dgm:else name="Name2">
+        <dgm:alg type="hierChild">
+          <dgm:param type="linDir" val="fromR"/>
+        </dgm:alg>
+      </dgm:else>
+    </dgm:choose>
+    <dgm:shape xmlns:r="http://schemas.openxmlformats.org/officeDocument/2006/relationships" r:blip="">
+      <dgm:adjLst/>
+    </dgm:shape>
+    <dgm:presOf/>
+    <dgm:constrLst>
+      <dgm:constr type="w" for="des" forName="rootComposite1" refType="w" fact="10"/>
+      <dgm:constr type="h" for="des" forName="rootComposite1" refType="w" refFor="des" refForName="rootComposite1" fact="0.5"/>
+      <dgm:constr type="w" for="des" forName="rootComposite" refType="w" fact="10"/>
+      <dgm:constr type="h" for="des" forName="rootComposite" refType="w" refFor="des" refForName="rootComposite1" fact="0.5"/>
+      <dgm:constr type="w" for="des" forName="rootComposite3" refType="w" fact="10"/>
+      <dgm:constr type="h" for="des" forName="rootComposite3" refType="w" refFor="des" refForName="rootComposite1" fact="0.5"/>
+      <dgm:constr type="primFontSz" for="des" ptType="node" op="equ"/>
+      <dgm:constr type="sp" for="des" op="equ"/>
+      <dgm:constr type="sp" for="des" forName="hierRoot1" refType="w" refFor="des" refForName="rootComposite1" fact="0.21"/>
+      <dgm:constr type="sp" for="des" forName="hierRoot2" refType="sp" refFor="des" refForName="hierRoot1"/>
+      <dgm:constr type="sp" for="des" forName="hierRoot3" refType="sp" refFor="des" refForName="hierRoot1"/>
+      <dgm:constr type="sibSp" refType="w" refFor="des" refForName="rootComposite1" fact="0.21"/>
+      <dgm:constr type="sibSp" for="des" forName="hierChild2" refType="sibSp"/>
+      <dgm:constr type="sibSp" for="des" forName="hierChild3" refType="sibSp"/>
+      <dgm:constr type="sibSp" for="des" forName="hierChild4" refType="sibSp"/>
+      <dgm:constr type="sibSp" for="des" forName="hierChild5" refType="sibSp"/>
+      <dgm:constr type="sibSp" for="des" forName="hierChild6" refType="sibSp"/>
+      <dgm:constr type="sibSp" for="des" forName="hierChild7" refType="sibSp"/>
+      <dgm:constr type="secSibSp" refType="w" refFor="des" refForName="rootComposite1" fact="0.21"/>
+      <dgm:constr type="secSibSp" for="des" forName="hierChild2" refType="secSibSp"/>
+      <dgm:constr type="secSibSp" for="des" forName="hierChild3" refType="secSibSp"/>
+      <dgm:constr type="secSibSp" for="des" forName="hierChild4" refType="secSibSp"/>
+      <dgm:constr type="secSibSp" for="des" forName="hierChild5" refType="secSibSp"/>
+      <dgm:constr type="secSibSp" for="des" forName="hierChild6" refType="secSibSp"/>
+      <dgm:constr type="secSibSp" for="des" forName="hierChild7" refType="secSibSp"/>
+    </dgm:constrLst>
+    <dgm:ruleLst/>
+    <dgm:forEach name="Name3" axis="ch">
+      <dgm:forEach name="Name4" axis="self" ptType="node">
+        <dgm:layoutNode name="hierRoot1">
+          <dgm:varLst>
+            <dgm:hierBranch val="init"/>
+          </dgm:varLst>
+          <dgm:choose name="Name5">
+            <dgm:if name="Name6" func="var" arg="hierBranch" op="equ" val="l">
+              <dgm:choose name="Name7">
+                <dgm:if name="Name8" axis="ch" ptType="asst" func="cnt" op="gte" val="1">
+                  <dgm:alg type="hierRoot">
+                    <dgm:param type="hierAlign" val="tR"/>
+                  </dgm:alg>
+                  <dgm:constrLst>
+                    <dgm:constr type="alignOff" val="0.65"/>
+                  </dgm:constrLst>
+                </dgm:if>
+                <dgm:else name="Name9">
+                  <dgm:alg type="hierRoot">
+                    <dgm:param type="hierAlign" val="tR"/>
+                  </dgm:alg>
+                  <dgm:constrLst>
+                    <dgm:constr type="alignOff" val="0.25"/>
+                  </dgm:constrLst>
+                </dgm:else>
+              </dgm:choose>
+            </dgm:if>
+            <dgm:if name="Name10" func="var" arg="hierBranch" op="equ" val="r">
+              <dgm:choose name="Name11">
+                <dgm:if name="Name12" axis="ch" ptType="asst" func="cnt" op="gte" val="1">
+                  <dgm:alg type="hierRoot">
+                    <dgm:param type="hierAlign" val="tL"/>
+                  </dgm:alg>
+                  <dgm:constrLst>
+                    <dgm:constr type="alignOff" val="0.65"/>
+                  </dgm:constrLst>
+                </dgm:if>
+                <dgm:else name="Name13">
+                  <dgm:alg type="hierRoot">
+                    <dgm:param type="hierAlign" val="tL"/>
+                  </dgm:alg>
+                  <dgm:constrLst>
+                    <dgm:constr type="alignOff" val="0.25"/>
+                  </dgm:constrLst>
+                </dgm:else>
+              </dgm:choose>
+            </dgm:if>
+            <dgm:if name="Name14" func="var" arg="hierBranch" op="equ" val="hang">
+              <dgm:alg type="hierRoot"/>
+              <dgm:constrLst>
+                <dgm:constr type="alignOff" val="0.65"/>
+              </dgm:constrLst>
+            </dgm:if>
+            <dgm:else name="Name15">
+              <dgm:alg type="hierRoot"/>
+              <dgm:constrLst>
+                <dgm:constr type="alignOff"/>
+                <dgm:constr type="bendDist" for="des" ptType="parTrans" refType="sp" fact="0.5"/>
+              </dgm:constrLst>
+            </dgm:else>
+          </dgm:choose>
+          <dgm:shape xmlns:r="http://schemas.openxmlformats.org/officeDocument/2006/relationships" r:blip="">
+            <dgm:adjLst/>
+          </dgm:shape>
+          <dgm:presOf/>
+          <dgm:ruleLst/>
+          <dgm:layoutNode name="rootComposite1">
+            <dgm:alg type="composite"/>
+            <dgm:shape xmlns:r="http://schemas.openxmlformats.org/officeDocument/2006/relationships" r:blip="">
+              <dgm:adjLst/>
+            </dgm:shape>
+            <dgm:presOf axis="self" ptType="node" cnt="1"/>
+            <dgm:choose name="Name16">
+              <dgm:if name="Name17" func="var" arg="hierBranch" op="equ" val="init">
+                <dgm:constrLst>
+                  <dgm:constr type="l" for="ch" forName="rootText1"/>
+                  <dgm:constr type="t" for="ch" forName="rootText1"/>
+                  <dgm:constr type="w" for="ch" forName="rootText1" refType="w"/>
+                  <dgm:constr type="h" for="ch" forName="rootText1" refType="h"/>
+                  <dgm:constr type="l" for="ch" forName="rootConnector1"/>
+                  <dgm:constr type="t" for="ch" forName="rootConnector1"/>
+                  <dgm:constr type="w" for="ch" forName="rootConnector1" refType="w" refFor="ch" refForName="rootText1" fact="0.2"/>
+                  <dgm:constr type="h" for="ch" forName="rootConnector1" refType="h" refFor="ch" refForName="rootText1"/>
+                </dgm:constrLst>
+              </dgm:if>
+              <dgm:if name="Name18" func="var" arg="hierBranch" op="equ" val="l">
+                <dgm:constrLst>
+                  <dgm:constr type="l" for="ch" forName="rootText1"/>
+                  <dgm:constr type="t" for="ch" forName="rootText1"/>
+                  <dgm:constr type="w" for="ch" forName="rootText1" refType="w"/>
+                  <dgm:constr type="h" for="ch" forName="rootText1" refType="h"/>
+                  <dgm:constr type="r" for="ch" forName="rootConnector1" refType="w"/>
+                  <dgm:constr type="t" for="ch" forName="rootConnector1"/>
+                  <dgm:constr type="w" for="ch" forName="rootConnector1" refType="w" refFor="ch" refForName="rootText1" fact="0.2"/>
+                  <dgm:constr type="h" for="ch" forName="rootConnector1" refType="h" refFor="ch" refForName="rootText1"/>
+                </dgm:constrLst>
+              </dgm:if>
+              <dgm:if name="Name19" func="var" arg="hierBranch" op="equ" val="r">
+                <dgm:constrLst>
+                  <dgm:constr type="l" for="ch" forName="rootText1"/>
+                  <dgm:constr type="t" for="ch" forName="rootText1"/>
+                  <dgm:constr type="w" for="ch" forName="rootText1" refType="w"/>
+                  <dgm:constr type="h" for="ch" forName="rootText1" refType="h"/>
+                  <dgm:constr type="l" for="ch" forName="rootConnector1"/>
+                  <dgm:constr type="t" for="ch" forName="rootConnector1"/>
+                  <dgm:constr type="w" for="ch" forName="rootConnector1" refType="w" refFor="ch" refForName="rootText1" fact="0.2"/>
+                  <dgm:constr type="h" for="ch" forName="rootConnector1" refType="h" refFor="ch" refForName="rootText1"/>
+                </dgm:constrLst>
+              </dgm:if>
+              <dgm:else name="Name20">
+                <dgm:constrLst>
+                  <dgm:constr type="l" for="ch" forName="rootText1"/>
+                  <dgm:constr type="t" for="ch" forName="rootText1"/>
+                  <dgm:constr type="w" for="ch" forName="rootText1" refType="w"/>
+                  <dgm:constr type="h" for="ch" forName="rootText1" refType="h"/>
+                  <dgm:constr type="r" for="ch" forName="rootConnector1" refType="w"/>
+                  <dgm:constr type="t" for="ch" forName="rootConnector1"/>
+                  <dgm:constr type="w" for="ch" forName="rootConnector1" refType="w" refFor="ch" refForName="rootText1" fact="0.2"/>
+                  <dgm:constr type="h" for="ch" forName="rootConnector1" refType="h" refFor="ch" refForName="rootText1"/>
+                </dgm:constrLst>
+              </dgm:else>
+            </dgm:choose>
+            <dgm:ruleLst/>
+            <dgm:layoutNode name="rootText1" styleLbl="node0">
+              <dgm:varLst>
+                <dgm:chPref val="3"/>
+              </dgm:varLst>
+              <dgm:alg type="tx"/>
+              <dgm:shape xmlns:r="http://schemas.openxmlformats.org/officeDocument/2006/relationships" type="rect" r:blip="">
+                <dgm:adjLst/>
+              </dgm:shape>
+              <dgm:presOf axis="self" ptType="node" cnt="1"/>
+              <dgm:constrLst>
+                <dgm:constr type="primFontSz" val="65"/>
+                <dgm:constr type="lMarg" refType="primFontSz" fact="0.05"/>
+                <dgm:constr type="rMarg" refType="primFontSz" fact="0.05"/>
+                <dgm:constr type="tMarg" refType="primFontSz" fact="0.05"/>
+                <dgm:constr type="bMarg" refType="primFontSz" fact="0.05"/>
+              </dgm:constrLst>
+              <dgm:ruleLst>
+                <dgm:rule type="primFontSz" val="5" fact="NaN" max="NaN"/>
+              </dgm:ruleLst>
+            </dgm:layoutNode>
+            <dgm:layoutNode name="rootConnector1" moveWith="rootText1">
+              <dgm:alg type="sp"/>
+              <dgm:shape xmlns:r="http://schemas.openxmlformats.org/officeDocument/2006/relationships" type="rect" r:blip="" hideGeom="1">
+                <dgm:adjLst/>
+              </dgm:shape>
+              <dgm:presOf axis="self" ptType="node" cnt="1"/>
+              <dgm:constrLst/>
+              <dgm:ruleLst/>
+            </dgm:layoutNode>
+          </dgm:layoutNode>
+          <dgm:layoutNode name="hierChild2">
+            <dgm:choose name="Name21">
+              <dgm:if name="Name22" func="var" arg="hierBranch" op="equ" val="l">
+                <dgm:alg type="hierChild">
+                  <dgm:param type="chAlign" val="r"/>
+                  <dgm:param type="linDir" val="fromT"/>
+                </dgm:alg>
+              </dgm:if>
+              <dgm:if name="Name23" func="var" arg="hierBranch" op="equ" val="r">
+                <dgm:alg type="hierChild">
+                  <dgm:param type="chAlign" val="l"/>
+                  <dgm:param type="linDir" val="fromT"/>
+                </dgm:alg>
+              </dgm:if>
+              <dgm:if name="Name24" func="var" arg="hierBranch" op="equ" val="hang">
+                <dgm:choose name="Name25">
+                  <dgm:if name="Name26" func="var" arg="dir" op="equ" val="norm">
+                    <dgm:alg type="hierChild">
+                      <dgm:param type="chAlign" val="l"/>
+                      <dgm:param type="linDir" val="fromL"/>
+                      <dgm:param type="secChAlign" val="t"/>
+                      <dgm:param type="secLinDir" val="fromT"/>
+                    </dgm:alg>
+                  </dgm:if>
+                  <dgm:else name="Name27">
+                    <dgm:alg type="hierChild">
+                      <dgm:param type="chAlign" val="l"/>
+                      <dgm:param type="linDir" val="fromR"/>
+                      <dgm:param type="secChAlign" val="t"/>
+                      <dgm:param type="secLinDir" val="fromT"/>
+                    </dgm:alg>
+                  </dgm:else>
+                </dgm:choose>
+              </dgm:if>
+              <dgm:else name="Name28">
+                <dgm:choose name="Name29">
+                  <dgm:if name="Name30" func="var" arg="dir" op="equ" val="norm">
+                    <dgm:alg type="hierChild"/>
+                  </dgm:if>
+                  <dgm:else name="Name31">
+                    <dgm:alg type="hierChild">
+                      <dgm:param type="linDir" val="fromR"/>
+                    </dgm:alg>
+                  </dgm:else>
+                </dgm:choose>
+              </dgm:else>
+            </dgm:choose>
+            <dgm:shape xmlns:r="http://schemas.openxmlformats.org/officeDocument/2006/relationships" r:blip="">
+              <dgm:adjLst/>
+            </dgm:shape>
+            <dgm:presOf/>
+            <dgm:constrLst/>
+            <dgm:ruleLst/>
+            <dgm:forEach name="rep2a" axis="ch" ptType="nonAsst">
+              <dgm:forEach name="Name32" axis="precedSib" ptType="parTrans" st="-1" cnt="1">
+                <dgm:choose name="Name33">
+                  <dgm:if name="Name34" func="var" arg="hierBranch" op="equ" val="std">
+                    <dgm:layoutNode name="Name35">
+                      <dgm:alg type="conn">
+                        <dgm:param type="connRout" val="bend"/>
+                        <dgm:param type="dim" val="1D"/>
+                        <dgm:param type="endSty" val="noArr"/>
+                        <dgm:param type="begPts" val="bCtr"/>
+                        <dgm:param type="endPts" val="tCtr"/>
+                        <dgm:param type="bendPt" val="end"/>
+                      </dgm:alg>
+                      <dgm:shape xmlns:r="http://schemas.openxmlformats.org/officeDocument/2006/relationships" type="conn" r:blip="" zOrderOff="-99999">
+                        <dgm:adjLst/>
+                      </dgm:shape>
+                      <dgm:presOf axis="self"/>
+                      <dgm:constrLst>
+                        <dgm:constr type="begPad"/>
+                        <dgm:constr type="endPad"/>
+                      </dgm:constrLst>
+                      <dgm:ruleLst/>
+                    </dgm:layoutNode>
+                  </dgm:if>
+                  <dgm:if name="Name36" func="var" arg="hierBranch" op="equ" val="init">
+                    <dgm:layoutNode name="Name37">
+                      <dgm:choose name="Name38">
+                        <dgm:if name="Name39" axis="self" func="depth" op="lte" val="2">
+                          <dgm:alg type="conn">
+                            <dgm:param type="connRout" val="bend"/>
+                            <dgm:param type="dim" val="1D"/>
+                            <dgm:param type="endSty" val="noArr"/>
+                            <dgm:param type="begPts" val="bCtr"/>
+                            <dgm:param type="endPts" val="tCtr"/>
+                            <dgm:param type="bendPt" val="end"/>
+                          </dgm:alg>
+                        </dgm:if>
+                        <dgm:else name="Name40">
+                          <dgm:choose name="Name41">
+                            <dgm:if name="Name42" axis="par des" func="maxDepth" op="lte" val="1">
+                              <dgm:choose name="Name43">
+                                <dgm:if name="Name44" axis="par ch" ptType="node asst" func="cnt" op="gte" val="1">
+                                  <dgm:alg type="conn">
+                                    <dgm:param type="connRout" val="bend"/>
+                                    <dgm:param type="dim" val="1D"/>
+                                    <dgm:param type="endSty" val="noArr"/>
+                                    <dgm:param type="begPts" val="bCtr"/>
+                                    <dgm:param type="endPts" val="midL midR"/>
+                                  </dgm:alg>
+                                </dgm:if>
+                                <dgm:else name="Name45">
+                                  <dgm:alg type="conn">
+                                    <dgm:param type="connRout" val="bend"/>
+                                    <dgm:param type="dim" val="1D"/>
+                                    <dgm:param type="endSty" val="noArr"/>
+                                    <dgm:param type="begPts" val="bCtr"/>
+                                    <dgm:param type="endPts" val="midL midR"/>
+                                    <dgm:param type="srcNode" val="rootConnector"/>
+                                  </dgm:alg>
+                                </dgm:else>
+                              </dgm:choose>
+                            </dgm:if>
+                            <dgm:else name="Name46">
+                              <dgm:alg type="conn">
+                                <dgm:param type="connRout" val="bend"/>
+                                <dgm:param type="dim" val="1D"/>
+                                <dgm:param type="endSty" val="noArr"/>
+                                <dgm:param type="begPts" val="bCtr"/>
+                                <dgm:param type="endPts" val="tCtr"/>
+                                <dgm:param type="bendPt" val="end"/>
+                              </dgm:alg>
+                            </dgm:else>
+                          </dgm:choose>
+                        </dgm:else>
+                      </dgm:choose>
+                      <dgm:shape xmlns:r="http://schemas.openxmlformats.org/officeDocument/2006/relationships" type="conn" r:blip="" zOrderOff="-99999">
+                        <dgm:adjLst/>
+                      </dgm:shape>
+                      <dgm:presOf axis="self"/>
+                      <dgm:constrLst>
+                        <dgm:constr type="begPad"/>
+                        <dgm:constr type="endPad"/>
+                      </dgm:constrLst>
+                      <dgm:ruleLst/>
+                    </dgm:layoutNode>
+                  </dgm:if>
+                  <dgm:if name="Name47" func="var" arg="hierBranch" op="equ" val="hang">
+                    <dgm:layoutNode name="Name48">
+                      <dgm:alg type="conn">
+                        <dgm:param type="connRout" val="bend"/>
+                        <dgm:param type="dim" val="1D"/>
+                        <dgm:param type="endSty" val="noArr"/>
+                        <dgm:param type="begPts" val="bCtr"/>
+                        <dgm:param type="endPts" val="midL midR"/>
+                      </dgm:alg>
+                      <dgm:shape xmlns:r="http://schemas.openxmlformats.org/officeDocument/2006/relationships" type="conn" r:blip="" zOrderOff="-99999">
+                        <dgm:adjLst/>
+                      </dgm:shape>
+                      <dgm:presOf axis="self"/>
+                      <dgm:constrLst>
+                        <dgm:constr type="begPad"/>
+                        <dgm:constr type="endPad"/>
+                      </dgm:constrLst>
+                      <dgm:ruleLst/>
+                    </dgm:layoutNode>
+                  </dgm:if>
+                  <dgm:else name="Name49">
+                    <dgm:layoutNode name="Name50">
+                      <dgm:choose name="Name51">
+                        <dgm:if name="Name52" axis="self" func="depth" op="lte" val="2">
+                          <dgm:choose name="Name53">
+                            <dgm:if name="Name54" axis="par ch" ptType="node asst" func="cnt" op="gte" val="1">
+                              <dgm:alg type="conn">
+                                <dgm:param type="connRout" val="bend"/>
+                                <dgm:param type="dim" val="1D"/>
+                                <dgm:param type="endSty" val="noArr"/>
+                                <dgm:param type="begPts" val="bCtr"/>
+                                <dgm:param type="endPts" val="midL midR"/>
+                              </dgm:alg>
+                            </dgm:if>
+                            <dgm:else name="Name55">
+                              <dgm:alg type="conn">
+                                <dgm:param type="connRout" val="bend"/>
+                                <dgm:param type="dim" val="1D"/>
+                                <dgm:param type="endSty" val="noArr"/>
+                                <dgm:param type="begPts" val="bCtr"/>
+                                <dgm:param type="endPts" val="midL midR"/>
+                                <dgm:param type="srcNode" val="rootConnector1"/>
+                              </dgm:alg>
+                            </dgm:else>
+                          </dgm:choose>
+                        </dgm:if>
+                        <dgm:else name="Name56">
+                          <dgm:choose name="Name57">
+                            <dgm:if name="Name58" axis="par ch" ptType="node asst" func="cnt" op="gte" val="1">
+                              <dgm:alg type="conn">
+                                <dgm:param type="connRout" val="bend"/>
+                                <dgm:param type="dim" val="1D"/>
+                                <dgm:param type="endSty" val="noArr"/>
+                                <dgm:param type="begPts" val="bCtr"/>
+                                <dgm:param type="endPts" val="midL midR"/>
+                              </dgm:alg>
+                            </dgm:if>
+                            <dgm:else name="Name59">
+                              <dgm:alg type="conn">
+                                <dgm:param type="connRout" val="bend"/>
+                                <dgm:param type="dim" val="1D"/>
+                                <dgm:param type="endSty" val="noArr"/>
+                                <dgm:param type="begPts" val="bCtr"/>
+                                <dgm:param type="endPts" val="midL midR"/>
+                                <dgm:param type="srcNode" val="rootConnector"/>
+                              </dgm:alg>
+                            </dgm:else>
+                          </dgm:choose>
+                        </dgm:else>
+                      </dgm:choose>
+                      <dgm:shape xmlns:r="http://schemas.openxmlformats.org/officeDocument/2006/relationships" type="conn" r:blip="" zOrderOff="-99999">
+                        <dgm:adjLst/>
+                      </dgm:shape>
+                      <dgm:presOf axis="self"/>
+                      <dgm:constrLst>
+                        <dgm:constr type="begPad"/>
+                        <dgm:constr type="endPad"/>
+                      </dgm:constrLst>
+                      <dgm:ruleLst/>
+                    </dgm:layoutNode>
+                  </dgm:else>
+                </dgm:choose>
+              </dgm:forEach>
+              <dgm:layoutNode name="hierRoot2">
+                <dgm:varLst>
+                  <dgm:hierBranch val="init"/>
+                </dgm:varLst>
+                <dgm:choose name="Name60">
+                  <dgm:if name="Name61" func="var" arg="hierBranch" op="equ" val="l">
+                    <dgm:choose name="Name62">
+                      <dgm:if name="Name63" axis="ch" ptType="asst" func="cnt" op="gte" val="1">
+                        <dgm:alg type="hierRoot">
+                          <dgm:param type="hierAlign" val="tR"/>
+                        </dgm:alg>
+                        <dgm:shape xmlns:r="http://schemas.openxmlformats.org/officeDocument/2006/relationships" r:blip="">
+                          <dgm:adjLst/>
+                        </dgm:shape>
+                        <dgm:presOf/>
+                        <dgm:constrLst>
+                          <dgm:constr type="alignOff" val="0.65"/>
+                        </dgm:constrLst>
+                      </dgm:if>
+                      <dgm:else name="Name64">
+                        <dgm:alg type="hierRoot">
+                          <dgm:param type="hierAlign" val="tR"/>
+                        </dgm:alg>
+                        <dgm:shape xmlns:r="http://schemas.openxmlformats.org/officeDocument/2006/relationships" r:blip="">
+                          <dgm:adjLst/>
+                        </dgm:shape>
+                        <dgm:presOf/>
+                        <dgm:constrLst>
+                          <dgm:constr type="alignOff" val="0.25"/>
+                        </dgm:constrLst>
+                      </dgm:else>
+                    </dgm:choose>
+                  </dgm:if>
+                  <dgm:if name="Name65" func="var" arg="hierBranch" op="equ" val="r">
+                    <dgm:choose name="Name66">
+                      <dgm:if name="Name67" axis="ch" ptType="asst" func="cnt" op="gte" val="1">
+                        <dgm:alg type="hierRoot">
+                          <dgm:param type="hierAlign" val="tL"/>
+                        </dgm:alg>
+                        <dgm:shape xmlns:r="http://schemas.openxmlformats.org/officeDocument/2006/relationships" r:blip="">
+                          <dgm:adjLst/>
+                        </dgm:shape>
+                        <dgm:presOf/>
+                        <dgm:constrLst>
+                          <dgm:constr type="alignOff" val="0.65"/>
+                        </dgm:constrLst>
+                      </dgm:if>
+                      <dgm:else name="Name68">
+                        <dgm:alg type="hierRoot">
+                          <dgm:param type="hierAlign" val="tL"/>
+                        </dgm:alg>
+                        <dgm:shape xmlns:r="http://schemas.openxmlformats.org/officeDocument/2006/relationships" r:blip="">
+                          <dgm:adjLst/>
+                        </dgm:shape>
+                        <dgm:presOf/>
+                        <dgm:constrLst>
+                          <dgm:constr type="alignOff" val="0.25"/>
+                        </dgm:constrLst>
+                      </dgm:else>
+                    </dgm:choose>
+                  </dgm:if>
+                  <dgm:if name="Name69" func="var" arg="hierBranch" op="equ" val="std">
+                    <dgm:alg type="hierRoot"/>
+                    <dgm:shape xmlns:r="http://schemas.openxmlformats.org/officeDocument/2006/relationships" r:blip="">
+                      <dgm:adjLst/>
+                    </dgm:shape>
+                    <dgm:presOf/>
+                    <dgm:constrLst>
+                      <dgm:constr type="alignOff"/>
+                      <dgm:constr type="bendDist" for="des" ptType="parTrans" refType="sp" fact="0.5"/>
+                    </dgm:constrLst>
+                  </dgm:if>
+                  <dgm:if name="Name70" func="var" arg="hierBranch" op="equ" val="init">
+                    <dgm:choose name="Name71">
+                      <dgm:if name="Name72" axis="des" func="maxDepth" op="lte" val="1">
+                        <dgm:choose name="Name73">
+                          <dgm:if name="Name74" axis="ch" ptType="asst" func="cnt" op="gte" val="1">
+                            <dgm:alg type="hierRoot">
+                              <dgm:param type="hierAlign" val="tL"/>
+                            </dgm:alg>
+                            <dgm:shape xmlns:r="http://schemas.openxmlformats.org/officeDocument/2006/relationships" r:blip="">
+                              <dgm:adjLst/>
+                            </dgm:shape>
+                            <dgm:presOf/>
+                            <dgm:constrLst>
+                              <dgm:constr type="alignOff" val="0.65"/>
+                            </dgm:constrLst>
+                          </dgm:if>
+                          <dgm:else name="Name75">
+                            <dgm:alg type="hierRoot">
+                              <dgm:param type="hierAlign" val="tL"/>
+                            </dgm:alg>
+                            <dgm:shape xmlns:r="http://schemas.openxmlformats.org/officeDocument/2006/relationships" r:blip="">
+                              <dgm:adjLst/>
+                            </dgm:shape>
+                            <dgm:presOf/>
+                            <dgm:constrLst>
+                              <dgm:constr type="alignOff" val="0.25"/>
+                            </dgm:constrLst>
+                          </dgm:else>
+                        </dgm:choose>
+                      </dgm:if>
+                      <dgm:else name="Name76">
+                        <dgm:alg type="hierRoot"/>
+                        <dgm:shape xmlns:r="http://schemas.openxmlformats.org/officeDocument/2006/relationships" r:blip="">
+                          <dgm:adjLst/>
+                        </dgm:shape>
+                        <dgm:presOf/>
+                        <dgm:constrLst>
+                          <dgm:constr type="alignOff"/>
+                          <dgm:constr type="bendDist" for="des" ptType="parTrans" refType="sp" fact="0.5"/>
+                        </dgm:constrLst>
+                      </dgm:else>
+                    </dgm:choose>
+                  </dgm:if>
+                  <dgm:else name="Name77">
+                    <dgm:alg type="hierRoot"/>
+                    <dgm:shape xmlns:r="http://schemas.openxmlformats.org/officeDocument/2006/relationships" r:blip="">
+                      <dgm:adjLst/>
+                    </dgm:shape>
+                    <dgm:presOf/>
+                    <dgm:constrLst>
+                      <dgm:constr type="alignOff" val="0.65"/>
+                    </dgm:constrLst>
+                  </dgm:else>
+                </dgm:choose>
+                <dgm:ruleLst/>
+                <dgm:layoutNode name="rootComposite">
+                  <dgm:alg type="composite"/>
+                  <dgm:shape xmlns:r="http://schemas.openxmlformats.org/officeDocument/2006/relationships" r:blip="">
+                    <dgm:adjLst/>
+                  </dgm:shape>
+                  <dgm:presOf axis="self" ptType="node" cnt="1"/>
+                  <dgm:choose name="Name78">
+                    <dgm:if name="Name79" func="var" arg="hierBranch" op="equ" val="init">
+                      <dgm:constrLst>
+                        <dgm:constr type="l" for="ch" forName="rootText"/>
+                        <dgm:constr type="t" for="ch" forName="rootText"/>
+                        <dgm:constr type="w" for="ch" forName="rootText" refType="w"/>
+                        <dgm:constr type="h" for="ch" forName="rootText" refType="h"/>
+                        <dgm:constr type="l" for="ch" forName="rootConnector"/>
+                        <dgm:constr type="t" for="ch" forName="rootConnector"/>
+                        <dgm:constr type="w" for="ch" forName="rootConnector" refType="w" refFor="ch" refForName="rootText" fact="0.2"/>
+                        <dgm:constr type="h" for="ch" forName="rootConnector" refType="h" refFor="ch" refForName="rootText"/>
+                      </dgm:constrLst>
+                    </dgm:if>
+                    <dgm:if name="Name80" func="var" arg="hierBranch" op="equ" val="l">
+                      <dgm:constrLst>
+                        <dgm:constr type="l" for="ch" forName="rootText"/>
+                        <dgm:constr type="t" for="ch" forName="rootText"/>
+                        <dgm:constr type="w" for="ch" forName="rootText" refType="w"/>
+                        <dgm:constr type="h" for="ch" forName="rootText" refType="h"/>
+                        <dgm:constr type="r" for="ch" forName="rootConnector" refType="w"/>
+                        <dgm:constr type="t" for="ch" forName="rootConnector"/>
+                        <dgm:constr type="w" for="ch" forName="rootConnector" refType="w" refFor="ch" refForName="rootText" fact="0.2"/>
+                        <dgm:constr type="h" for="ch" forName="rootConnector" refType="h" refFor="ch" refForName="rootText"/>
+                      </dgm:constrLst>
+                    </dgm:if>
+                    <dgm:if name="Name81" func="var" arg="hierBranch" op="equ" val="r">
+                      <dgm:constrLst>
+                        <dgm:constr type="l" for="ch" forName="rootText"/>
+                        <dgm:constr type="t" for="ch" forName="rootText"/>
+                        <dgm:constr type="w" for="ch" forName="rootText" refType="w"/>
+                        <dgm:constr type="h" for="ch" forName="rootText" refType="h"/>
+                        <dgm:constr type="l" for="ch" forName="rootConnector"/>
+                        <dgm:constr type="t" for="ch" forName="rootConnector"/>
+                        <dgm:constr type="w" for="ch" forName="rootConnector" refType="w" refFor="ch" refForName="rootText" fact="0.2"/>
+                        <dgm:constr type="h" for="ch" forName="rootConnector" refType="h" refFor="ch" refForName="rootText"/>
+                      </dgm:constrLst>
+                    </dgm:if>
+                    <dgm:else name="Name82">
+                      <dgm:constrLst>
+                        <dgm:constr type="l" for="ch" forName="rootText"/>
+                        <dgm:constr type="t" for="ch" forName="rootText"/>
+                        <dgm:constr type="w" for="ch" forName="rootText" refType="w"/>
+                        <dgm:constr type="h" for="ch" forName="rootText" refType="h"/>
+                        <dgm:constr type="r" for="ch" forName="rootConnector" refType="w"/>
+                        <dgm:constr type="t" for="ch" forName="rootConnector"/>
+                        <dgm:constr type="w" for="ch" forName="rootConnector" refType="w" refFor="ch" refForName="rootText" fact="0.2"/>
+                        <dgm:constr type="h" for="ch" forName="rootConnector" refType="h" refFor="ch" refForName="rootText"/>
+                      </dgm:constrLst>
+                    </dgm:else>
+                  </dgm:choose>
+                  <dgm:ruleLst/>
+                  <dgm:layoutNode name="rootText">
+                    <dgm:varLst>
+                      <dgm:chPref val="3"/>
+                    </dgm:varLst>
+                    <dgm:alg type="tx"/>
+                    <dgm:shape xmlns:r="http://schemas.openxmlformats.org/officeDocument/2006/relationships" type="rect" r:blip="">
+                      <dgm:adjLst/>
+                    </dgm:shape>
+                    <dgm:presOf axis="self" ptType="node" cnt="1"/>
+                    <dgm:constrLst>
+                      <dgm:constr type="primFontSz" val="65"/>
+                      <dgm:constr type="lMarg" refType="primFontSz" fact="0.05"/>
+                      <dgm:constr type="rMarg" refType="primFontSz" fact="0.05"/>
+                      <dgm:constr type="tMarg" refType="primFontSz" fact="0.05"/>
+                      <dgm:constr type="bMarg" refType="primFontSz" fact="0.05"/>
+                    </dgm:constrLst>
+                    <dgm:ruleLst>
+                      <dgm:rule type="primFontSz" val="5" fact="NaN" max="NaN"/>
+                    </dgm:ruleLst>
+                  </dgm:layoutNode>
+                  <dgm:layoutNode name="rootConnector" moveWith="rootText">
+                    <dgm:alg type="sp"/>
+                    <dgm:shape xmlns:r="http://schemas.openxmlformats.org/officeDocument/2006/relationships" type="rect" r:blip="" hideGeom="1">
+                      <dgm:adjLst/>
+                    </dgm:shape>
+                    <dgm:presOf axis="self" ptType="node" cnt="1"/>
+                    <dgm:constrLst/>
+                    <dgm:ruleLst/>
+                  </dgm:layoutNode>
+                </dgm:layoutNode>
+                <dgm:layoutNode name="hierChild4">
+                  <dgm:choose name="Name83">
+                    <dgm:if name="Name84" func="var" arg="hierBranch" op="equ" val="l">
+                      <dgm:alg type="hierChild">
+                        <dgm:param type="chAlign" val="r"/>
+                        <dgm:param type="linDir" val="fromT"/>
+                      </dgm:alg>
+                    </dgm:if>
+                    <dgm:if name="Name85" func="var" arg="hierBranch" op="equ" val="r">
+                      <dgm:alg type="hierChild">
+                        <dgm:param type="chAlign" val="l"/>
+                        <dgm:param type="linDir" val="fromT"/>
+                      </dgm:alg>
+                    </dgm:if>
+                    <dgm:if name="Name86" func="var" arg="hierBranch" op="equ" val="hang">
+                      <dgm:choose name="Name87">
+                        <dgm:if name="Name88" func="var" arg="dir" op="equ" val="norm">
+                          <dgm:alg type="hierChild">
+                            <dgm:param type="chAlign" val="l"/>
+                            <dgm:param type="linDir" val="fromL"/>
+                            <dgm:param type="secChAlign" val="t"/>
+                            <dgm:param type="secLinDir" val="fromT"/>
+                          </dgm:alg>
+                        </dgm:if>
+                        <dgm:else name="Name89">
+                          <dgm:alg type="hierChild">
+                            <dgm:param type="chAlign" val="l"/>
+                            <dgm:param type="linDir" val="fromR"/>
+                            <dgm:param type="secChAlign" val="t"/>
+                            <dgm:param type="secLinDir" val="fromT"/>
+                          </dgm:alg>
+                        </dgm:else>
+                      </dgm:choose>
+                    </dgm:if>
+                    <dgm:if name="Name90" func="var" arg="hierBranch" op="equ" val="std">
+                      <dgm:choose name="Name91">
+                        <dgm:if name="Name92" func="var" arg="dir" op="equ" val="norm">
+                          <dgm:alg type="hierChild"/>
+                        </dgm:if>
+                        <dgm:else name="Name93">
+                          <dgm:alg type="hierChild">
+                            <dgm:param type="linDir" val="fromR"/>
+                          </dgm:alg>
+                        </dgm:else>
+                      </dgm:choose>
+                    </dgm:if>
+                    <dgm:if name="Name94" func="var" arg="hierBranch" op="equ" val="init">
+                      <dgm:choose name="Name95">
+                        <dgm:if name="Name96" axis="des" func="maxDepth" op="lte" val="1">
+                          <dgm:alg type="hierChild">
+                            <dgm:param type="chAlign" val="l"/>
+                            <dgm:param type="linDir" val="fromT"/>
+                          </dgm:alg>
+                        </dgm:if>
+                        <dgm:else name="Name97">
+                          <dgm:choose name="Name98">
+                            <dgm:if name="Name99" func="var" arg="dir" op="equ" val="norm">
+                              <dgm:alg type="hierChild"/>
+                            </dgm:if>
+                            <dgm:else name="Name100">
+                              <dgm:alg type="hierChild">
+                                <dgm:param type="linDir" val="fromR"/>
+                              </dgm:alg>
+                            </dgm:else>
+                          </dgm:choose>
+                        </dgm:else>
+                      </dgm:choose>
+                    </dgm:if>
+                    <dgm:else name="Name101"/>
+                  </dgm:choose>
+                  <dgm:shape xmlns:r="http://schemas.openxmlformats.org/officeDocument/2006/relationships" r:blip="">
+                    <dgm:adjLst/>
+                  </dgm:shape>
+                  <dgm:presOf/>
+                  <dgm:constrLst/>
+                  <dgm:ruleLst/>
+                  <dgm:forEach name="Name102" ref="rep2a"/>
+                </dgm:layoutNode>
+                <dgm:layoutNode name="hierChild5">
+                  <dgm:choose name="Name103">
+                    <dgm:if name="Name104" func="var" arg="dir" op="equ" val="norm">
+                      <dgm:alg type="hierChild">
+                        <dgm:param type="chAlign" val="l"/>
+                        <dgm:param type="linDir" val="fromL"/>
+                        <dgm:param type="secChAlign" val="t"/>
+                        <dgm:param type="secLinDir" val="fromT"/>
+                      </dgm:alg>
+                    </dgm:if>
+                    <dgm:else name="Name105">
+                      <dgm:alg type="hierChild">
+                        <dgm:param type="chAlign" val="l"/>
+                        <dgm:param type="linDir" val="fromR"/>
+                        <dgm:param type="secChAlign" val="t"/>
+                        <dgm:param type="secLinDir" val="fromT"/>
+                      </dgm:alg>
+                    </dgm:else>
+                  </dgm:choose>
+                  <dgm:shape xmlns:r="http://schemas.openxmlformats.org/officeDocument/2006/relationships" r:blip="">
+                    <dgm:adjLst/>
+                  </dgm:shape>
+                  <dgm:presOf/>
+                  <dgm:constrLst/>
+                  <dgm:ruleLst/>
+                  <dgm:forEach name="Name106" ref="rep2b"/>
+                </dgm:layoutNode>
+              </dgm:layoutNode>
+            </dgm:forEach>
+          </dgm:layoutNode>
+          <dgm:layoutNode name="hierChild3">
+            <dgm:choose name="Name107">
+              <dgm:if name="Name108" func="var" arg="dir" op="equ" val="norm">
+                <dgm:alg type="hierChild">
+                  <dgm:param type="chAlign" val="l"/>
+                  <dgm:param type="linDir" val="fromL"/>
+                  <dgm:param type="secChAlign" val="t"/>
+                  <dgm:param type="secLinDir" val="fromT"/>
+                </dgm:alg>
+              </dgm:if>
+              <dgm:else name="Name109">
+                <dgm:alg type="hierChild">
+                  <dgm:param type="chAlign" val="l"/>
+                  <dgm:param type="linDir" val="fromR"/>
+                  <dgm:param type="secChAlign" val="t"/>
+                  <dgm:param type="secLinDir" val="fromT"/>
+                </dgm:alg>
+              </dgm:else>
+            </dgm:choose>
+            <dgm:shape xmlns:r="http://schemas.openxmlformats.org/officeDocument/2006/relationships" r:blip="">
+              <dgm:adjLst/>
+            </dgm:shape>
+            <dgm:presOf/>
+            <dgm:constrLst/>
+            <dgm:ruleLst/>
+            <dgm:forEach name="rep2b" axis="ch" ptType="asst">
+              <dgm:forEach name="Name110" axis="precedSib" ptType="parTrans" st="-1" cnt="1">
+                <dgm:layoutNode name="Name111">
+                  <dgm:alg type="conn">
+                    <dgm:param type="connRout" val="bend"/>
+                    <dgm:param type="dim" val="1D"/>
+                    <dgm:param type="endSty" val="noArr"/>
+                    <dgm:param type="begPts" val="bCtr"/>
+                    <dgm:param type="endPts" val="midL midR"/>
+                  </dgm:alg>
+                  <dgm:shape xmlns:r="http://schemas.openxmlformats.org/officeDocument/2006/relationships" type="conn" r:blip="" zOrderOff="-99999">
+                    <dgm:adjLst/>
+                  </dgm:shape>
+                  <dgm:presOf axis="self"/>
+                  <dgm:constrLst>
+                    <dgm:constr type="begPad"/>
+                    <dgm:constr type="endPad"/>
+                  </dgm:constrLst>
+                  <dgm:ruleLst/>
+                </dgm:layoutNode>
+              </dgm:forEach>
+              <dgm:layoutNode name="hierRoot3">
+                <dgm:varLst>
+                  <dgm:hierBranch val="init"/>
+                </dgm:varLst>
+                <dgm:choose name="Name112">
+                  <dgm:if name="Name113" func="var" arg="hierBranch" op="equ" val="l">
+                    <dgm:alg type="hierRoot">
+                      <dgm:param type="hierAlign" val="tR"/>
+                    </dgm:alg>
+                    <dgm:shape xmlns:r="http://schemas.openxmlformats.org/officeDocument/2006/relationships" r:blip="">
+                      <dgm:adjLst/>
+                    </dgm:shape>
+                    <dgm:presOf/>
+                    <dgm:constrLst>
+                      <dgm:constr type="alignOff" val="0.65"/>
+                    </dgm:constrLst>
+                  </dgm:if>
+                  <dgm:if name="Name114" func="var" arg="hierBranch" op="equ" val="r">
+                    <dgm:alg type="hierRoot">
+                      <dgm:param type="hierAlign" val="tL"/>
+                    </dgm:alg>
+                    <dgm:shape xmlns:r="http://schemas.openxmlformats.org/officeDocument/2006/relationships" r:blip="">
+                      <dgm:adjLst/>
+                    </dgm:shape>
+                    <dgm:presOf/>
+                    <dgm:constrLst>
+                      <dgm:constr type="alignOff" val="0.65"/>
+                    </dgm:constrLst>
+                  </dgm:if>
+                  <dgm:if name="Name115" func="var" arg="hierBranch" op="equ" val="hang">
+                    <dgm:alg type="hierRoot"/>
+                    <dgm:shape xmlns:r="http://schemas.openxmlformats.org/officeDocument/2006/relationships" r:blip="">
+                      <dgm:adjLst/>
+                    </dgm:shape>
+                    <dgm:presOf/>
+                    <dgm:constrLst>
+                      <dgm:constr type="alignOff" val="0.65"/>
+                    </dgm:constrLst>
+                  </dgm:if>
+                  <dgm:if name="Name116" func="var" arg="hierBranch" op="equ" val="std">
+                    <dgm:alg type="hierRoot"/>
+                    <dgm:shape xmlns:r="http://schemas.openxmlformats.org/officeDocument/2006/relationships" r:blip="">
+                      <dgm:adjLst/>
+                    </dgm:shape>
+                    <dgm:presOf/>
+                    <dgm:constrLst>
+                      <dgm:constr type="alignOff"/>
+                      <dgm:constr type="bendDist" for="des" ptType="parTrans" refType="sp" fact="0.5"/>
+                    </dgm:constrLst>
+                  </dgm:if>
+                  <dgm:if name="Name117" func="var" arg="hierBranch" op="equ" val="init">
+                    <dgm:choose name="Name118">
+                      <dgm:if name="Name119" axis="des" func="maxDepth" op="lte" val="1">
+                        <dgm:alg type="hierRoot">
+                          <dgm:param type="hierAlign" val="tL"/>
+                        </dgm:alg>
+                        <dgm:shape xmlns:r="http://schemas.openxmlformats.org/officeDocument/2006/relationships" r:blip="">
+                          <dgm:adjLst/>
+                        </dgm:shape>
+                        <dgm:presOf/>
+                        <dgm:constrLst>
+                          <dgm:constr type="alignOff" val="0.65"/>
+                        </dgm:constrLst>
+                      </dgm:if>
+                      <dgm:else name="Name120">
+                        <dgm:alg type="hierRoot"/>
+                        <dgm:shape xmlns:r="http://schemas.openxmlformats.org/officeDocument/2006/relationships" r:blip="">
+                          <dgm:adjLst/>
+                        </dgm:shape>
+                        <dgm:presOf/>
+                        <dgm:constrLst>
+                          <dgm:constr type="alignOff"/>
+                          <dgm:constr type="bendDist" for="des" ptType="parTrans" refType="sp" fact="0.5"/>
+                        </dgm:constrLst>
+                      </dgm:else>
+                    </dgm:choose>
+                  </dgm:if>
+                  <dgm:else name="Name121"/>
+                </dgm:choose>
+                <dgm:ruleLst/>
+                <dgm:layoutNode name="rootComposite3">
+                  <dgm:alg type="composite"/>
+                  <dgm:shape xmlns:r="http://schemas.openxmlformats.org/officeDocument/2006/relationships" r:blip="">
+                    <dgm:adjLst/>
+                  </dgm:shape>
+                  <dgm:presOf axis="self" ptType="node" cnt="1"/>
+                  <dgm:choose name="Name122">
+                    <dgm:if name="Name123" func="var" arg="hierBranch" op="equ" val="init">
+                      <dgm:constrLst>
+                        <dgm:constr type="l" for="ch" forName="rootText3"/>
+                        <dgm:constr type="t" for="ch" forName="rootText3"/>
+                        <dgm:constr type="w" for="ch" forName="rootText3" refType="w"/>
+                        <dgm:constr type="h" for="ch" forName="rootText3" refType="h"/>
+                        <dgm:constr type="l" for="ch" forName="rootConnector3"/>
+                        <dgm:constr type="t" for="ch" forName="rootConnector3"/>
+                        <dgm:constr type="w" for="ch" forName="rootConnector3" refType="w" refFor="ch" refForName="rootText3" fact="0.2"/>
+                        <dgm:constr type="h" for="ch" forName="rootConnector3" refType="h" refFor="ch" refForName="rootText3"/>
+                      </dgm:constrLst>
+                    </dgm:if>
+                    <dgm:if name="Name124" func="var" arg="hierBranch" op="equ" val="l">
+                      <dgm:constrLst>
+                        <dgm:constr type="l" for="ch" forName="rootText3"/>
+                        <dgm:constr type="t" for="ch" forName="rootText3"/>
+                        <dgm:constr type="w" for="ch" forName="rootText3" refType="w"/>
+                        <dgm:constr type="h" for="ch" forName="rootText3" refType="h"/>
+                        <dgm:constr type="r" for="ch" forName="rootConnector3" refType="w"/>
+                        <dgm:constr type="t" for="ch" forName="rootConnector3"/>
+                        <dgm:constr type="w" for="ch" forName="rootConnector3" refType="w" refFor="ch" refForName="rootText3" fact="0.2"/>
+                        <dgm:constr type="h" for="ch" forName="rootConnector3" refType="h" refFor="ch" refForName="rootText3"/>
+                      </dgm:constrLst>
+                    </dgm:if>
+                    <dgm:if name="Name125" func="var" arg="hierBranch" op="equ" val="r">
+                      <dgm:constrLst>
+                        <dgm:constr type="l" for="ch" forName="rootText3"/>
+                        <dgm:constr type="t" for="ch" forName="rootText3"/>
+                        <dgm:constr type="w" for="ch" forName="rootText3" refType="w"/>
+                        <dgm:constr type="h" for="ch" forName="rootText3" refType="h"/>
+                        <dgm:constr type="l" for="ch" forName="rootConnector3"/>
+                        <dgm:constr type="t" for="ch" forName="rootConnector3"/>
+                        <dgm:constr type="w" for="ch" forName="rootConnector3" refType="w" refFor="ch" refForName="rootText3" fact="0.2"/>
+                        <dgm:constr type="h" for="ch" forName="rootConnector3" refType="h" refFor="ch" refForName="rootText3"/>
+                      </dgm:constrLst>
+                    </dgm:if>
+                    <dgm:else name="Name126">
+                      <dgm:constrLst>
+                        <dgm:constr type="l" for="ch" forName="rootText3"/>
+                        <dgm:constr type="t" for="ch" forName="rootText3"/>
+                        <dgm:constr type="w" for="ch" forName="rootText3" refType="w"/>
+                        <dgm:constr type="h" for="ch" forName="rootText3" refType="h"/>
+                        <dgm:constr type="r" for="ch" forName="rootConnector3" refType="w"/>
+                        <dgm:constr type="t" for="ch" forName="rootConnector3"/>
+                        <dgm:constr type="w" for="ch" forName="rootConnector3" refType="w" refFor="ch" refForName="rootText3" fact="0.2"/>
+                        <dgm:constr type="h" for="ch" forName="rootConnector3" refType="h" refFor="ch" refForName="rootText3"/>
+                      </dgm:constrLst>
+                    </dgm:else>
+                  </dgm:choose>
+                  <dgm:ruleLst/>
+                  <dgm:layoutNode name="rootText3">
+                    <dgm:varLst>
+                      <dgm:chPref val="3"/>
+                    </dgm:varLst>
+                    <dgm:alg type="tx"/>
+                    <dgm:shape xmlns:r="http://schemas.openxmlformats.org/officeDocument/2006/relationships" type="rect" r:blip="">
+                      <dgm:adjLst/>
+                    </dgm:shape>
+                    <dgm:presOf axis="self" ptType="node" cnt="1"/>
+                    <dgm:constrLst>
+                      <dgm:constr type="primFontSz" val="65"/>
+                      <dgm:constr type="lMarg" refType="primFontSz" fact="0.05"/>
+                      <dgm:constr type="rMarg" refType="primFontSz" fact="0.05"/>
+                      <dgm:constr type="tMarg" refType="primFontSz" fact="0.05"/>
+                      <dgm:constr type="bMarg" refType="primFontSz" fact="0.05"/>
+                    </dgm:constrLst>
+                    <dgm:ruleLst>
+                      <dgm:rule type="primFontSz" val="5" fact="NaN" max="NaN"/>
+                    </dgm:ruleLst>
+                  </dgm:layoutNode>
+                  <dgm:layoutNode name="rootConnector3" moveWith="rootText1">
+                    <dgm:alg type="sp"/>
+                    <dgm:shape xmlns:r="http://schemas.openxmlformats.org/officeDocument/2006/relationships" type="rect" r:blip="" hideGeom="1">
+                      <dgm:adjLst/>
+                    </dgm:shape>
+                    <dgm:presOf axis="self" ptType="node" cnt="1"/>
+                    <dgm:constrLst/>
+                    <dgm:ruleLst/>
+                  </dgm:layoutNode>
+                </dgm:layoutNode>
+                <dgm:layoutNode name="hierChild6">
+                  <dgm:choose name="Name127">
+                    <dgm:if name="Name128" func="var" arg="hierBranch" op="equ" val="l">
+                      <dgm:alg type="hierChild">
+                        <dgm:param type="chAlign" val="r"/>
+                        <dgm:param type="linDir" val="fromT"/>
+                      </dgm:alg>
+                    </dgm:if>
+                    <dgm:if name="Name129" func="var" arg="hierBranch" op="equ" val="r">
+                      <dgm:alg type="hierChild">
+                        <dgm:param type="chAlign" val="l"/>
+                        <dgm:param type="linDir" val="fromT"/>
+                      </dgm:alg>
+                    </dgm:if>
+                    <dgm:if name="Name130" func="var" arg="hierBranch" op="equ" val="hang">
+                      <dgm:choose name="Name131">
+                        <dgm:if name="Name132" func="var" arg="dir" op="equ" val="norm">
+                          <dgm:alg type="hierChild">
+                            <dgm:param type="chAlign" val="l"/>
+                            <dgm:param type="linDir" val="fromL"/>
+                            <dgm:param type="secChAlign" val="t"/>
+                            <dgm:param type="secLinDir" val="fromT"/>
+                          </dgm:alg>
+                        </dgm:if>
+                        <dgm:else name="Name133">
+                          <dgm:alg type="hierChild">
+                            <dgm:param type="chAlign" val="l"/>
+                            <dgm:param type="linDir" val="fromR"/>
+                            <dgm:param type="secChAlign" val="t"/>
+                            <dgm:param type="secLinDir" val="fromT"/>
+                          </dgm:alg>
+                        </dgm:else>
+                      </dgm:choose>
+                    </dgm:if>
+                    <dgm:if name="Name134" func="var" arg="hierBranch" op="equ" val="std">
+                      <dgm:choose name="Name135">
+                        <dgm:if name="Name136" func="var" arg="dir" op="equ" val="norm">
+                          <dgm:alg type="hierChild"/>
+                        </dgm:if>
+                        <dgm:else name="Name137">
+                          <dgm:alg type="hierChild">
+                            <dgm:param type="linDir" val="fromR"/>
+                          </dgm:alg>
+                        </dgm:else>
+                      </dgm:choose>
+                    </dgm:if>
+                    <dgm:if name="Name138" func="var" arg="hierBranch" op="equ" val="init">
+                      <dgm:choose name="Name139">
+                        <dgm:if name="Name140" axis="des" func="maxDepth" op="lte" val="1">
+                          <dgm:alg type="hierChild">
+                            <dgm:param type="chAlign" val="l"/>
+                            <dgm:param type="linDir" val="fromT"/>
+                          </dgm:alg>
+                        </dgm:if>
+                        <dgm:else name="Name141">
+                          <dgm:alg type="hierChild"/>
+                        </dgm:else>
+                      </dgm:choose>
+                    </dgm:if>
+                    <dgm:else name="Name142"/>
+                  </dgm:choose>
+                  <dgm:shape xmlns:r="http://schemas.openxmlformats.org/officeDocument/2006/relationships" r:blip="">
+                    <dgm:adjLst/>
+                  </dgm:shape>
+                  <dgm:presOf/>
+                  <dgm:constrLst/>
+                  <dgm:ruleLst/>
+                  <dgm:forEach name="Name143" ref="rep2a"/>
+                </dgm:layoutNode>
+                <dgm:layoutNode name="hierChild7">
+                  <dgm:choose name="Name144">
+                    <dgm:if name="Name145" func="var" arg="dir" op="equ" val="norm">
+                      <dgm:alg type="hierChild">
+                        <dgm:param type="chAlign" val="l"/>
+                        <dgm:param type="linDir" val="fromL"/>
+                        <dgm:param type="secChAlign" val="t"/>
+                        <dgm:param type="secLinDir" val="fromT"/>
+                      </dgm:alg>
+                    </dgm:if>
+                    <dgm:else name="Name146">
+                      <dgm:alg type="hierChild">
+                        <dgm:param type="chAlign" val="l"/>
+                        <dgm:param type="linDir" val="fromR"/>
+                        <dgm:param type="secChAlign" val="t"/>
+                        <dgm:param type="secLinDir" val="fromT"/>
+                      </dgm:alg>
+                    </dgm:else>
+                  </dgm:choose>
+                  <dgm:shape xmlns:r="http://schemas.openxmlformats.org/officeDocument/2006/relationships" r:blip="">
+                    <dgm:adjLst/>
+                  </dgm:shape>
+                  <dgm:presOf/>
+                  <dgm:constrLst/>
+                  <dgm:ruleLst/>
+                  <dgm:forEach name="Name147" ref="rep2b"/>
+                </dgm:layoutNode>
+              </dgm:layoutNode>
+            </dgm:forEach>
+          </dgm:layoutNode>
+        </dgm:layoutNode>
+      </dgm:forEach>
+    </dgm:forEach>
+  </dgm:layoutNode>
+</dgm:layoutDef>
+</file>
+
 <file path=ppt/diagrams/quickStyle1.xml><?xml version="1.0" encoding="utf-8"?>
 <dgm:styleDef xmlns:dgm="http://schemas.openxmlformats.org/drawingml/2006/diagram" xmlns:a="http://schemas.openxmlformats.org/drawingml/2006/main" uniqueId="urn:microsoft.com/office/officeart/2005/8/quickstyle/3d3">
   <dgm:title val=""/>
@@ -15278,6 +18776,1040 @@
         <a:scrgbClr r="0" g="0" b="0"/>
       </a:fillRef>
       <a:effectRef idx="1">
+        <a:scrgbClr r="0" g="0" b="0"/>
+      </a:effectRef>
+      <a:fontRef idx="minor"/>
+    </dgm:style>
+  </dgm:styleLbl>
+  <dgm:styleLbl name="revTx">
+    <dgm:scene3d>
+      <a:camera prst="orthographicFront"/>
+      <a:lightRig rig="threePt" dir="t"/>
+    </dgm:scene3d>
+    <dgm:sp3d/>
+    <dgm:txPr/>
+    <dgm:style>
+      <a:lnRef idx="0">
+        <a:scrgbClr r="0" g="0" b="0"/>
+      </a:lnRef>
+      <a:fillRef idx="0">
+        <a:scrgbClr r="0" g="0" b="0"/>
+      </a:fillRef>
+      <a:effectRef idx="0">
+        <a:scrgbClr r="0" g="0" b="0"/>
+      </a:effectRef>
+      <a:fontRef idx="minor"/>
+    </dgm:style>
+  </dgm:styleLbl>
+</dgm:styleDef>
+</file>
+
+<file path=ppt/diagrams/quickStyle4.xml><?xml version="1.0" encoding="utf-8"?>
+<dgm:styleDef xmlns:dgm="http://schemas.openxmlformats.org/drawingml/2006/diagram" xmlns:a="http://schemas.openxmlformats.org/drawingml/2006/main" uniqueId="urn:microsoft.com/office/officeart/2005/8/quickstyle/simple1">
+  <dgm:title val=""/>
+  <dgm:desc val=""/>
+  <dgm:catLst>
+    <dgm:cat type="simple" pri="10100"/>
+  </dgm:catLst>
+  <dgm:scene3d>
+    <a:camera prst="orthographicFront"/>
+    <a:lightRig rig="threePt" dir="t"/>
+  </dgm:scene3d>
+  <dgm:styleLbl name="node0">
+    <dgm:scene3d>
+      <a:camera prst="orthographicFront"/>
+      <a:lightRig rig="threePt" dir="t"/>
+    </dgm:scene3d>
+    <dgm:sp3d/>
+    <dgm:txPr/>
+    <dgm:style>
+      <a:lnRef idx="2">
+        <a:scrgbClr r="0" g="0" b="0"/>
+      </a:lnRef>
+      <a:fillRef idx="1">
+        <a:scrgbClr r="0" g="0" b="0"/>
+      </a:fillRef>
+      <a:effectRef idx="0">
+        <a:scrgbClr r="0" g="0" b="0"/>
+      </a:effectRef>
+      <a:fontRef idx="minor">
+        <a:schemeClr val="lt1"/>
+      </a:fontRef>
+    </dgm:style>
+  </dgm:styleLbl>
+  <dgm:styleLbl name="lnNode1">
+    <dgm:scene3d>
+      <a:camera prst="orthographicFront"/>
+      <a:lightRig rig="threePt" dir="t"/>
+    </dgm:scene3d>
+    <dgm:sp3d/>
+    <dgm:txPr/>
+    <dgm:style>
+      <a:lnRef idx="2">
+        <a:scrgbClr r="0" g="0" b="0"/>
+      </a:lnRef>
+      <a:fillRef idx="1">
+        <a:scrgbClr r="0" g="0" b="0"/>
+      </a:fillRef>
+      <a:effectRef idx="0">
+        <a:scrgbClr r="0" g="0" b="0"/>
+      </a:effectRef>
+      <a:fontRef idx="minor">
+        <a:schemeClr val="lt1"/>
+      </a:fontRef>
+    </dgm:style>
+  </dgm:styleLbl>
+  <dgm:styleLbl name="vennNode1">
+    <dgm:scene3d>
+      <a:camera prst="orthographicFront"/>
+      <a:lightRig rig="threePt" dir="t"/>
+    </dgm:scene3d>
+    <dgm:sp3d/>
+    <dgm:txPr/>
+    <dgm:style>
+      <a:lnRef idx="2">
+        <a:scrgbClr r="0" g="0" b="0"/>
+      </a:lnRef>
+      <a:fillRef idx="1">
+        <a:scrgbClr r="0" g="0" b="0"/>
+      </a:fillRef>
+      <a:effectRef idx="0">
+        <a:scrgbClr r="0" g="0" b="0"/>
+      </a:effectRef>
+      <a:fontRef idx="minor">
+        <a:schemeClr val="tx1"/>
+      </a:fontRef>
+    </dgm:style>
+  </dgm:styleLbl>
+  <dgm:styleLbl name="alignNode1">
+    <dgm:scene3d>
+      <a:camera prst="orthographicFront"/>
+      <a:lightRig rig="threePt" dir="t"/>
+    </dgm:scene3d>
+    <dgm:sp3d/>
+    <dgm:txPr/>
+    <dgm:style>
+      <a:lnRef idx="2">
+        <a:scrgbClr r="0" g="0" b="0"/>
+      </a:lnRef>
+      <a:fillRef idx="1">
+        <a:scrgbClr r="0" g="0" b="0"/>
+      </a:fillRef>
+      <a:effectRef idx="0">
+        <a:scrgbClr r="0" g="0" b="0"/>
+      </a:effectRef>
+      <a:fontRef idx="minor">
+        <a:schemeClr val="lt1"/>
+      </a:fontRef>
+    </dgm:style>
+  </dgm:styleLbl>
+  <dgm:styleLbl name="node1">
+    <dgm:scene3d>
+      <a:camera prst="orthographicFront"/>
+      <a:lightRig rig="threePt" dir="t"/>
+    </dgm:scene3d>
+    <dgm:sp3d/>
+    <dgm:txPr/>
+    <dgm:style>
+      <a:lnRef idx="2">
+        <a:scrgbClr r="0" g="0" b="0"/>
+      </a:lnRef>
+      <a:fillRef idx="1">
+        <a:scrgbClr r="0" g="0" b="0"/>
+      </a:fillRef>
+      <a:effectRef idx="0">
+        <a:scrgbClr r="0" g="0" b="0"/>
+      </a:effectRef>
+      <a:fontRef idx="minor">
+        <a:schemeClr val="lt1"/>
+      </a:fontRef>
+    </dgm:style>
+  </dgm:styleLbl>
+  <dgm:styleLbl name="node2">
+    <dgm:scene3d>
+      <a:camera prst="orthographicFront"/>
+      <a:lightRig rig="threePt" dir="t"/>
+    </dgm:scene3d>
+    <dgm:sp3d/>
+    <dgm:txPr/>
+    <dgm:style>
+      <a:lnRef idx="2">
+        <a:scrgbClr r="0" g="0" b="0"/>
+      </a:lnRef>
+      <a:fillRef idx="1">
+        <a:scrgbClr r="0" g="0" b="0"/>
+      </a:fillRef>
+      <a:effectRef idx="0">
+        <a:scrgbClr r="0" g="0" b="0"/>
+      </a:effectRef>
+      <a:fontRef idx="minor">
+        <a:schemeClr val="lt1"/>
+      </a:fontRef>
+    </dgm:style>
+  </dgm:styleLbl>
+  <dgm:styleLbl name="node3">
+    <dgm:scene3d>
+      <a:camera prst="orthographicFront"/>
+      <a:lightRig rig="threePt" dir="t"/>
+    </dgm:scene3d>
+    <dgm:sp3d/>
+    <dgm:txPr/>
+    <dgm:style>
+      <a:lnRef idx="2">
+        <a:scrgbClr r="0" g="0" b="0"/>
+      </a:lnRef>
+      <a:fillRef idx="1">
+        <a:scrgbClr r="0" g="0" b="0"/>
+      </a:fillRef>
+      <a:effectRef idx="0">
+        <a:scrgbClr r="0" g="0" b="0"/>
+      </a:effectRef>
+      <a:fontRef idx="minor">
+        <a:schemeClr val="lt1"/>
+      </a:fontRef>
+    </dgm:style>
+  </dgm:styleLbl>
+  <dgm:styleLbl name="node4">
+    <dgm:scene3d>
+      <a:camera prst="orthographicFront"/>
+      <a:lightRig rig="threePt" dir="t"/>
+    </dgm:scene3d>
+    <dgm:sp3d/>
+    <dgm:txPr/>
+    <dgm:style>
+      <a:lnRef idx="2">
+        <a:scrgbClr r="0" g="0" b="0"/>
+      </a:lnRef>
+      <a:fillRef idx="1">
+        <a:scrgbClr r="0" g="0" b="0"/>
+      </a:fillRef>
+      <a:effectRef idx="0">
+        <a:scrgbClr r="0" g="0" b="0"/>
+      </a:effectRef>
+      <a:fontRef idx="minor">
+        <a:schemeClr val="lt1"/>
+      </a:fontRef>
+    </dgm:style>
+  </dgm:styleLbl>
+  <dgm:styleLbl name="fgImgPlace1">
+    <dgm:scene3d>
+      <a:camera prst="orthographicFront"/>
+      <a:lightRig rig="threePt" dir="t"/>
+    </dgm:scene3d>
+    <dgm:sp3d/>
+    <dgm:txPr/>
+    <dgm:style>
+      <a:lnRef idx="2">
+        <a:scrgbClr r="0" g="0" b="0"/>
+      </a:lnRef>
+      <a:fillRef idx="1">
+        <a:scrgbClr r="0" g="0" b="0"/>
+      </a:fillRef>
+      <a:effectRef idx="0">
+        <a:scrgbClr r="0" g="0" b="0"/>
+      </a:effectRef>
+      <a:fontRef idx="minor"/>
+    </dgm:style>
+  </dgm:styleLbl>
+  <dgm:styleLbl name="alignImgPlace1">
+    <dgm:scene3d>
+      <a:camera prst="orthographicFront"/>
+      <a:lightRig rig="threePt" dir="t"/>
+    </dgm:scene3d>
+    <dgm:sp3d/>
+    <dgm:txPr/>
+    <dgm:style>
+      <a:lnRef idx="2">
+        <a:scrgbClr r="0" g="0" b="0"/>
+      </a:lnRef>
+      <a:fillRef idx="1">
+        <a:scrgbClr r="0" g="0" b="0"/>
+      </a:fillRef>
+      <a:effectRef idx="0">
+        <a:scrgbClr r="0" g="0" b="0"/>
+      </a:effectRef>
+      <a:fontRef idx="minor"/>
+    </dgm:style>
+  </dgm:styleLbl>
+  <dgm:styleLbl name="bgImgPlace1">
+    <dgm:scene3d>
+      <a:camera prst="orthographicFront"/>
+      <a:lightRig rig="threePt" dir="t"/>
+    </dgm:scene3d>
+    <dgm:sp3d/>
+    <dgm:txPr/>
+    <dgm:style>
+      <a:lnRef idx="2">
+        <a:scrgbClr r="0" g="0" b="0"/>
+      </a:lnRef>
+      <a:fillRef idx="1">
+        <a:scrgbClr r="0" g="0" b="0"/>
+      </a:fillRef>
+      <a:effectRef idx="0">
+        <a:scrgbClr r="0" g="0" b="0"/>
+      </a:effectRef>
+      <a:fontRef idx="minor"/>
+    </dgm:style>
+  </dgm:styleLbl>
+  <dgm:styleLbl name="sibTrans2D1">
+    <dgm:scene3d>
+      <a:camera prst="orthographicFront"/>
+      <a:lightRig rig="threePt" dir="t"/>
+    </dgm:scene3d>
+    <dgm:sp3d/>
+    <dgm:txPr/>
+    <dgm:style>
+      <a:lnRef idx="0">
+        <a:scrgbClr r="0" g="0" b="0"/>
+      </a:lnRef>
+      <a:fillRef idx="1">
+        <a:scrgbClr r="0" g="0" b="0"/>
+      </a:fillRef>
+      <a:effectRef idx="0">
+        <a:scrgbClr r="0" g="0" b="0"/>
+      </a:effectRef>
+      <a:fontRef idx="minor">
+        <a:schemeClr val="lt1"/>
+      </a:fontRef>
+    </dgm:style>
+  </dgm:styleLbl>
+  <dgm:styleLbl name="fgSibTrans2D1">
+    <dgm:scene3d>
+      <a:camera prst="orthographicFront"/>
+      <a:lightRig rig="threePt" dir="t"/>
+    </dgm:scene3d>
+    <dgm:sp3d/>
+    <dgm:txPr/>
+    <dgm:style>
+      <a:lnRef idx="0">
+        <a:scrgbClr r="0" g="0" b="0"/>
+      </a:lnRef>
+      <a:fillRef idx="1">
+        <a:scrgbClr r="0" g="0" b="0"/>
+      </a:fillRef>
+      <a:effectRef idx="0">
+        <a:scrgbClr r="0" g="0" b="0"/>
+      </a:effectRef>
+      <a:fontRef idx="minor">
+        <a:schemeClr val="lt1"/>
+      </a:fontRef>
+    </dgm:style>
+  </dgm:styleLbl>
+  <dgm:styleLbl name="bgSibTrans2D1">
+    <dgm:scene3d>
+      <a:camera prst="orthographicFront"/>
+      <a:lightRig rig="threePt" dir="t"/>
+    </dgm:scene3d>
+    <dgm:sp3d/>
+    <dgm:txPr/>
+    <dgm:style>
+      <a:lnRef idx="0">
+        <a:scrgbClr r="0" g="0" b="0"/>
+      </a:lnRef>
+      <a:fillRef idx="1">
+        <a:scrgbClr r="0" g="0" b="0"/>
+      </a:fillRef>
+      <a:effectRef idx="0">
+        <a:scrgbClr r="0" g="0" b="0"/>
+      </a:effectRef>
+      <a:fontRef idx="minor">
+        <a:schemeClr val="lt1"/>
+      </a:fontRef>
+    </dgm:style>
+  </dgm:styleLbl>
+  <dgm:styleLbl name="sibTrans1D1">
+    <dgm:scene3d>
+      <a:camera prst="orthographicFront"/>
+      <a:lightRig rig="threePt" dir="t"/>
+    </dgm:scene3d>
+    <dgm:sp3d/>
+    <dgm:txPr/>
+    <dgm:style>
+      <a:lnRef idx="1">
+        <a:scrgbClr r="0" g="0" b="0"/>
+      </a:lnRef>
+      <a:fillRef idx="0">
+        <a:scrgbClr r="0" g="0" b="0"/>
+      </a:fillRef>
+      <a:effectRef idx="0">
+        <a:scrgbClr r="0" g="0" b="0"/>
+      </a:effectRef>
+      <a:fontRef idx="minor"/>
+    </dgm:style>
+  </dgm:styleLbl>
+  <dgm:styleLbl name="callout">
+    <dgm:scene3d>
+      <a:camera prst="orthographicFront"/>
+      <a:lightRig rig="threePt" dir="t"/>
+    </dgm:scene3d>
+    <dgm:sp3d/>
+    <dgm:txPr/>
+    <dgm:style>
+      <a:lnRef idx="2">
+        <a:scrgbClr r="0" g="0" b="0"/>
+      </a:lnRef>
+      <a:fillRef idx="1">
+        <a:scrgbClr r="0" g="0" b="0"/>
+      </a:fillRef>
+      <a:effectRef idx="0">
+        <a:scrgbClr r="0" g="0" b="0"/>
+      </a:effectRef>
+      <a:fontRef idx="minor"/>
+    </dgm:style>
+  </dgm:styleLbl>
+  <dgm:styleLbl name="asst0">
+    <dgm:scene3d>
+      <a:camera prst="orthographicFront"/>
+      <a:lightRig rig="threePt" dir="t"/>
+    </dgm:scene3d>
+    <dgm:sp3d/>
+    <dgm:txPr/>
+    <dgm:style>
+      <a:lnRef idx="2">
+        <a:scrgbClr r="0" g="0" b="0"/>
+      </a:lnRef>
+      <a:fillRef idx="1">
+        <a:scrgbClr r="0" g="0" b="0"/>
+      </a:fillRef>
+      <a:effectRef idx="0">
+        <a:scrgbClr r="0" g="0" b="0"/>
+      </a:effectRef>
+      <a:fontRef idx="minor">
+        <a:schemeClr val="lt1"/>
+      </a:fontRef>
+    </dgm:style>
+  </dgm:styleLbl>
+  <dgm:styleLbl name="asst1">
+    <dgm:scene3d>
+      <a:camera prst="orthographicFront"/>
+      <a:lightRig rig="threePt" dir="t"/>
+    </dgm:scene3d>
+    <dgm:sp3d/>
+    <dgm:txPr/>
+    <dgm:style>
+      <a:lnRef idx="2">
+        <a:scrgbClr r="0" g="0" b="0"/>
+      </a:lnRef>
+      <a:fillRef idx="1">
+        <a:scrgbClr r="0" g="0" b="0"/>
+      </a:fillRef>
+      <a:effectRef idx="0">
+        <a:scrgbClr r="0" g="0" b="0"/>
+      </a:effectRef>
+      <a:fontRef idx="minor">
+        <a:schemeClr val="lt1"/>
+      </a:fontRef>
+    </dgm:style>
+  </dgm:styleLbl>
+  <dgm:styleLbl name="asst2">
+    <dgm:scene3d>
+      <a:camera prst="orthographicFront"/>
+      <a:lightRig rig="threePt" dir="t"/>
+    </dgm:scene3d>
+    <dgm:sp3d/>
+    <dgm:txPr/>
+    <dgm:style>
+      <a:lnRef idx="2">
+        <a:scrgbClr r="0" g="0" b="0"/>
+      </a:lnRef>
+      <a:fillRef idx="1">
+        <a:scrgbClr r="0" g="0" b="0"/>
+      </a:fillRef>
+      <a:effectRef idx="0">
+        <a:scrgbClr r="0" g="0" b="0"/>
+      </a:effectRef>
+      <a:fontRef idx="minor">
+        <a:schemeClr val="lt1"/>
+      </a:fontRef>
+    </dgm:style>
+  </dgm:styleLbl>
+  <dgm:styleLbl name="asst3">
+    <dgm:scene3d>
+      <a:camera prst="orthographicFront"/>
+      <a:lightRig rig="threePt" dir="t"/>
+    </dgm:scene3d>
+    <dgm:sp3d/>
+    <dgm:txPr/>
+    <dgm:style>
+      <a:lnRef idx="2">
+        <a:scrgbClr r="0" g="0" b="0"/>
+      </a:lnRef>
+      <a:fillRef idx="1">
+        <a:scrgbClr r="0" g="0" b="0"/>
+      </a:fillRef>
+      <a:effectRef idx="0">
+        <a:scrgbClr r="0" g="0" b="0"/>
+      </a:effectRef>
+      <a:fontRef idx="minor">
+        <a:schemeClr val="lt1"/>
+      </a:fontRef>
+    </dgm:style>
+  </dgm:styleLbl>
+  <dgm:styleLbl name="asst4">
+    <dgm:scene3d>
+      <a:camera prst="orthographicFront"/>
+      <a:lightRig rig="threePt" dir="t"/>
+    </dgm:scene3d>
+    <dgm:sp3d/>
+    <dgm:txPr/>
+    <dgm:style>
+      <a:lnRef idx="2">
+        <a:scrgbClr r="0" g="0" b="0"/>
+      </a:lnRef>
+      <a:fillRef idx="1">
+        <a:scrgbClr r="0" g="0" b="0"/>
+      </a:fillRef>
+      <a:effectRef idx="0">
+        <a:scrgbClr r="0" g="0" b="0"/>
+      </a:effectRef>
+      <a:fontRef idx="minor">
+        <a:schemeClr val="lt1"/>
+      </a:fontRef>
+    </dgm:style>
+  </dgm:styleLbl>
+  <dgm:styleLbl name="parChTrans2D1">
+    <dgm:scene3d>
+      <a:camera prst="orthographicFront"/>
+      <a:lightRig rig="threePt" dir="t"/>
+    </dgm:scene3d>
+    <dgm:sp3d/>
+    <dgm:txPr/>
+    <dgm:style>
+      <a:lnRef idx="2">
+        <a:scrgbClr r="0" g="0" b="0"/>
+      </a:lnRef>
+      <a:fillRef idx="1">
+        <a:scrgbClr r="0" g="0" b="0"/>
+      </a:fillRef>
+      <a:effectRef idx="0">
+        <a:scrgbClr r="0" g="0" b="0"/>
+      </a:effectRef>
+      <a:fontRef idx="minor">
+        <a:schemeClr val="lt1"/>
+      </a:fontRef>
+    </dgm:style>
+  </dgm:styleLbl>
+  <dgm:styleLbl name="parChTrans2D2">
+    <dgm:scene3d>
+      <a:camera prst="orthographicFront"/>
+      <a:lightRig rig="threePt" dir="t"/>
+    </dgm:scene3d>
+    <dgm:sp3d/>
+    <dgm:txPr/>
+    <dgm:style>
+      <a:lnRef idx="2">
+        <a:scrgbClr r="0" g="0" b="0"/>
+      </a:lnRef>
+      <a:fillRef idx="1">
+        <a:scrgbClr r="0" g="0" b="0"/>
+      </a:fillRef>
+      <a:effectRef idx="0">
+        <a:scrgbClr r="0" g="0" b="0"/>
+      </a:effectRef>
+      <a:fontRef idx="minor">
+        <a:schemeClr val="lt1"/>
+      </a:fontRef>
+    </dgm:style>
+  </dgm:styleLbl>
+  <dgm:styleLbl name="parChTrans2D3">
+    <dgm:scene3d>
+      <a:camera prst="orthographicFront"/>
+      <a:lightRig rig="threePt" dir="t"/>
+    </dgm:scene3d>
+    <dgm:sp3d/>
+    <dgm:txPr/>
+    <dgm:style>
+      <a:lnRef idx="2">
+        <a:scrgbClr r="0" g="0" b="0"/>
+      </a:lnRef>
+      <a:fillRef idx="1">
+        <a:scrgbClr r="0" g="0" b="0"/>
+      </a:fillRef>
+      <a:effectRef idx="0">
+        <a:scrgbClr r="0" g="0" b="0"/>
+      </a:effectRef>
+      <a:fontRef idx="minor">
+        <a:schemeClr val="lt1"/>
+      </a:fontRef>
+    </dgm:style>
+  </dgm:styleLbl>
+  <dgm:styleLbl name="parChTrans2D4">
+    <dgm:scene3d>
+      <a:camera prst="orthographicFront"/>
+      <a:lightRig rig="threePt" dir="t"/>
+    </dgm:scene3d>
+    <dgm:sp3d/>
+    <dgm:txPr/>
+    <dgm:style>
+      <a:lnRef idx="2">
+        <a:scrgbClr r="0" g="0" b="0"/>
+      </a:lnRef>
+      <a:fillRef idx="1">
+        <a:scrgbClr r="0" g="0" b="0"/>
+      </a:fillRef>
+      <a:effectRef idx="0">
+        <a:scrgbClr r="0" g="0" b="0"/>
+      </a:effectRef>
+      <a:fontRef idx="minor">
+        <a:schemeClr val="lt1"/>
+      </a:fontRef>
+    </dgm:style>
+  </dgm:styleLbl>
+  <dgm:styleLbl name="parChTrans1D1">
+    <dgm:scene3d>
+      <a:camera prst="orthographicFront"/>
+      <a:lightRig rig="threePt" dir="t"/>
+    </dgm:scene3d>
+    <dgm:sp3d/>
+    <dgm:txPr/>
+    <dgm:style>
+      <a:lnRef idx="2">
+        <a:scrgbClr r="0" g="0" b="0"/>
+      </a:lnRef>
+      <a:fillRef idx="0">
+        <a:scrgbClr r="0" g="0" b="0"/>
+      </a:fillRef>
+      <a:effectRef idx="0">
+        <a:scrgbClr r="0" g="0" b="0"/>
+      </a:effectRef>
+      <a:fontRef idx="minor"/>
+    </dgm:style>
+  </dgm:styleLbl>
+  <dgm:styleLbl name="parChTrans1D2">
+    <dgm:scene3d>
+      <a:camera prst="orthographicFront"/>
+      <a:lightRig rig="threePt" dir="t"/>
+    </dgm:scene3d>
+    <dgm:sp3d/>
+    <dgm:txPr/>
+    <dgm:style>
+      <a:lnRef idx="2">
+        <a:scrgbClr r="0" g="0" b="0"/>
+      </a:lnRef>
+      <a:fillRef idx="0">
+        <a:scrgbClr r="0" g="0" b="0"/>
+      </a:fillRef>
+      <a:effectRef idx="0">
+        <a:scrgbClr r="0" g="0" b="0"/>
+      </a:effectRef>
+      <a:fontRef idx="minor"/>
+    </dgm:style>
+  </dgm:styleLbl>
+  <dgm:styleLbl name="parChTrans1D3">
+    <dgm:scene3d>
+      <a:camera prst="orthographicFront"/>
+      <a:lightRig rig="threePt" dir="t"/>
+    </dgm:scene3d>
+    <dgm:sp3d/>
+    <dgm:txPr/>
+    <dgm:style>
+      <a:lnRef idx="2">
+        <a:scrgbClr r="0" g="0" b="0"/>
+      </a:lnRef>
+      <a:fillRef idx="0">
+        <a:scrgbClr r="0" g="0" b="0"/>
+      </a:fillRef>
+      <a:effectRef idx="0">
+        <a:scrgbClr r="0" g="0" b="0"/>
+      </a:effectRef>
+      <a:fontRef idx="minor"/>
+    </dgm:style>
+  </dgm:styleLbl>
+  <dgm:styleLbl name="parChTrans1D4">
+    <dgm:scene3d>
+      <a:camera prst="orthographicFront"/>
+      <a:lightRig rig="threePt" dir="t"/>
+    </dgm:scene3d>
+    <dgm:sp3d/>
+    <dgm:txPr/>
+    <dgm:style>
+      <a:lnRef idx="2">
+        <a:scrgbClr r="0" g="0" b="0"/>
+      </a:lnRef>
+      <a:fillRef idx="0">
+        <a:scrgbClr r="0" g="0" b="0"/>
+      </a:fillRef>
+      <a:effectRef idx="0">
+        <a:scrgbClr r="0" g="0" b="0"/>
+      </a:effectRef>
+      <a:fontRef idx="minor"/>
+    </dgm:style>
+  </dgm:styleLbl>
+  <dgm:styleLbl name="fgAcc1">
+    <dgm:scene3d>
+      <a:camera prst="orthographicFront"/>
+      <a:lightRig rig="threePt" dir="t"/>
+    </dgm:scene3d>
+    <dgm:sp3d/>
+    <dgm:txPr/>
+    <dgm:style>
+      <a:lnRef idx="2">
+        <a:scrgbClr r="0" g="0" b="0"/>
+      </a:lnRef>
+      <a:fillRef idx="1">
+        <a:scrgbClr r="0" g="0" b="0"/>
+      </a:fillRef>
+      <a:effectRef idx="0">
+        <a:scrgbClr r="0" g="0" b="0"/>
+      </a:effectRef>
+      <a:fontRef idx="minor"/>
+    </dgm:style>
+  </dgm:styleLbl>
+  <dgm:styleLbl name="conFgAcc1">
+    <dgm:scene3d>
+      <a:camera prst="orthographicFront"/>
+      <a:lightRig rig="threePt" dir="t"/>
+    </dgm:scene3d>
+    <dgm:sp3d/>
+    <dgm:txPr/>
+    <dgm:style>
+      <a:lnRef idx="2">
+        <a:scrgbClr r="0" g="0" b="0"/>
+      </a:lnRef>
+      <a:fillRef idx="1">
+        <a:scrgbClr r="0" g="0" b="0"/>
+      </a:fillRef>
+      <a:effectRef idx="0">
+        <a:scrgbClr r="0" g="0" b="0"/>
+      </a:effectRef>
+      <a:fontRef idx="minor"/>
+    </dgm:style>
+  </dgm:styleLbl>
+  <dgm:styleLbl name="alignAcc1">
+    <dgm:scene3d>
+      <a:camera prst="orthographicFront"/>
+      <a:lightRig rig="threePt" dir="t"/>
+    </dgm:scene3d>
+    <dgm:sp3d/>
+    <dgm:txPr/>
+    <dgm:style>
+      <a:lnRef idx="2">
+        <a:scrgbClr r="0" g="0" b="0"/>
+      </a:lnRef>
+      <a:fillRef idx="1">
+        <a:scrgbClr r="0" g="0" b="0"/>
+      </a:fillRef>
+      <a:effectRef idx="0">
+        <a:scrgbClr r="0" g="0" b="0"/>
+      </a:effectRef>
+      <a:fontRef idx="minor"/>
+    </dgm:style>
+  </dgm:styleLbl>
+  <dgm:styleLbl name="trAlignAcc1">
+    <dgm:scene3d>
+      <a:camera prst="orthographicFront"/>
+      <a:lightRig rig="threePt" dir="t"/>
+    </dgm:scene3d>
+    <dgm:sp3d/>
+    <dgm:txPr/>
+    <dgm:style>
+      <a:lnRef idx="1">
+        <a:scrgbClr r="0" g="0" b="0"/>
+      </a:lnRef>
+      <a:fillRef idx="1">
+        <a:scrgbClr r="0" g="0" b="0"/>
+      </a:fillRef>
+      <a:effectRef idx="0">
+        <a:scrgbClr r="0" g="0" b="0"/>
+      </a:effectRef>
+      <a:fontRef idx="minor"/>
+    </dgm:style>
+  </dgm:styleLbl>
+  <dgm:styleLbl name="bgAcc1">
+    <dgm:scene3d>
+      <a:camera prst="orthographicFront"/>
+      <a:lightRig rig="threePt" dir="t"/>
+    </dgm:scene3d>
+    <dgm:sp3d/>
+    <dgm:txPr/>
+    <dgm:style>
+      <a:lnRef idx="2">
+        <a:scrgbClr r="0" g="0" b="0"/>
+      </a:lnRef>
+      <a:fillRef idx="1">
+        <a:scrgbClr r="0" g="0" b="0"/>
+      </a:fillRef>
+      <a:effectRef idx="0">
+        <a:scrgbClr r="0" g="0" b="0"/>
+      </a:effectRef>
+      <a:fontRef idx="minor"/>
+    </dgm:style>
+  </dgm:styleLbl>
+  <dgm:styleLbl name="solidFgAcc1">
+    <dgm:scene3d>
+      <a:camera prst="orthographicFront"/>
+      <a:lightRig rig="threePt" dir="t"/>
+    </dgm:scene3d>
+    <dgm:sp3d/>
+    <dgm:txPr/>
+    <dgm:style>
+      <a:lnRef idx="2">
+        <a:scrgbClr r="0" g="0" b="0"/>
+      </a:lnRef>
+      <a:fillRef idx="1">
+        <a:scrgbClr r="0" g="0" b="0"/>
+      </a:fillRef>
+      <a:effectRef idx="0">
+        <a:scrgbClr r="0" g="0" b="0"/>
+      </a:effectRef>
+      <a:fontRef idx="minor"/>
+    </dgm:style>
+  </dgm:styleLbl>
+  <dgm:styleLbl name="solidAlignAcc1">
+    <dgm:scene3d>
+      <a:camera prst="orthographicFront"/>
+      <a:lightRig rig="threePt" dir="t"/>
+    </dgm:scene3d>
+    <dgm:sp3d/>
+    <dgm:txPr/>
+    <dgm:style>
+      <a:lnRef idx="2">
+        <a:scrgbClr r="0" g="0" b="0"/>
+      </a:lnRef>
+      <a:fillRef idx="1">
+        <a:scrgbClr r="0" g="0" b="0"/>
+      </a:fillRef>
+      <a:effectRef idx="0">
+        <a:scrgbClr r="0" g="0" b="0"/>
+      </a:effectRef>
+      <a:fontRef idx="minor"/>
+    </dgm:style>
+  </dgm:styleLbl>
+  <dgm:styleLbl name="solidBgAcc1">
+    <dgm:scene3d>
+      <a:camera prst="orthographicFront"/>
+      <a:lightRig rig="threePt" dir="t"/>
+    </dgm:scene3d>
+    <dgm:sp3d/>
+    <dgm:txPr/>
+    <dgm:style>
+      <a:lnRef idx="2">
+        <a:scrgbClr r="0" g="0" b="0"/>
+      </a:lnRef>
+      <a:fillRef idx="1">
+        <a:scrgbClr r="0" g="0" b="0"/>
+      </a:fillRef>
+      <a:effectRef idx="0">
+        <a:scrgbClr r="0" g="0" b="0"/>
+      </a:effectRef>
+      <a:fontRef idx="minor"/>
+    </dgm:style>
+  </dgm:styleLbl>
+  <dgm:styleLbl name="fgAccFollowNode1">
+    <dgm:scene3d>
+      <a:camera prst="orthographicFront"/>
+      <a:lightRig rig="threePt" dir="t"/>
+    </dgm:scene3d>
+    <dgm:sp3d/>
+    <dgm:txPr/>
+    <dgm:style>
+      <a:lnRef idx="2">
+        <a:scrgbClr r="0" g="0" b="0"/>
+      </a:lnRef>
+      <a:fillRef idx="1">
+        <a:scrgbClr r="0" g="0" b="0"/>
+      </a:fillRef>
+      <a:effectRef idx="0">
+        <a:scrgbClr r="0" g="0" b="0"/>
+      </a:effectRef>
+      <a:fontRef idx="minor"/>
+    </dgm:style>
+  </dgm:styleLbl>
+  <dgm:styleLbl name="alignAccFollowNode1">
+    <dgm:scene3d>
+      <a:camera prst="orthographicFront"/>
+      <a:lightRig rig="threePt" dir="t"/>
+    </dgm:scene3d>
+    <dgm:sp3d/>
+    <dgm:txPr/>
+    <dgm:style>
+      <a:lnRef idx="2">
+        <a:scrgbClr r="0" g="0" b="0"/>
+      </a:lnRef>
+      <a:fillRef idx="1">
+        <a:scrgbClr r="0" g="0" b="0"/>
+      </a:fillRef>
+      <a:effectRef idx="0">
+        <a:scrgbClr r="0" g="0" b="0"/>
+      </a:effectRef>
+      <a:fontRef idx="minor"/>
+    </dgm:style>
+  </dgm:styleLbl>
+  <dgm:styleLbl name="bgAccFollowNode1">
+    <dgm:scene3d>
+      <a:camera prst="orthographicFront"/>
+      <a:lightRig rig="threePt" dir="t"/>
+    </dgm:scene3d>
+    <dgm:sp3d/>
+    <dgm:txPr/>
+    <dgm:style>
+      <a:lnRef idx="2">
+        <a:scrgbClr r="0" g="0" b="0"/>
+      </a:lnRef>
+      <a:fillRef idx="1">
+        <a:scrgbClr r="0" g="0" b="0"/>
+      </a:fillRef>
+      <a:effectRef idx="0">
+        <a:scrgbClr r="0" g="0" b="0"/>
+      </a:effectRef>
+      <a:fontRef idx="minor"/>
+    </dgm:style>
+  </dgm:styleLbl>
+  <dgm:styleLbl name="fgAcc0">
+    <dgm:scene3d>
+      <a:camera prst="orthographicFront"/>
+      <a:lightRig rig="threePt" dir="t"/>
+    </dgm:scene3d>
+    <dgm:sp3d/>
+    <dgm:txPr/>
+    <dgm:style>
+      <a:lnRef idx="2">
+        <a:scrgbClr r="0" g="0" b="0"/>
+      </a:lnRef>
+      <a:fillRef idx="1">
+        <a:scrgbClr r="0" g="0" b="0"/>
+      </a:fillRef>
+      <a:effectRef idx="0">
+        <a:scrgbClr r="0" g="0" b="0"/>
+      </a:effectRef>
+      <a:fontRef idx="minor"/>
+    </dgm:style>
+  </dgm:styleLbl>
+  <dgm:styleLbl name="fgAcc2">
+    <dgm:scene3d>
+      <a:camera prst="orthographicFront"/>
+      <a:lightRig rig="threePt" dir="t"/>
+    </dgm:scene3d>
+    <dgm:sp3d/>
+    <dgm:txPr/>
+    <dgm:style>
+      <a:lnRef idx="2">
+        <a:scrgbClr r="0" g="0" b="0"/>
+      </a:lnRef>
+      <a:fillRef idx="1">
+        <a:scrgbClr r="0" g="0" b="0"/>
+      </a:fillRef>
+      <a:effectRef idx="0">
+        <a:scrgbClr r="0" g="0" b="0"/>
+      </a:effectRef>
+      <a:fontRef idx="minor"/>
+    </dgm:style>
+  </dgm:styleLbl>
+  <dgm:styleLbl name="fgAcc3">
+    <dgm:scene3d>
+      <a:camera prst="orthographicFront"/>
+      <a:lightRig rig="threePt" dir="t"/>
+    </dgm:scene3d>
+    <dgm:sp3d/>
+    <dgm:txPr/>
+    <dgm:style>
+      <a:lnRef idx="2">
+        <a:scrgbClr r="0" g="0" b="0"/>
+      </a:lnRef>
+      <a:fillRef idx="1">
+        <a:scrgbClr r="0" g="0" b="0"/>
+      </a:fillRef>
+      <a:effectRef idx="0">
+        <a:scrgbClr r="0" g="0" b="0"/>
+      </a:effectRef>
+      <a:fontRef idx="minor"/>
+    </dgm:style>
+  </dgm:styleLbl>
+  <dgm:styleLbl name="fgAcc4">
+    <dgm:scene3d>
+      <a:camera prst="orthographicFront"/>
+      <a:lightRig rig="threePt" dir="t"/>
+    </dgm:scene3d>
+    <dgm:sp3d/>
+    <dgm:txPr/>
+    <dgm:style>
+      <a:lnRef idx="2">
+        <a:scrgbClr r="0" g="0" b="0"/>
+      </a:lnRef>
+      <a:fillRef idx="1">
+        <a:scrgbClr r="0" g="0" b="0"/>
+      </a:fillRef>
+      <a:effectRef idx="0">
+        <a:scrgbClr r="0" g="0" b="0"/>
+      </a:effectRef>
+      <a:fontRef idx="minor"/>
+    </dgm:style>
+  </dgm:styleLbl>
+  <dgm:styleLbl name="bgShp">
+    <dgm:scene3d>
+      <a:camera prst="orthographicFront"/>
+      <a:lightRig rig="threePt" dir="t"/>
+    </dgm:scene3d>
+    <dgm:sp3d/>
+    <dgm:txPr/>
+    <dgm:style>
+      <a:lnRef idx="0">
+        <a:scrgbClr r="0" g="0" b="0"/>
+      </a:lnRef>
+      <a:fillRef idx="1">
+        <a:scrgbClr r="0" g="0" b="0"/>
+      </a:fillRef>
+      <a:effectRef idx="0">
+        <a:scrgbClr r="0" g="0" b="0"/>
+      </a:effectRef>
+      <a:fontRef idx="minor"/>
+    </dgm:style>
+  </dgm:styleLbl>
+  <dgm:styleLbl name="dkBgShp">
+    <dgm:scene3d>
+      <a:camera prst="orthographicFront"/>
+      <a:lightRig rig="threePt" dir="t"/>
+    </dgm:scene3d>
+    <dgm:sp3d/>
+    <dgm:txPr/>
+    <dgm:style>
+      <a:lnRef idx="0">
+        <a:scrgbClr r="0" g="0" b="0"/>
+      </a:lnRef>
+      <a:fillRef idx="1">
+        <a:scrgbClr r="0" g="0" b="0"/>
+      </a:fillRef>
+      <a:effectRef idx="0">
+        <a:scrgbClr r="0" g="0" b="0"/>
+      </a:effectRef>
+      <a:fontRef idx="minor"/>
+    </dgm:style>
+  </dgm:styleLbl>
+  <dgm:styleLbl name="trBgShp">
+    <dgm:scene3d>
+      <a:camera prst="orthographicFront"/>
+      <a:lightRig rig="threePt" dir="t"/>
+    </dgm:scene3d>
+    <dgm:sp3d/>
+    <dgm:txPr/>
+    <dgm:style>
+      <a:lnRef idx="0">
+        <a:scrgbClr r="0" g="0" b="0"/>
+      </a:lnRef>
+      <a:fillRef idx="1">
+        <a:scrgbClr r="0" g="0" b="0"/>
+      </a:fillRef>
+      <a:effectRef idx="0">
+        <a:scrgbClr r="0" g="0" b="0"/>
+      </a:effectRef>
+      <a:fontRef idx="minor"/>
+    </dgm:style>
+  </dgm:styleLbl>
+  <dgm:styleLbl name="fgShp">
+    <dgm:scene3d>
+      <a:camera prst="orthographicFront"/>
+      <a:lightRig rig="threePt" dir="t"/>
+    </dgm:scene3d>
+    <dgm:sp3d/>
+    <dgm:txPr/>
+    <dgm:style>
+      <a:lnRef idx="2">
+        <a:scrgbClr r="0" g="0" b="0"/>
+      </a:lnRef>
+      <a:fillRef idx="1">
+        <a:scrgbClr r="0" g="0" b="0"/>
+      </a:fillRef>
+      <a:effectRef idx="0">
         <a:scrgbClr r="0" g="0" b="0"/>
       </a:effectRef>
       <a:fontRef idx="minor"/>
@@ -15580,7 +20112,7 @@
           <a:p>
             <a:fld id="{78ABE3C1-DBE1-495D-B57B-2849774B866A}" type="datetimeFigureOut">
               <a:rPr lang="en-US" dirty="0"/>
-              <a:t>11/29/2019</a:t>
+              <a:t>29/11/2019</a:t>
             </a:fld>
             <a:endParaRPr lang="en-US" dirty="0"/>
           </a:p>
@@ -15627,7 +20159,7 @@
           <a:p>
             <a:fld id="{6D22F896-40B5-4ADD-8801-0D06FADFA095}" type="slidenum">
               <a:rPr lang="en-US" dirty="0"/>
-              <a:t>‹Nº›</a:t>
+              <a:t>‹#›</a:t>
             </a:fld>
             <a:endParaRPr lang="en-US" dirty="0"/>
           </a:p>
@@ -15989,7 +20521,7 @@
           <a:p>
             <a:fld id="{446C117F-5CCF-4837-BE5F-2B92066CAFAF}" type="datetimeFigureOut">
               <a:rPr lang="en-US" dirty="0"/>
-              <a:t>11/29/2019</a:t>
+              <a:t>29/11/2019</a:t>
             </a:fld>
             <a:endParaRPr lang="en-US" dirty="0"/>
           </a:p>
@@ -16036,7 +20568,7 @@
           <a:p>
             <a:fld id="{6D22F896-40B5-4ADD-8801-0D06FADFA095}" type="slidenum">
               <a:rPr lang="en-US" dirty="0"/>
-              <a:t>‹Nº›</a:t>
+              <a:t>‹#›</a:t>
             </a:fld>
             <a:endParaRPr lang="en-US" dirty="0"/>
           </a:p>
@@ -16320,7 +20852,7 @@
           <a:p>
             <a:fld id="{84EB90BD-B6CE-46B7-997F-7313B992CCDC}" type="datetimeFigureOut">
               <a:rPr lang="en-US" dirty="0"/>
-              <a:t>11/29/2019</a:t>
+              <a:t>29/11/2019</a:t>
             </a:fld>
             <a:endParaRPr lang="en-US" dirty="0"/>
           </a:p>
@@ -16367,7 +20899,7 @@
           <a:p>
             <a:fld id="{6D22F896-40B5-4ADD-8801-0D06FADFA095}" type="slidenum">
               <a:rPr lang="en-US" dirty="0"/>
-              <a:t>‹Nº›</a:t>
+              <a:t>‹#›</a:t>
             </a:fld>
             <a:endParaRPr lang="en-US" dirty="0"/>
           </a:p>
@@ -16720,7 +21252,7 @@
           <a:p>
             <a:fld id="{CDB9D11F-B188-461D-B23F-39381795C052}" type="datetimeFigureOut">
               <a:rPr lang="en-US" dirty="0"/>
-              <a:t>11/29/2019</a:t>
+              <a:t>29/11/2019</a:t>
             </a:fld>
             <a:endParaRPr lang="en-US" dirty="0"/>
           </a:p>
@@ -16767,7 +21299,7 @@
           <a:p>
             <a:fld id="{6D22F896-40B5-4ADD-8801-0D06FADFA095}" type="slidenum">
               <a:rPr lang="en-US" dirty="0"/>
-              <a:t>‹Nº›</a:t>
+              <a:t>‹#›</a:t>
             </a:fld>
             <a:endParaRPr lang="en-US" dirty="0"/>
           </a:p>
@@ -17283,7 +21815,7 @@
           <a:p>
             <a:fld id="{52E6D8D9-55A2-4063-B0F3-121F44549695}" type="datetimeFigureOut">
               <a:rPr lang="en-US" dirty="0"/>
-              <a:t>11/29/2019</a:t>
+              <a:t>29/11/2019</a:t>
             </a:fld>
             <a:endParaRPr lang="en-US" dirty="0"/>
           </a:p>
@@ -17330,7 +21862,7 @@
           <a:p>
             <a:fld id="{6D22F896-40B5-4ADD-8801-0D06FADFA095}" type="slidenum">
               <a:rPr lang="en-US" dirty="0"/>
-              <a:t>‹Nº›</a:t>
+              <a:t>‹#›</a:t>
             </a:fld>
             <a:endParaRPr lang="en-US" dirty="0"/>
           </a:p>
@@ -17959,7 +22491,7 @@
           <a:p>
             <a:fld id="{D4B24536-994D-4021-A283-9F449C0DB509}" type="datetimeFigureOut">
               <a:rPr lang="en-US" dirty="0"/>
-              <a:t>11/29/2019</a:t>
+              <a:t>29/11/2019</a:t>
             </a:fld>
             <a:endParaRPr lang="en-US" dirty="0"/>
           </a:p>
@@ -18001,7 +22533,7 @@
           <a:p>
             <a:fld id="{6D22F896-40B5-4ADD-8801-0D06FADFA095}" type="slidenum">
               <a:rPr lang="en-US" dirty="0"/>
-              <a:t>‹Nº›</a:t>
+              <a:t>‹#›</a:t>
             </a:fld>
             <a:endParaRPr lang="en-US" dirty="0"/>
           </a:p>
@@ -18867,7 +23399,7 @@
           <a:p>
             <a:fld id="{3CBBBB78-C96F-47B7-AB17-D852CA960AC9}" type="datetimeFigureOut">
               <a:rPr lang="en-US" dirty="0"/>
-              <a:t>11/29/2019</a:t>
+              <a:t>29/11/2019</a:t>
             </a:fld>
             <a:endParaRPr lang="en-US" dirty="0"/>
           </a:p>
@@ -18909,7 +23441,7 @@
           <a:p>
             <a:fld id="{6D22F896-40B5-4ADD-8801-0D06FADFA095}" type="slidenum">
               <a:rPr lang="en-US" dirty="0"/>
-              <a:t>‹Nº›</a:t>
+              <a:t>‹#›</a:t>
             </a:fld>
             <a:endParaRPr lang="en-US" dirty="0"/>
           </a:p>
@@ -19175,7 +23707,7 @@
           <a:p>
             <a:fld id="{1FA3F48C-C7C6-4055-9F49-3777875E72AE}" type="datetimeFigureOut">
               <a:rPr lang="en-US" dirty="0"/>
-              <a:t>11/29/2019</a:t>
+              <a:t>29/11/2019</a:t>
             </a:fld>
             <a:endParaRPr lang="en-US" dirty="0"/>
           </a:p>
@@ -19217,7 +23749,7 @@
           <a:p>
             <a:fld id="{6D22F896-40B5-4ADD-8801-0D06FADFA095}" type="slidenum">
               <a:rPr lang="en-US" dirty="0"/>
-              <a:t>‹Nº›</a:t>
+              <a:t>‹#›</a:t>
             </a:fld>
             <a:endParaRPr lang="en-US" dirty="0"/>
           </a:p>
@@ -19434,7 +23966,7 @@
           <a:p>
             <a:fld id="{6178E61D-D431-422C-9764-11DAFE33AB63}" type="datetimeFigureOut">
               <a:rPr lang="en-US" dirty="0"/>
-              <a:t>11/29/2019</a:t>
+              <a:t>29/11/2019</a:t>
             </a:fld>
             <a:endParaRPr lang="en-US" dirty="0"/>
           </a:p>
@@ -19491,7 +24023,7 @@
             <a:fld id="{6D22F896-40B5-4ADD-8801-0D06FADFA095}" type="slidenum">
               <a:rPr lang="en-US" dirty="0"/>
               <a:pPr/>
-              <a:t>‹Nº›</a:t>
+              <a:t>‹#›</a:t>
             </a:fld>
             <a:endParaRPr lang="en-US" dirty="0"/>
           </a:p>
@@ -19753,7 +24285,7 @@
           <a:p>
             <a:fld id="{12DE42F4-6EEF-4EF7-8ED4-2208F0F89A08}" type="datetimeFigureOut">
               <a:rPr lang="en-US" dirty="0"/>
-              <a:t>11/29/2019</a:t>
+              <a:t>29/11/2019</a:t>
             </a:fld>
             <a:endParaRPr lang="en-US" dirty="0"/>
           </a:p>
@@ -19795,7 +24327,7 @@
           <a:p>
             <a:fld id="{6D22F896-40B5-4ADD-8801-0D06FADFA095}" type="slidenum">
               <a:rPr lang="en-US" dirty="0"/>
-              <a:t>‹Nº›</a:t>
+              <a:t>‹#›</a:t>
             </a:fld>
             <a:endParaRPr lang="en-US" dirty="0"/>
           </a:p>
@@ -20137,7 +24669,7 @@
           <a:p>
             <a:fld id="{30578ACC-22D6-47C1-A373-4FD133E34F3C}" type="datetimeFigureOut">
               <a:rPr lang="en-US" dirty="0"/>
-              <a:t>11/29/2019</a:t>
+              <a:t>29/11/2019</a:t>
             </a:fld>
             <a:endParaRPr lang="en-US" dirty="0"/>
           </a:p>
@@ -20184,7 +24716,7 @@
           <a:p>
             <a:fld id="{6D22F896-40B5-4ADD-8801-0D06FADFA095}" type="slidenum">
               <a:rPr lang="en-US" dirty="0"/>
-              <a:t>‹Nº›</a:t>
+              <a:t>‹#›</a:t>
             </a:fld>
             <a:endParaRPr lang="en-US" dirty="0"/>
           </a:p>
@@ -20508,7 +25040,7 @@
           <a:p>
             <a:fld id="{4E5A6C69-6797-4E8A-BF37-F2C3751466E9}" type="datetimeFigureOut">
               <a:rPr lang="en-US" dirty="0"/>
-              <a:t>11/29/2019</a:t>
+              <a:t>29/11/2019</a:t>
             </a:fld>
             <a:endParaRPr lang="en-US" dirty="0"/>
           </a:p>
@@ -20550,7 +25082,7 @@
           <a:p>
             <a:fld id="{6D22F896-40B5-4ADD-8801-0D06FADFA095}" type="slidenum">
               <a:rPr lang="en-US" dirty="0"/>
-              <a:t>‹Nº›</a:t>
+              <a:t>‹#›</a:t>
             </a:fld>
             <a:endParaRPr lang="en-US" dirty="0"/>
           </a:p>
@@ -21009,7 +25541,7 @@
           <a:p>
             <a:fld id="{D82014A1-A632-4878-A0D3-F52BA7563730}" type="datetimeFigureOut">
               <a:rPr lang="en-US" dirty="0"/>
-              <a:t>11/29/2019</a:t>
+              <a:t>29/11/2019</a:t>
             </a:fld>
             <a:endParaRPr lang="en-US" dirty="0"/>
           </a:p>
@@ -21051,7 +25583,7 @@
           <a:p>
             <a:fld id="{6D22F896-40B5-4ADD-8801-0D06FADFA095}" type="slidenum">
               <a:rPr lang="en-US" dirty="0"/>
-              <a:t>‹Nº›</a:t>
+              <a:t>‹#›</a:t>
             </a:fld>
             <a:endParaRPr lang="en-US" dirty="0"/>
           </a:p>
@@ -21261,7 +25793,7 @@
           <a:p>
             <a:fld id="{CE99F462-093F-4566-844B-4C71F2739DA5}" type="datetimeFigureOut">
               <a:rPr lang="en-US" dirty="0"/>
-              <a:t>11/29/2019</a:t>
+              <a:t>29/11/2019</a:t>
             </a:fld>
             <a:endParaRPr lang="en-US" dirty="0"/>
           </a:p>
@@ -21303,7 +25835,7 @@
           <a:p>
             <a:fld id="{6D22F896-40B5-4ADD-8801-0D06FADFA095}" type="slidenum">
               <a:rPr lang="en-US" dirty="0"/>
-              <a:t>‹Nº›</a:t>
+              <a:t>‹#›</a:t>
             </a:fld>
             <a:endParaRPr lang="en-US" dirty="0"/>
           </a:p>
@@ -21419,7 +25951,7 @@
           <a:p>
             <a:fld id="{3D24A7AC-904D-4781-85BA-7D10C17ED021}" type="datetimeFigureOut">
               <a:rPr lang="en-US" dirty="0"/>
-              <a:t>11/29/2019</a:t>
+              <a:t>29/11/2019</a:t>
             </a:fld>
             <a:endParaRPr lang="en-US" dirty="0"/>
           </a:p>
@@ -21461,7 +25993,7 @@
           <a:p>
             <a:fld id="{6D22F896-40B5-4ADD-8801-0D06FADFA095}" type="slidenum">
               <a:rPr lang="en-US" dirty="0"/>
-              <a:t>‹Nº›</a:t>
+              <a:t>‹#›</a:t>
             </a:fld>
             <a:endParaRPr lang="en-US" dirty="0"/>
           </a:p>
@@ -21804,7 +26336,7 @@
           <a:p>
             <a:fld id="{E331444B-B92B-4E27-8C94-BB93EAF5CB18}" type="datetimeFigureOut">
               <a:rPr lang="en-US" dirty="0"/>
-              <a:t>11/29/2019</a:t>
+              <a:t>29/11/2019</a:t>
             </a:fld>
             <a:endParaRPr lang="en-US" dirty="0"/>
           </a:p>
@@ -21846,7 +26378,7 @@
           <a:p>
             <a:fld id="{6D22F896-40B5-4ADD-8801-0D06FADFA095}" type="slidenum">
               <a:rPr lang="en-US" dirty="0"/>
-              <a:t>‹Nº›</a:t>
+              <a:t>‹#›</a:t>
             </a:fld>
             <a:endParaRPr lang="en-US" dirty="0"/>
           </a:p>
@@ -22208,7 +26740,7 @@
           <a:p>
             <a:fld id="{363EFA5E-FA76-400D-B3DC-F0BA90E6D107}" type="datetimeFigureOut">
               <a:rPr lang="en-US" dirty="0"/>
-              <a:t>11/29/2019</a:t>
+              <a:t>29/11/2019</a:t>
             </a:fld>
             <a:endParaRPr lang="en-US" dirty="0"/>
           </a:p>
@@ -22250,7 +26782,7 @@
           <a:p>
             <a:fld id="{6D22F896-40B5-4ADD-8801-0D06FADFA095}" type="slidenum">
               <a:rPr lang="en-US" dirty="0"/>
-              <a:t>‹Nº›</a:t>
+              <a:t>‹#›</a:t>
             </a:fld>
             <a:endParaRPr lang="en-US" dirty="0"/>
           </a:p>
@@ -22447,7 +26979,7 @@
           <a:p>
             <a:fld id="{9D6E9DEC-419B-4CC5-A080-3B06BD5A8291}" type="datetimeFigureOut">
               <a:rPr lang="en-US" dirty="0"/>
-              <a:t>11/29/2019</a:t>
+              <a:t>29/11/2019</a:t>
             </a:fld>
             <a:endParaRPr lang="en-US" dirty="0"/>
           </a:p>
@@ -22526,7 +27058,7 @@
             <a:fld id="{6D22F896-40B5-4ADD-8801-0D06FADFA095}" type="slidenum">
               <a:rPr lang="en-US" dirty="0"/>
               <a:pPr/>
-              <a:t>‹Nº›</a:t>
+              <a:t>‹#›</a:t>
             </a:fld>
             <a:endParaRPr lang="en-US" dirty="0"/>
           </a:p>
@@ -25671,24 +30203,278 @@
           <a:p>
             <a:r>
               <a:rPr lang="es-AR" dirty="0"/>
-              <a:t>Cloud – </a:t>
-            </a:r>
-            <a:r>
-              <a:rPr lang="es-AR" dirty="0" err="1"/>
-              <a:t>Things</a:t>
-            </a:r>
-            <a:r>
-              <a:rPr lang="es-AR" dirty="0"/>
-              <a:t> </a:t>
-            </a:r>
-            <a:r>
-              <a:rPr lang="es-AR" dirty="0" err="1"/>
-              <a:t>speak</a:t>
-            </a:r>
-            <a:endParaRPr lang="es-AR" dirty="0"/>
+              <a:t>Cloud – Thing Speak</a:t>
+            </a:r>
           </a:p>
         </p:txBody>
       </p:sp>
+      <p:graphicFrame>
+        <p:nvGraphicFramePr>
+          <p:cNvPr id="5" name="Diagram 4">
+            <a:extLst>
+              <a:ext uri="{FF2B5EF4-FFF2-40B4-BE49-F238E27FC236}">
+                <a16:creationId xmlns:a16="http://schemas.microsoft.com/office/drawing/2014/main" id="{450EAE76-05F9-4024-B932-905B15B30E86}"/>
+              </a:ext>
+            </a:extLst>
+          </p:cNvPr>
+          <p:cNvGraphicFramePr/>
+          <p:nvPr>
+            <p:extLst>
+              <p:ext uri="{D42A27DB-BD31-4B8C-83A1-F6EECF244321}">
+                <p14:modId xmlns:p14="http://schemas.microsoft.com/office/powerpoint/2010/main" val="1532544767"/>
+              </p:ext>
+            </p:extLst>
+          </p:nvPr>
+        </p:nvGraphicFramePr>
+        <p:xfrm>
+          <a:off x="-243044" y="2070846"/>
+          <a:ext cx="8128000" cy="4715436"/>
+        </p:xfrm>
+        <a:graphic>
+          <a:graphicData uri="http://schemas.openxmlformats.org/drawingml/2006/diagram">
+            <dgm:relIds xmlns:dgm="http://schemas.openxmlformats.org/drawingml/2006/diagram" xmlns:r="http://schemas.openxmlformats.org/officeDocument/2006/relationships" r:dm="rId2" r:lo="rId3" r:qs="rId4" r:cs="rId5"/>
+          </a:graphicData>
+        </a:graphic>
+      </p:graphicFrame>
+      <p:sp>
+        <p:nvSpPr>
+          <p:cNvPr id="7" name="Rectangle 6">
+            <a:extLst>
+              <a:ext uri="{FF2B5EF4-FFF2-40B4-BE49-F238E27FC236}">
+                <a16:creationId xmlns:a16="http://schemas.microsoft.com/office/drawing/2014/main" id="{BC4C2981-FFAC-4C42-9EDF-BE8D37135994}"/>
+              </a:ext>
+            </a:extLst>
+          </p:cNvPr>
+          <p:cNvSpPr/>
+          <p:nvPr/>
+        </p:nvSpPr>
+        <p:spPr>
+          <a:xfrm>
+            <a:off x="8373035" y="3357282"/>
+            <a:ext cx="1147483" cy="793376"/>
+          </a:xfrm>
+          <a:prstGeom prst="rect">
+            <a:avLst/>
+          </a:prstGeom>
+          <a:solidFill>
+            <a:schemeClr val="bg2">
+              <a:lumMod val="40000"/>
+              <a:lumOff val="60000"/>
+            </a:schemeClr>
+          </a:solidFill>
+        </p:spPr>
+        <p:style>
+          <a:lnRef idx="2">
+            <a:schemeClr val="accent1">
+              <a:shade val="50000"/>
+            </a:schemeClr>
+          </a:lnRef>
+          <a:fillRef idx="1">
+            <a:schemeClr val="accent1"/>
+          </a:fillRef>
+          <a:effectRef idx="0">
+            <a:schemeClr val="accent1"/>
+          </a:effectRef>
+          <a:fontRef idx="minor">
+            <a:schemeClr val="lt1"/>
+          </a:fontRef>
+        </p:style>
+        <p:txBody>
+          <a:bodyPr rtlCol="0" anchor="ctr"/>
+          <a:lstStyle/>
+          <a:p>
+            <a:pPr algn="ctr"/>
+            <a:r>
+              <a:rPr lang="es-AR" dirty="0"/>
+              <a:t>PC</a:t>
+            </a:r>
+          </a:p>
+        </p:txBody>
+      </p:sp>
+      <p:cxnSp>
+        <p:nvCxnSpPr>
+          <p:cNvPr id="9" name="Straight Arrow Connector 8">
+            <a:extLst>
+              <a:ext uri="{FF2B5EF4-FFF2-40B4-BE49-F238E27FC236}">
+                <a16:creationId xmlns:a16="http://schemas.microsoft.com/office/drawing/2014/main" id="{748479B3-AC8F-4B3F-9CA4-F5D41683071B}"/>
+              </a:ext>
+            </a:extLst>
+          </p:cNvPr>
+          <p:cNvCxnSpPr>
+            <a:cxnSpLocks/>
+          </p:cNvCxnSpPr>
+          <p:nvPr/>
+        </p:nvCxnSpPr>
+        <p:spPr>
+          <a:xfrm>
+            <a:off x="6678706" y="3567953"/>
+            <a:ext cx="1694329" cy="0"/>
+          </a:xfrm>
+          <a:prstGeom prst="straightConnector1">
+            <a:avLst/>
+          </a:prstGeom>
+          <a:ln>
+            <a:tailEnd type="triangle"/>
+          </a:ln>
+        </p:spPr>
+        <p:style>
+          <a:lnRef idx="1">
+            <a:schemeClr val="accent1"/>
+          </a:lnRef>
+          <a:fillRef idx="0">
+            <a:schemeClr val="accent1"/>
+          </a:fillRef>
+          <a:effectRef idx="0">
+            <a:schemeClr val="accent1"/>
+          </a:effectRef>
+          <a:fontRef idx="minor">
+            <a:schemeClr val="tx1"/>
+          </a:fontRef>
+        </p:style>
+      </p:cxnSp>
+      <p:cxnSp>
+        <p:nvCxnSpPr>
+          <p:cNvPr id="11" name="Straight Arrow Connector 10">
+            <a:extLst>
+              <a:ext uri="{FF2B5EF4-FFF2-40B4-BE49-F238E27FC236}">
+                <a16:creationId xmlns:a16="http://schemas.microsoft.com/office/drawing/2014/main" id="{CE05E65A-5965-4BE8-85B4-E2ECBB62CBCD}"/>
+              </a:ext>
+            </a:extLst>
+          </p:cNvPr>
+          <p:cNvCxnSpPr>
+            <a:cxnSpLocks/>
+          </p:cNvCxnSpPr>
+          <p:nvPr/>
+        </p:nvCxnSpPr>
+        <p:spPr>
+          <a:xfrm flipH="1">
+            <a:off x="6678707" y="3890682"/>
+            <a:ext cx="1694328" cy="0"/>
+          </a:xfrm>
+          <a:prstGeom prst="straightConnector1">
+            <a:avLst/>
+          </a:prstGeom>
+          <a:ln>
+            <a:tailEnd type="triangle"/>
+          </a:ln>
+        </p:spPr>
+        <p:style>
+          <a:lnRef idx="1">
+            <a:schemeClr val="accent1"/>
+          </a:lnRef>
+          <a:fillRef idx="0">
+            <a:schemeClr val="accent1"/>
+          </a:fillRef>
+          <a:effectRef idx="0">
+            <a:schemeClr val="accent1"/>
+          </a:effectRef>
+          <a:fontRef idx="minor">
+            <a:schemeClr val="tx1"/>
+          </a:fontRef>
+        </p:style>
+      </p:cxnSp>
+      <p:sp>
+        <p:nvSpPr>
+          <p:cNvPr id="16" name="Cloud 15">
+            <a:extLst>
+              <a:ext uri="{FF2B5EF4-FFF2-40B4-BE49-F238E27FC236}">
+                <a16:creationId xmlns:a16="http://schemas.microsoft.com/office/drawing/2014/main" id="{BAB74E4E-080A-4E6C-BC2E-94D03A728B45}"/>
+              </a:ext>
+            </a:extLst>
+          </p:cNvPr>
+          <p:cNvSpPr/>
+          <p:nvPr/>
+        </p:nvSpPr>
+        <p:spPr>
+          <a:xfrm>
+            <a:off x="10076330" y="2241176"/>
+            <a:ext cx="1786676" cy="1246095"/>
+          </a:xfrm>
+          <a:prstGeom prst="cloud">
+            <a:avLst/>
+          </a:prstGeom>
+          <a:solidFill>
+            <a:schemeClr val="accent4"/>
+          </a:solidFill>
+        </p:spPr>
+        <p:style>
+          <a:lnRef idx="2">
+            <a:schemeClr val="accent1">
+              <a:shade val="50000"/>
+            </a:schemeClr>
+          </a:lnRef>
+          <a:fillRef idx="1">
+            <a:schemeClr val="accent1"/>
+          </a:fillRef>
+          <a:effectRef idx="0">
+            <a:schemeClr val="accent1"/>
+          </a:effectRef>
+          <a:fontRef idx="minor">
+            <a:schemeClr val="lt1"/>
+          </a:fontRef>
+        </p:style>
+        <p:txBody>
+          <a:bodyPr rtlCol="0" anchor="ctr"/>
+          <a:lstStyle/>
+          <a:p>
+            <a:pPr algn="ctr"/>
+            <a:r>
+              <a:rPr lang="es-AR" dirty="0"/>
+              <a:t>Thing</a:t>
+            </a:r>
+          </a:p>
+          <a:p>
+            <a:pPr algn="ctr"/>
+            <a:r>
+              <a:rPr lang="es-AR" dirty="0"/>
+              <a:t>Speak</a:t>
+            </a:r>
+          </a:p>
+        </p:txBody>
+      </p:sp>
+      <p:cxnSp>
+        <p:nvCxnSpPr>
+          <p:cNvPr id="18" name="Connector: Curved 17">
+            <a:extLst>
+              <a:ext uri="{FF2B5EF4-FFF2-40B4-BE49-F238E27FC236}">
+                <a16:creationId xmlns:a16="http://schemas.microsoft.com/office/drawing/2014/main" id="{9C8DC72B-65C0-456E-ADD0-AB07785F96D8}"/>
+              </a:ext>
+            </a:extLst>
+          </p:cNvPr>
+          <p:cNvCxnSpPr>
+            <a:stCxn id="7" idx="3"/>
+            <a:endCxn id="16" idx="2"/>
+          </p:cNvCxnSpPr>
+          <p:nvPr/>
+        </p:nvCxnSpPr>
+        <p:spPr>
+          <a:xfrm flipV="1">
+            <a:off x="9520518" y="2864224"/>
+            <a:ext cx="561354" cy="889746"/>
+          </a:xfrm>
+          <a:prstGeom prst="curvedConnector3">
+            <a:avLst/>
+          </a:prstGeom>
+          <a:ln>
+            <a:headEnd type="triangle"/>
+            <a:tailEnd type="triangle"/>
+          </a:ln>
+        </p:spPr>
+        <p:style>
+          <a:lnRef idx="1">
+            <a:schemeClr val="accent1"/>
+          </a:lnRef>
+          <a:fillRef idx="0">
+            <a:schemeClr val="accent1"/>
+          </a:fillRef>
+          <a:effectRef idx="0">
+            <a:schemeClr val="accent1"/>
+          </a:effectRef>
+          <a:fontRef idx="minor">
+            <a:schemeClr val="tx1"/>
+          </a:fontRef>
+        </p:style>
+      </p:cxnSp>
     </p:spTree>
     <p:extLst>
       <p:ext uri="{BB962C8B-B14F-4D97-AF65-F5344CB8AC3E}">
@@ -25703,6 +30489,1151 @@
 </file>
 
 <file path=ppt/slides/slide23.xml><?xml version="1.0" encoding="utf-8"?>
+<p:sld xmlns:a="http://schemas.openxmlformats.org/drawingml/2006/main" xmlns:r="http://schemas.openxmlformats.org/officeDocument/2006/relationships" xmlns:p="http://schemas.openxmlformats.org/presentationml/2006/main">
+  <p:cSld>
+    <p:bg>
+      <p:bgPr>
+        <a:gradFill rotWithShape="1">
+          <a:gsLst>
+            <a:gs pos="0">
+              <a:schemeClr val="bg2">
+                <a:tint val="96000"/>
+                <a:shade val="100000"/>
+                <a:hueMod val="270000"/>
+                <a:satMod val="200000"/>
+                <a:lumMod val="128000"/>
+              </a:schemeClr>
+            </a:gs>
+            <a:gs pos="50000">
+              <a:schemeClr val="bg2">
+                <a:shade val="100000"/>
+                <a:hueMod val="100000"/>
+                <a:satMod val="110000"/>
+                <a:lumMod val="130000"/>
+              </a:schemeClr>
+            </a:gs>
+            <a:gs pos="100000">
+              <a:schemeClr val="bg2">
+                <a:shade val="78000"/>
+                <a:hueMod val="44000"/>
+                <a:satMod val="200000"/>
+                <a:lumMod val="69000"/>
+              </a:schemeClr>
+            </a:gs>
+          </a:gsLst>
+          <a:lin ang="2520000" scaled="0"/>
+        </a:gradFill>
+        <a:effectLst/>
+      </p:bgPr>
+    </p:bg>
+    <p:spTree>
+      <p:nvGrpSpPr>
+        <p:cNvPr id="1" name=""/>
+        <p:cNvGrpSpPr/>
+        <p:nvPr/>
+      </p:nvGrpSpPr>
+      <p:grpSpPr>
+        <a:xfrm>
+          <a:off x="0" y="0"/>
+          <a:ext cx="0" cy="0"/>
+          <a:chOff x="0" y="0"/>
+          <a:chExt cx="0" cy="0"/>
+        </a:xfrm>
+      </p:grpSpPr>
+      <p:pic>
+        <p:nvPicPr>
+          <p:cNvPr id="25" name="Picture 24">
+            <a:extLst>
+              <a:ext uri="{FF2B5EF4-FFF2-40B4-BE49-F238E27FC236}">
+                <a16:creationId xmlns:a16="http://schemas.microsoft.com/office/drawing/2014/main" id="{5321D838-2C7E-4177-9DD3-DAC78324A2B2}"/>
+              </a:ext>
+              <a:ext uri="{C183D7F6-B498-43B3-948B-1728B52AA6E4}">
+                <adec:decorative xmlns:adec="http://schemas.microsoft.com/office/drawing/2017/decorative" val="1"/>
+              </a:ext>
+            </a:extLst>
+          </p:cNvPr>
+          <p:cNvPicPr>
+            <a:picLocks noGrp="1" noRot="1" noChangeAspect="1" noMove="1" noResize="1" noEditPoints="1" noAdjustHandles="1" noChangeArrowheads="1" noChangeShapeType="1" noCrop="1"/>
+          </p:cNvPicPr>
+          <p:nvPr>
+            <p:extLst>
+              <p:ext uri="{386F3935-93C4-4BCD-93E2-E3B085C9AB24}">
+                <p16:designElem xmlns:p16="http://schemas.microsoft.com/office/powerpoint/2015/main" val="1"/>
+              </p:ext>
+            </p:extLst>
+          </p:nvPr>
+        </p:nvPicPr>
+        <p:blipFill>
+          <a:blip r:embed="rId2">
+            <a:alphaModFix amt="10000"/>
+            <a:extLst>
+              <a:ext uri="{28A0092B-C50C-407E-A947-70E740481C1C}">
+                <a14:useLocalDpi xmlns:a14="http://schemas.microsoft.com/office/drawing/2010/main" val="0"/>
+              </a:ext>
+            </a:extLst>
+          </a:blip>
+          <a:stretch>
+            <a:fillRect/>
+          </a:stretch>
+        </p:blipFill>
+        <p:spPr>
+          <a:xfrm>
+            <a:off x="0" y="0"/>
+            <a:ext cx="12192000" cy="6858000"/>
+          </a:xfrm>
+          <a:prstGeom prst="rect">
+            <a:avLst/>
+          </a:prstGeom>
+        </p:spPr>
+      </p:pic>
+      <p:pic>
+        <p:nvPicPr>
+          <p:cNvPr id="27" name="Picture 26">
+            <a:extLst>
+              <a:ext uri="{FF2B5EF4-FFF2-40B4-BE49-F238E27FC236}">
+                <a16:creationId xmlns:a16="http://schemas.microsoft.com/office/drawing/2014/main" id="{0146E45C-1450-4186-B501-74F221F897A8}"/>
+              </a:ext>
+              <a:ext uri="{C183D7F6-B498-43B3-948B-1728B52AA6E4}">
+                <adec:decorative xmlns:adec="http://schemas.microsoft.com/office/drawing/2017/decorative" val="1"/>
+              </a:ext>
+            </a:extLst>
+          </p:cNvPr>
+          <p:cNvPicPr>
+            <a:picLocks noGrp="1" noRot="1" noChangeAspect="1" noMove="1" noResize="1" noEditPoints="1" noAdjustHandles="1" noChangeArrowheads="1" noChangeShapeType="1" noCrop="1"/>
+          </p:cNvPicPr>
+          <p:nvPr>
+            <p:extLst>
+              <p:ext uri="{386F3935-93C4-4BCD-93E2-E3B085C9AB24}">
+                <p16:designElem xmlns:p16="http://schemas.microsoft.com/office/powerpoint/2015/main" val="1"/>
+              </p:ext>
+            </p:extLst>
+          </p:nvPr>
+        </p:nvPicPr>
+        <p:blipFill>
+          <a:blip r:embed="rId3">
+            <a:extLst>
+              <a:ext uri="{28A0092B-C50C-407E-A947-70E740481C1C}">
+                <a14:useLocalDpi xmlns:a14="http://schemas.microsoft.com/office/drawing/2010/main" val="0"/>
+              </a:ext>
+            </a:extLst>
+          </a:blip>
+          <a:stretch>
+            <a:fillRect/>
+          </a:stretch>
+        </p:blipFill>
+        <p:spPr>
+          <a:xfrm>
+            <a:off x="1" y="4242851"/>
+            <a:ext cx="8968084" cy="275942"/>
+          </a:xfrm>
+          <a:prstGeom prst="rect">
+            <a:avLst/>
+          </a:prstGeom>
+        </p:spPr>
+      </p:pic>
+      <p:pic>
+        <p:nvPicPr>
+          <p:cNvPr id="29" name="Picture 28">
+            <a:extLst>
+              <a:ext uri="{FF2B5EF4-FFF2-40B4-BE49-F238E27FC236}">
+                <a16:creationId xmlns:a16="http://schemas.microsoft.com/office/drawing/2014/main" id="{EEDDA48B-BC04-4915-ADA3-A1A9522EB0D1}"/>
+              </a:ext>
+              <a:ext uri="{C183D7F6-B498-43B3-948B-1728B52AA6E4}">
+                <adec:decorative xmlns:adec="http://schemas.microsoft.com/office/drawing/2017/decorative" val="1"/>
+              </a:ext>
+            </a:extLst>
+          </p:cNvPr>
+          <p:cNvPicPr>
+            <a:picLocks noGrp="1" noRot="1" noChangeAspect="1" noMove="1" noResize="1" noEditPoints="1" noAdjustHandles="1" noChangeArrowheads="1" noChangeShapeType="1" noCrop="1"/>
+          </p:cNvPicPr>
+          <p:nvPr>
+            <p:extLst>
+              <p:ext uri="{386F3935-93C4-4BCD-93E2-E3B085C9AB24}">
+                <p16:designElem xmlns:p16="http://schemas.microsoft.com/office/powerpoint/2015/main" val="1"/>
+              </p:ext>
+            </p:extLst>
+          </p:nvPr>
+        </p:nvPicPr>
+        <p:blipFill>
+          <a:blip r:embed="rId4">
+            <a:extLst>
+              <a:ext uri="{28A0092B-C50C-407E-A947-70E740481C1C}">
+                <a14:useLocalDpi xmlns:a14="http://schemas.microsoft.com/office/drawing/2010/main" val="0"/>
+              </a:ext>
+            </a:extLst>
+          </a:blip>
+          <a:stretch>
+            <a:fillRect/>
+          </a:stretch>
+        </p:blipFill>
+        <p:spPr>
+          <a:xfrm>
+            <a:off x="9111716" y="4243845"/>
+            <a:ext cx="3077108" cy="276940"/>
+          </a:xfrm>
+          <a:prstGeom prst="rect">
+            <a:avLst/>
+          </a:prstGeom>
+        </p:spPr>
+      </p:pic>
+      <p:sp>
+        <p:nvSpPr>
+          <p:cNvPr id="31" name="Rectangle 30">
+            <a:extLst>
+              <a:ext uri="{FF2B5EF4-FFF2-40B4-BE49-F238E27FC236}">
+                <a16:creationId xmlns:a16="http://schemas.microsoft.com/office/drawing/2014/main" id="{78C9D07A-5A22-4E55-B18A-47CF07E5080D}"/>
+              </a:ext>
+              <a:ext uri="{C183D7F6-B498-43B3-948B-1728B52AA6E4}">
+                <adec:decorative xmlns:adec="http://schemas.microsoft.com/office/drawing/2017/decorative" val="1"/>
+              </a:ext>
+            </a:extLst>
+          </p:cNvPr>
+          <p:cNvSpPr>
+            <a:spLocks noGrp="1" noRot="1" noChangeAspect="1" noMove="1" noResize="1" noEditPoints="1" noAdjustHandles="1" noChangeArrowheads="1" noChangeShapeType="1" noTextEdit="1"/>
+          </p:cNvSpPr>
+          <p:nvPr>
+            <p:extLst>
+              <p:ext uri="{386F3935-93C4-4BCD-93E2-E3B085C9AB24}">
+                <p16:designElem xmlns:p16="http://schemas.microsoft.com/office/powerpoint/2015/main" val="1"/>
+              </p:ext>
+            </p:extLst>
+          </p:nvPr>
+        </p:nvSpPr>
+        <p:spPr>
+          <a:xfrm>
+            <a:off x="0" y="2590078"/>
+            <a:ext cx="8968085" cy="1660332"/>
+          </a:xfrm>
+          <a:prstGeom prst="rect">
+            <a:avLst/>
+          </a:prstGeom>
+          <a:solidFill>
+            <a:schemeClr val="bg1">
+              <a:lumMod val="85000"/>
+              <a:lumOff val="15000"/>
+            </a:schemeClr>
+          </a:solidFill>
+          <a:ln>
+            <a:noFill/>
+          </a:ln>
+        </p:spPr>
+        <p:style>
+          <a:lnRef idx="2">
+            <a:schemeClr val="accent1">
+              <a:shade val="50000"/>
+            </a:schemeClr>
+          </a:lnRef>
+          <a:fillRef idx="1">
+            <a:schemeClr val="accent1"/>
+          </a:fillRef>
+          <a:effectRef idx="0">
+            <a:schemeClr val="accent1"/>
+          </a:effectRef>
+          <a:fontRef idx="minor">
+            <a:schemeClr val="lt1"/>
+          </a:fontRef>
+        </p:style>
+      </p:sp>
+      <p:sp>
+        <p:nvSpPr>
+          <p:cNvPr id="33" name="Rectangle 32">
+            <a:extLst>
+              <a:ext uri="{FF2B5EF4-FFF2-40B4-BE49-F238E27FC236}">
+                <a16:creationId xmlns:a16="http://schemas.microsoft.com/office/drawing/2014/main" id="{3D71E629-0739-4A59-972B-A9E9A4500E31}"/>
+              </a:ext>
+              <a:ext uri="{C183D7F6-B498-43B3-948B-1728B52AA6E4}">
+                <adec:decorative xmlns:adec="http://schemas.microsoft.com/office/drawing/2017/decorative" val="1"/>
+              </a:ext>
+            </a:extLst>
+          </p:cNvPr>
+          <p:cNvSpPr>
+            <a:spLocks noGrp="1" noRot="1" noChangeAspect="1" noMove="1" noResize="1" noEditPoints="1" noAdjustHandles="1" noChangeArrowheads="1" noChangeShapeType="1" noTextEdit="1"/>
+          </p:cNvSpPr>
+          <p:nvPr>
+            <p:extLst>
+              <p:ext uri="{386F3935-93C4-4BCD-93E2-E3B085C9AB24}">
+                <p16:designElem xmlns:p16="http://schemas.microsoft.com/office/powerpoint/2015/main" val="1"/>
+              </p:ext>
+            </p:extLst>
+          </p:nvPr>
+        </p:nvSpPr>
+        <p:spPr>
+          <a:xfrm>
+            <a:off x="9111715" y="2590078"/>
+            <a:ext cx="3077109" cy="1660332"/>
+          </a:xfrm>
+          <a:prstGeom prst="rect">
+            <a:avLst/>
+          </a:prstGeom>
+          <a:solidFill>
+            <a:schemeClr val="accent1"/>
+          </a:solidFill>
+          <a:ln>
+            <a:noFill/>
+          </a:ln>
+        </p:spPr>
+        <p:style>
+          <a:lnRef idx="2">
+            <a:schemeClr val="accent1">
+              <a:shade val="50000"/>
+            </a:schemeClr>
+          </a:lnRef>
+          <a:fillRef idx="1">
+            <a:schemeClr val="accent1"/>
+          </a:fillRef>
+          <a:effectRef idx="0">
+            <a:schemeClr val="accent1"/>
+          </a:effectRef>
+          <a:fontRef idx="minor">
+            <a:schemeClr val="lt1"/>
+          </a:fontRef>
+        </p:style>
+      </p:sp>
+      <p:sp useBgFill="1">
+        <p:nvSpPr>
+          <p:cNvPr id="35" name="Rectangle 34">
+            <a:extLst>
+              <a:ext uri="{FF2B5EF4-FFF2-40B4-BE49-F238E27FC236}">
+                <a16:creationId xmlns:a16="http://schemas.microsoft.com/office/drawing/2014/main" id="{2F84762E-7FCC-4EAF-B9E7-CE7214491E0D}"/>
+              </a:ext>
+              <a:ext uri="{C183D7F6-B498-43B3-948B-1728B52AA6E4}">
+                <adec:decorative xmlns:adec="http://schemas.microsoft.com/office/drawing/2017/decorative" val="1"/>
+              </a:ext>
+            </a:extLst>
+          </p:cNvPr>
+          <p:cNvSpPr>
+            <a:spLocks noGrp="1" noRot="1" noChangeAspect="1" noMove="1" noResize="1" noEditPoints="1" noAdjustHandles="1" noChangeArrowheads="1" noChangeShapeType="1" noTextEdit="1"/>
+          </p:cNvSpPr>
+          <p:nvPr>
+            <p:extLst>
+              <p:ext uri="{386F3935-93C4-4BCD-93E2-E3B085C9AB24}">
+                <p16:designElem xmlns:p16="http://schemas.microsoft.com/office/powerpoint/2015/main" val="1"/>
+              </p:ext>
+            </p:extLst>
+          </p:nvPr>
+        </p:nvSpPr>
+        <p:spPr>
+          <a:xfrm>
+            <a:off x="0" y="0"/>
+            <a:ext cx="12188824" cy="6858000"/>
+          </a:xfrm>
+          <a:prstGeom prst="rect">
+            <a:avLst/>
+          </a:prstGeom>
+          <a:ln>
+            <a:noFill/>
+          </a:ln>
+        </p:spPr>
+        <p:style>
+          <a:lnRef idx="2">
+            <a:schemeClr val="accent1">
+              <a:shade val="50000"/>
+            </a:schemeClr>
+          </a:lnRef>
+          <a:fillRef idx="1">
+            <a:schemeClr val="accent1"/>
+          </a:fillRef>
+          <a:effectRef idx="0">
+            <a:schemeClr val="accent1"/>
+          </a:effectRef>
+          <a:fontRef idx="minor">
+            <a:schemeClr val="lt1"/>
+          </a:fontRef>
+        </p:style>
+        <p:txBody>
+          <a:bodyPr rtlCol="0" anchor="ctr"/>
+          <a:lstStyle/>
+          <a:p>
+            <a:pPr algn="ctr"/>
+            <a:endParaRPr lang="en-US"/>
+          </a:p>
+        </p:txBody>
+      </p:sp>
+      <p:pic>
+        <p:nvPicPr>
+          <p:cNvPr id="37" name="Picture 36">
+            <a:extLst>
+              <a:ext uri="{FF2B5EF4-FFF2-40B4-BE49-F238E27FC236}">
+                <a16:creationId xmlns:a16="http://schemas.microsoft.com/office/drawing/2014/main" id="{927A1389-2A5D-4886-AD82-F213767E673F}"/>
+              </a:ext>
+              <a:ext uri="{C183D7F6-B498-43B3-948B-1728B52AA6E4}">
+                <adec:decorative xmlns:adec="http://schemas.microsoft.com/office/drawing/2017/decorative" val="1"/>
+              </a:ext>
+            </a:extLst>
+          </p:cNvPr>
+          <p:cNvPicPr>
+            <a:picLocks noGrp="1" noRot="1" noChangeAspect="1" noMove="1" noResize="1" noEditPoints="1" noAdjustHandles="1" noChangeArrowheads="1" noChangeShapeType="1" noCrop="1"/>
+          </p:cNvPicPr>
+          <p:nvPr>
+            <p:extLst>
+              <p:ext uri="{386F3935-93C4-4BCD-93E2-E3B085C9AB24}">
+                <p16:designElem xmlns:p16="http://schemas.microsoft.com/office/powerpoint/2015/main" val="1"/>
+              </p:ext>
+            </p:extLst>
+          </p:nvPr>
+        </p:nvPicPr>
+        <p:blipFill>
+          <a:blip r:embed="rId2">
+            <a:alphaModFix amt="10000"/>
+            <a:extLst>
+              <a:ext uri="{28A0092B-C50C-407E-A947-70E740481C1C}">
+                <a14:useLocalDpi xmlns:a14="http://schemas.microsoft.com/office/drawing/2010/main" val="0"/>
+              </a:ext>
+            </a:extLst>
+          </a:blip>
+          <a:stretch>
+            <a:fillRect/>
+          </a:stretch>
+        </p:blipFill>
+        <p:spPr>
+          <a:xfrm>
+            <a:off x="0" y="-8207"/>
+            <a:ext cx="12192000" cy="6858000"/>
+          </a:xfrm>
+          <a:prstGeom prst="rect">
+            <a:avLst/>
+          </a:prstGeom>
+        </p:spPr>
+      </p:pic>
+      <p:sp>
+        <p:nvSpPr>
+          <p:cNvPr id="39" name="Rectangle 38">
+            <a:extLst>
+              <a:ext uri="{FF2B5EF4-FFF2-40B4-BE49-F238E27FC236}">
+                <a16:creationId xmlns:a16="http://schemas.microsoft.com/office/drawing/2014/main" id="{A1038667-0C3F-4764-A24D-DA9D9B474851}"/>
+              </a:ext>
+              <a:ext uri="{C183D7F6-B498-43B3-948B-1728B52AA6E4}">
+                <adec:decorative xmlns:adec="http://schemas.microsoft.com/office/drawing/2017/decorative" val="1"/>
+              </a:ext>
+            </a:extLst>
+          </p:cNvPr>
+          <p:cNvSpPr>
+            <a:spLocks noGrp="1" noRot="1" noChangeAspect="1" noMove="1" noResize="1" noEditPoints="1" noAdjustHandles="1" noChangeArrowheads="1" noChangeShapeType="1" noTextEdit="1"/>
+          </p:cNvSpPr>
+          <p:nvPr>
+            <p:extLst>
+              <p:ext uri="{386F3935-93C4-4BCD-93E2-E3B085C9AB24}">
+                <p16:designElem xmlns:p16="http://schemas.microsoft.com/office/powerpoint/2015/main" val="1"/>
+              </p:ext>
+            </p:extLst>
+          </p:nvPr>
+        </p:nvSpPr>
+        <p:spPr>
+          <a:xfrm>
+            <a:off x="4644527" y="0"/>
+            <a:ext cx="7552944" cy="6858001"/>
+          </a:xfrm>
+          <a:prstGeom prst="rect">
+            <a:avLst/>
+          </a:prstGeom>
+          <a:ln>
+            <a:noFill/>
+          </a:ln>
+        </p:spPr>
+        <p:style>
+          <a:lnRef idx="2">
+            <a:schemeClr val="accent1">
+              <a:shade val="50000"/>
+            </a:schemeClr>
+          </a:lnRef>
+          <a:fillRef idx="1">
+            <a:schemeClr val="accent1"/>
+          </a:fillRef>
+          <a:effectRef idx="0">
+            <a:schemeClr val="accent1"/>
+          </a:effectRef>
+          <a:fontRef idx="minor">
+            <a:schemeClr val="lt1"/>
+          </a:fontRef>
+        </p:style>
+        <p:txBody>
+          <a:bodyPr rtlCol="0" anchor="ctr"/>
+          <a:lstStyle/>
+          <a:p>
+            <a:pPr algn="ctr"/>
+            <a:endParaRPr lang="en-US"/>
+          </a:p>
+        </p:txBody>
+      </p:sp>
+      <p:pic>
+        <p:nvPicPr>
+          <p:cNvPr id="41" name="Picture 40">
+            <a:extLst>
+              <a:ext uri="{FF2B5EF4-FFF2-40B4-BE49-F238E27FC236}">
+                <a16:creationId xmlns:a16="http://schemas.microsoft.com/office/drawing/2014/main" id="{6AC2195B-895A-4535-8ECD-9F5B669C5CA5}"/>
+              </a:ext>
+              <a:ext uri="{C183D7F6-B498-43B3-948B-1728B52AA6E4}">
+                <adec:decorative xmlns:adec="http://schemas.microsoft.com/office/drawing/2017/decorative" val="1"/>
+              </a:ext>
+            </a:extLst>
+          </p:cNvPr>
+          <p:cNvPicPr>
+            <a:picLocks noGrp="1" noRot="1" noChangeAspect="1" noMove="1" noResize="1" noEditPoints="1" noAdjustHandles="1" noChangeArrowheads="1" noChangeShapeType="1" noCrop="1"/>
+          </p:cNvPicPr>
+          <p:nvPr>
+            <p:extLst>
+              <p:ext uri="{386F3935-93C4-4BCD-93E2-E3B085C9AB24}">
+                <p16:designElem xmlns:p16="http://schemas.microsoft.com/office/powerpoint/2015/main" val="1"/>
+              </p:ext>
+            </p:extLst>
+          </p:nvPr>
+        </p:nvPicPr>
+        <p:blipFill>
+          <a:blip r:embed="rId3" cstate="print">
+            <a:extLst>
+              <a:ext uri="{28A0092B-C50C-407E-A947-70E740481C1C}">
+                <a14:useLocalDpi xmlns:a14="http://schemas.microsoft.com/office/drawing/2010/main" val="0"/>
+              </a:ext>
+            </a:extLst>
+          </a:blip>
+          <a:stretch>
+            <a:fillRect/>
+          </a:stretch>
+        </p:blipFill>
+        <p:spPr>
+          <a:xfrm>
+            <a:off x="1" y="5006045"/>
+            <a:ext cx="4965192" cy="144049"/>
+          </a:xfrm>
+          <a:prstGeom prst="rect">
+            <a:avLst/>
+          </a:prstGeom>
+        </p:spPr>
+      </p:pic>
+      <p:sp>
+        <p:nvSpPr>
+          <p:cNvPr id="43" name="Rectangle 42">
+            <a:extLst>
+              <a:ext uri="{FF2B5EF4-FFF2-40B4-BE49-F238E27FC236}">
+                <a16:creationId xmlns:a16="http://schemas.microsoft.com/office/drawing/2014/main" id="{571EEFCA-9235-4BC2-85C3-A4EC6EE57AC4}"/>
+              </a:ext>
+              <a:ext uri="{C183D7F6-B498-43B3-948B-1728B52AA6E4}">
+                <adec:decorative xmlns:adec="http://schemas.microsoft.com/office/drawing/2017/decorative" val="1"/>
+              </a:ext>
+            </a:extLst>
+          </p:cNvPr>
+          <p:cNvSpPr>
+            <a:spLocks noGrp="1" noRot="1" noChangeAspect="1" noMove="1" noResize="1" noEditPoints="1" noAdjustHandles="1" noChangeArrowheads="1" noChangeShapeType="1" noTextEdit="1"/>
+          </p:cNvSpPr>
+          <p:nvPr>
+            <p:extLst>
+              <p:ext uri="{386F3935-93C4-4BCD-93E2-E3B085C9AB24}">
+                <p16:designElem xmlns:p16="http://schemas.microsoft.com/office/powerpoint/2015/main" val="1"/>
+              </p:ext>
+            </p:extLst>
+          </p:nvPr>
+        </p:nvSpPr>
+        <p:spPr>
+          <a:xfrm>
+            <a:off x="-1" y="1838764"/>
+            <a:ext cx="4964567" cy="3180473"/>
+          </a:xfrm>
+          <a:prstGeom prst="rect">
+            <a:avLst/>
+          </a:prstGeom>
+          <a:solidFill>
+            <a:schemeClr val="bg1">
+              <a:lumMod val="85000"/>
+              <a:lumOff val="15000"/>
+            </a:schemeClr>
+          </a:solidFill>
+          <a:ln>
+            <a:noFill/>
+          </a:ln>
+        </p:spPr>
+        <p:style>
+          <a:lnRef idx="2">
+            <a:schemeClr val="accent1">
+              <a:shade val="50000"/>
+            </a:schemeClr>
+          </a:lnRef>
+          <a:fillRef idx="1">
+            <a:schemeClr val="accent1"/>
+          </a:fillRef>
+          <a:effectRef idx="0">
+            <a:schemeClr val="accent1"/>
+          </a:effectRef>
+          <a:fontRef idx="minor">
+            <a:schemeClr val="lt1"/>
+          </a:fontRef>
+        </p:style>
+      </p:sp>
+      <p:sp>
+        <p:nvSpPr>
+          <p:cNvPr id="2" name="Title 1">
+            <a:extLst>
+              <a:ext uri="{FF2B5EF4-FFF2-40B4-BE49-F238E27FC236}">
+                <a16:creationId xmlns:a16="http://schemas.microsoft.com/office/drawing/2014/main" id="{5AF38514-29F6-4B70-886E-67653E9D631E}"/>
+              </a:ext>
+            </a:extLst>
+          </p:cNvPr>
+          <p:cNvSpPr>
+            <a:spLocks noGrp="1"/>
+          </p:cNvSpPr>
+          <p:nvPr>
+            <p:ph type="title"/>
+          </p:nvPr>
+        </p:nvSpPr>
+        <p:spPr>
+          <a:xfrm>
+            <a:off x="680322" y="2063262"/>
+            <a:ext cx="3739278" cy="2661138"/>
+          </a:xfrm>
+        </p:spPr>
+        <p:txBody>
+          <a:bodyPr vert="horz" lIns="91440" tIns="45720" rIns="91440" bIns="45720" rtlCol="0" anchor="ctr">
+            <a:normAutofit/>
+          </a:bodyPr>
+          <a:lstStyle/>
+          <a:p>
+            <a:pPr algn="r"/>
+            <a:r>
+              <a:rPr lang="en-US" sz="3800"/>
+              <a:t>GatewayComm</a:t>
+            </a:r>
+          </a:p>
+        </p:txBody>
+      </p:sp>
+      <p:pic>
+        <p:nvPicPr>
+          <p:cNvPr id="5" name="Content Placeholder 4" descr="A screenshot of a cell phone&#10;&#10;Description automatically generated">
+            <a:extLst>
+              <a:ext uri="{FF2B5EF4-FFF2-40B4-BE49-F238E27FC236}">
+                <a16:creationId xmlns:a16="http://schemas.microsoft.com/office/drawing/2014/main" id="{186A327B-A4A1-4F47-97C1-A00104F65241}"/>
+              </a:ext>
+            </a:extLst>
+          </p:cNvPr>
+          <p:cNvPicPr>
+            <a:picLocks noChangeAspect="1"/>
+          </p:cNvPicPr>
+          <p:nvPr/>
+        </p:nvPicPr>
+        <p:blipFill>
+          <a:blip r:embed="rId5"/>
+          <a:stretch>
+            <a:fillRect/>
+          </a:stretch>
+        </p:blipFill>
+        <p:spPr>
+          <a:xfrm>
+            <a:off x="5715055" y="41492"/>
+            <a:ext cx="5895920" cy="6757503"/>
+          </a:xfrm>
+          <a:prstGeom prst="rect">
+            <a:avLst/>
+          </a:prstGeom>
+          <a:ln>
+            <a:noFill/>
+          </a:ln>
+          <a:effectLst>
+            <a:outerShdw blurRad="76200" dist="63500" dir="5040000" algn="tl" rotWithShape="0">
+              <a:srgbClr val="000000">
+                <a:alpha val="41000"/>
+              </a:srgbClr>
+            </a:outerShdw>
+          </a:effectLst>
+        </p:spPr>
+      </p:pic>
+    </p:spTree>
+    <p:extLst>
+      <p:ext uri="{BB962C8B-B14F-4D97-AF65-F5344CB8AC3E}">
+        <p14:creationId xmlns:p14="http://schemas.microsoft.com/office/powerpoint/2010/main" val="1723383954"/>
+      </p:ext>
+    </p:extLst>
+  </p:cSld>
+  <p:clrMapOvr>
+    <a:masterClrMapping/>
+  </p:clrMapOvr>
+</p:sld>
+</file>
+
+<file path=ppt/slides/slide24.xml><?xml version="1.0" encoding="utf-8"?>
+<p:sld xmlns:a="http://schemas.openxmlformats.org/drawingml/2006/main" xmlns:r="http://schemas.openxmlformats.org/officeDocument/2006/relationships" xmlns:p="http://schemas.openxmlformats.org/presentationml/2006/main">
+  <p:cSld>
+    <p:bg>
+      <p:bgPr>
+        <a:gradFill rotWithShape="1">
+          <a:gsLst>
+            <a:gs pos="0">
+              <a:schemeClr val="bg2">
+                <a:tint val="96000"/>
+                <a:shade val="100000"/>
+                <a:hueMod val="270000"/>
+                <a:satMod val="200000"/>
+                <a:lumMod val="128000"/>
+              </a:schemeClr>
+            </a:gs>
+            <a:gs pos="50000">
+              <a:schemeClr val="bg2">
+                <a:shade val="100000"/>
+                <a:hueMod val="100000"/>
+                <a:satMod val="110000"/>
+                <a:lumMod val="130000"/>
+              </a:schemeClr>
+            </a:gs>
+            <a:gs pos="100000">
+              <a:schemeClr val="bg2">
+                <a:shade val="78000"/>
+                <a:hueMod val="44000"/>
+                <a:satMod val="200000"/>
+                <a:lumMod val="69000"/>
+              </a:schemeClr>
+            </a:gs>
+          </a:gsLst>
+          <a:lin ang="2520000" scaled="0"/>
+        </a:gradFill>
+        <a:effectLst/>
+      </p:bgPr>
+    </p:bg>
+    <p:spTree>
+      <p:nvGrpSpPr>
+        <p:cNvPr id="1" name=""/>
+        <p:cNvGrpSpPr/>
+        <p:nvPr/>
+      </p:nvGrpSpPr>
+      <p:grpSpPr>
+        <a:xfrm>
+          <a:off x="0" y="0"/>
+          <a:ext cx="0" cy="0"/>
+          <a:chOff x="0" y="0"/>
+          <a:chExt cx="0" cy="0"/>
+        </a:xfrm>
+      </p:grpSpPr>
+      <p:pic>
+        <p:nvPicPr>
+          <p:cNvPr id="25" name="Picture 24">
+            <a:extLst>
+              <a:ext uri="{FF2B5EF4-FFF2-40B4-BE49-F238E27FC236}">
+                <a16:creationId xmlns:a16="http://schemas.microsoft.com/office/drawing/2014/main" id="{01CFC1BB-C5B3-4479-9752-C53221627F91}"/>
+              </a:ext>
+              <a:ext uri="{C183D7F6-B498-43B3-948B-1728B52AA6E4}">
+                <adec:decorative xmlns:adec="http://schemas.microsoft.com/office/drawing/2017/decorative" val="1"/>
+              </a:ext>
+            </a:extLst>
+          </p:cNvPr>
+          <p:cNvPicPr>
+            <a:picLocks noGrp="1" noRot="1" noChangeAspect="1" noMove="1" noResize="1" noEditPoints="1" noAdjustHandles="1" noChangeArrowheads="1" noChangeShapeType="1" noCrop="1"/>
+          </p:cNvPicPr>
+          <p:nvPr>
+            <p:extLst>
+              <p:ext uri="{386F3935-93C4-4BCD-93E2-E3B085C9AB24}">
+                <p16:designElem xmlns:p16="http://schemas.microsoft.com/office/powerpoint/2015/main" val="1"/>
+              </p:ext>
+            </p:extLst>
+          </p:nvPr>
+        </p:nvPicPr>
+        <p:blipFill>
+          <a:blip r:embed="rId2">
+            <a:alphaModFix amt="10000"/>
+            <a:extLst>
+              <a:ext uri="{28A0092B-C50C-407E-A947-70E740481C1C}">
+                <a14:useLocalDpi xmlns:a14="http://schemas.microsoft.com/office/drawing/2010/main" val="0"/>
+              </a:ext>
+            </a:extLst>
+          </a:blip>
+          <a:stretch>
+            <a:fillRect/>
+          </a:stretch>
+        </p:blipFill>
+        <p:spPr>
+          <a:xfrm>
+            <a:off x="0" y="0"/>
+            <a:ext cx="12192000" cy="6858000"/>
+          </a:xfrm>
+          <a:prstGeom prst="rect">
+            <a:avLst/>
+          </a:prstGeom>
+        </p:spPr>
+      </p:pic>
+      <p:pic>
+        <p:nvPicPr>
+          <p:cNvPr id="27" name="Picture 26">
+            <a:extLst>
+              <a:ext uri="{FF2B5EF4-FFF2-40B4-BE49-F238E27FC236}">
+                <a16:creationId xmlns:a16="http://schemas.microsoft.com/office/drawing/2014/main" id="{5B5FB5AC-39B2-4094-B486-0FCD501D5044}"/>
+              </a:ext>
+              <a:ext uri="{C183D7F6-B498-43B3-948B-1728B52AA6E4}">
+                <adec:decorative xmlns:adec="http://schemas.microsoft.com/office/drawing/2017/decorative" val="1"/>
+              </a:ext>
+            </a:extLst>
+          </p:cNvPr>
+          <p:cNvPicPr>
+            <a:picLocks noGrp="1" noRot="1" noChangeAspect="1" noMove="1" noResize="1" noEditPoints="1" noAdjustHandles="1" noChangeArrowheads="1" noChangeShapeType="1" noCrop="1"/>
+          </p:cNvPicPr>
+          <p:nvPr>
+            <p:extLst>
+              <p:ext uri="{386F3935-93C4-4BCD-93E2-E3B085C9AB24}">
+                <p16:designElem xmlns:p16="http://schemas.microsoft.com/office/powerpoint/2015/main" val="1"/>
+              </p:ext>
+            </p:extLst>
+          </p:nvPr>
+        </p:nvPicPr>
+        <p:blipFill>
+          <a:blip r:embed="rId3">
+            <a:extLst>
+              <a:ext uri="{28A0092B-C50C-407E-A947-70E740481C1C}">
+                <a14:useLocalDpi xmlns:a14="http://schemas.microsoft.com/office/drawing/2010/main" val="0"/>
+              </a:ext>
+            </a:extLst>
+          </a:blip>
+          <a:stretch>
+            <a:fillRect/>
+          </a:stretch>
+        </p:blipFill>
+        <p:spPr>
+          <a:xfrm>
+            <a:off x="1" y="4242851"/>
+            <a:ext cx="8968084" cy="275942"/>
+          </a:xfrm>
+          <a:prstGeom prst="rect">
+            <a:avLst/>
+          </a:prstGeom>
+        </p:spPr>
+      </p:pic>
+      <p:pic>
+        <p:nvPicPr>
+          <p:cNvPr id="29" name="Picture 28">
+            <a:extLst>
+              <a:ext uri="{FF2B5EF4-FFF2-40B4-BE49-F238E27FC236}">
+                <a16:creationId xmlns:a16="http://schemas.microsoft.com/office/drawing/2014/main" id="{7150CFE4-97B0-48C6-ACD6-9399CBA11906}"/>
+              </a:ext>
+              <a:ext uri="{C183D7F6-B498-43B3-948B-1728B52AA6E4}">
+                <adec:decorative xmlns:adec="http://schemas.microsoft.com/office/drawing/2017/decorative" val="1"/>
+              </a:ext>
+            </a:extLst>
+          </p:cNvPr>
+          <p:cNvPicPr>
+            <a:picLocks noGrp="1" noRot="1" noChangeAspect="1" noMove="1" noResize="1" noEditPoints="1" noAdjustHandles="1" noChangeArrowheads="1" noChangeShapeType="1" noCrop="1"/>
+          </p:cNvPicPr>
+          <p:nvPr>
+            <p:extLst>
+              <p:ext uri="{386F3935-93C4-4BCD-93E2-E3B085C9AB24}">
+                <p16:designElem xmlns:p16="http://schemas.microsoft.com/office/powerpoint/2015/main" val="1"/>
+              </p:ext>
+            </p:extLst>
+          </p:nvPr>
+        </p:nvPicPr>
+        <p:blipFill>
+          <a:blip r:embed="rId4">
+            <a:extLst>
+              <a:ext uri="{28A0092B-C50C-407E-A947-70E740481C1C}">
+                <a14:useLocalDpi xmlns:a14="http://schemas.microsoft.com/office/drawing/2010/main" val="0"/>
+              </a:ext>
+            </a:extLst>
+          </a:blip>
+          <a:stretch>
+            <a:fillRect/>
+          </a:stretch>
+        </p:blipFill>
+        <p:spPr>
+          <a:xfrm>
+            <a:off x="9111716" y="4243845"/>
+            <a:ext cx="3077108" cy="276940"/>
+          </a:xfrm>
+          <a:prstGeom prst="rect">
+            <a:avLst/>
+          </a:prstGeom>
+        </p:spPr>
+      </p:pic>
+      <p:sp>
+        <p:nvSpPr>
+          <p:cNvPr id="31" name="Rectangle 30">
+            <a:extLst>
+              <a:ext uri="{FF2B5EF4-FFF2-40B4-BE49-F238E27FC236}">
+                <a16:creationId xmlns:a16="http://schemas.microsoft.com/office/drawing/2014/main" id="{A3C6F7F0-46EA-4F8E-A112-1B517C2B5A00}"/>
+              </a:ext>
+              <a:ext uri="{C183D7F6-B498-43B3-948B-1728B52AA6E4}">
+                <adec:decorative xmlns:adec="http://schemas.microsoft.com/office/drawing/2017/decorative" val="1"/>
+              </a:ext>
+            </a:extLst>
+          </p:cNvPr>
+          <p:cNvSpPr>
+            <a:spLocks noGrp="1" noRot="1" noChangeAspect="1" noMove="1" noResize="1" noEditPoints="1" noAdjustHandles="1" noChangeArrowheads="1" noChangeShapeType="1" noTextEdit="1"/>
+          </p:cNvSpPr>
+          <p:nvPr>
+            <p:extLst>
+              <p:ext uri="{386F3935-93C4-4BCD-93E2-E3B085C9AB24}">
+                <p16:designElem xmlns:p16="http://schemas.microsoft.com/office/powerpoint/2015/main" val="1"/>
+              </p:ext>
+            </p:extLst>
+          </p:nvPr>
+        </p:nvSpPr>
+        <p:spPr>
+          <a:xfrm>
+            <a:off x="0" y="2590078"/>
+            <a:ext cx="8968085" cy="1660332"/>
+          </a:xfrm>
+          <a:prstGeom prst="rect">
+            <a:avLst/>
+          </a:prstGeom>
+          <a:solidFill>
+            <a:schemeClr val="bg1">
+              <a:lumMod val="85000"/>
+              <a:lumOff val="15000"/>
+            </a:schemeClr>
+          </a:solidFill>
+          <a:ln>
+            <a:noFill/>
+          </a:ln>
+        </p:spPr>
+        <p:style>
+          <a:lnRef idx="2">
+            <a:schemeClr val="accent1">
+              <a:shade val="50000"/>
+            </a:schemeClr>
+          </a:lnRef>
+          <a:fillRef idx="1">
+            <a:schemeClr val="accent1"/>
+          </a:fillRef>
+          <a:effectRef idx="0">
+            <a:schemeClr val="accent1"/>
+          </a:effectRef>
+          <a:fontRef idx="minor">
+            <a:schemeClr val="lt1"/>
+          </a:fontRef>
+        </p:style>
+      </p:sp>
+      <p:sp>
+        <p:nvSpPr>
+          <p:cNvPr id="33" name="Rectangle 32">
+            <a:extLst>
+              <a:ext uri="{FF2B5EF4-FFF2-40B4-BE49-F238E27FC236}">
+                <a16:creationId xmlns:a16="http://schemas.microsoft.com/office/drawing/2014/main" id="{1691A3CC-CDA1-4C3B-9150-FCFB5373D82B}"/>
+              </a:ext>
+              <a:ext uri="{C183D7F6-B498-43B3-948B-1728B52AA6E4}">
+                <adec:decorative xmlns:adec="http://schemas.microsoft.com/office/drawing/2017/decorative" val="1"/>
+              </a:ext>
+            </a:extLst>
+          </p:cNvPr>
+          <p:cNvSpPr>
+            <a:spLocks noGrp="1" noRot="1" noChangeAspect="1" noMove="1" noResize="1" noEditPoints="1" noAdjustHandles="1" noChangeArrowheads="1" noChangeShapeType="1" noTextEdit="1"/>
+          </p:cNvSpPr>
+          <p:nvPr>
+            <p:extLst>
+              <p:ext uri="{386F3935-93C4-4BCD-93E2-E3B085C9AB24}">
+                <p16:designElem xmlns:p16="http://schemas.microsoft.com/office/powerpoint/2015/main" val="1"/>
+              </p:ext>
+            </p:extLst>
+          </p:nvPr>
+        </p:nvSpPr>
+        <p:spPr>
+          <a:xfrm>
+            <a:off x="9111715" y="2590078"/>
+            <a:ext cx="3077109" cy="1660332"/>
+          </a:xfrm>
+          <a:prstGeom prst="rect">
+            <a:avLst/>
+          </a:prstGeom>
+          <a:solidFill>
+            <a:schemeClr val="accent1"/>
+          </a:solidFill>
+          <a:ln>
+            <a:noFill/>
+          </a:ln>
+        </p:spPr>
+        <p:style>
+          <a:lnRef idx="2">
+            <a:schemeClr val="accent1">
+              <a:shade val="50000"/>
+            </a:schemeClr>
+          </a:lnRef>
+          <a:fillRef idx="1">
+            <a:schemeClr val="accent1"/>
+          </a:fillRef>
+          <a:effectRef idx="0">
+            <a:schemeClr val="accent1"/>
+          </a:effectRef>
+          <a:fontRef idx="minor">
+            <a:schemeClr val="lt1"/>
+          </a:fontRef>
+        </p:style>
+      </p:sp>
+      <p:pic>
+        <p:nvPicPr>
+          <p:cNvPr id="5" name="Content Placeholder 4" descr="A screenshot of a cell phone&#10;&#10;Description automatically generated">
+            <a:extLst>
+              <a:ext uri="{FF2B5EF4-FFF2-40B4-BE49-F238E27FC236}">
+                <a16:creationId xmlns:a16="http://schemas.microsoft.com/office/drawing/2014/main" id="{44BA6F90-4C9D-4A7A-824A-3D8FAA553757}"/>
+              </a:ext>
+            </a:extLst>
+          </p:cNvPr>
+          <p:cNvPicPr>
+            <a:picLocks noChangeAspect="1"/>
+          </p:cNvPicPr>
+          <p:nvPr/>
+        </p:nvPicPr>
+        <p:blipFill rotWithShape="1">
+          <a:blip r:embed="rId5"/>
+          <a:srcRect r="8039"/>
+          <a:stretch/>
+        </p:blipFill>
+        <p:spPr>
+          <a:xfrm>
+            <a:off x="4644526" y="10"/>
+            <a:ext cx="7552945" cy="6857990"/>
+          </a:xfrm>
+          <a:prstGeom prst="rect">
+            <a:avLst/>
+          </a:prstGeom>
+          <a:ln>
+            <a:noFill/>
+          </a:ln>
+          <a:effectLst/>
+        </p:spPr>
+      </p:pic>
+      <p:pic>
+        <p:nvPicPr>
+          <p:cNvPr id="35" name="Picture 34">
+            <a:extLst>
+              <a:ext uri="{FF2B5EF4-FFF2-40B4-BE49-F238E27FC236}">
+                <a16:creationId xmlns:a16="http://schemas.microsoft.com/office/drawing/2014/main" id="{25D611BD-13D6-4754-93F1-8ABAB8116923}"/>
+              </a:ext>
+              <a:ext uri="{C183D7F6-B498-43B3-948B-1728B52AA6E4}">
+                <adec:decorative xmlns:adec="http://schemas.microsoft.com/office/drawing/2017/decorative" val="1"/>
+              </a:ext>
+            </a:extLst>
+          </p:cNvPr>
+          <p:cNvPicPr>
+            <a:picLocks noGrp="1" noRot="1" noChangeAspect="1" noMove="1" noResize="1" noEditPoints="1" noAdjustHandles="1" noChangeArrowheads="1" noChangeShapeType="1" noCrop="1"/>
+          </p:cNvPicPr>
+          <p:nvPr>
+            <p:extLst>
+              <p:ext uri="{386F3935-93C4-4BCD-93E2-E3B085C9AB24}">
+                <p16:designElem xmlns:p16="http://schemas.microsoft.com/office/powerpoint/2015/main" val="1"/>
+              </p:ext>
+            </p:extLst>
+          </p:nvPr>
+        </p:nvPicPr>
+        <p:blipFill>
+          <a:blip r:embed="rId3" cstate="print">
+            <a:extLst>
+              <a:ext uri="{28A0092B-C50C-407E-A947-70E740481C1C}">
+                <a14:useLocalDpi xmlns:a14="http://schemas.microsoft.com/office/drawing/2010/main" val="0"/>
+              </a:ext>
+            </a:extLst>
+          </a:blip>
+          <a:stretch>
+            <a:fillRect/>
+          </a:stretch>
+        </p:blipFill>
+        <p:spPr>
+          <a:xfrm>
+            <a:off x="1" y="5006045"/>
+            <a:ext cx="4965192" cy="144049"/>
+          </a:xfrm>
+          <a:prstGeom prst="rect">
+            <a:avLst/>
+          </a:prstGeom>
+        </p:spPr>
+      </p:pic>
+      <p:sp>
+        <p:nvSpPr>
+          <p:cNvPr id="37" name="Rectangle 36">
+            <a:extLst>
+              <a:ext uri="{FF2B5EF4-FFF2-40B4-BE49-F238E27FC236}">
+                <a16:creationId xmlns:a16="http://schemas.microsoft.com/office/drawing/2014/main" id="{D1564798-5942-49A9-89E9-7BF6D023920E}"/>
+              </a:ext>
+              <a:ext uri="{C183D7F6-B498-43B3-948B-1728B52AA6E4}">
+                <adec:decorative xmlns:adec="http://schemas.microsoft.com/office/drawing/2017/decorative" val="1"/>
+              </a:ext>
+            </a:extLst>
+          </p:cNvPr>
+          <p:cNvSpPr>
+            <a:spLocks noGrp="1" noRot="1" noChangeAspect="1" noMove="1" noResize="1" noEditPoints="1" noAdjustHandles="1" noChangeArrowheads="1" noChangeShapeType="1" noTextEdit="1"/>
+          </p:cNvSpPr>
+          <p:nvPr>
+            <p:extLst>
+              <p:ext uri="{386F3935-93C4-4BCD-93E2-E3B085C9AB24}">
+                <p16:designElem xmlns:p16="http://schemas.microsoft.com/office/powerpoint/2015/main" val="1"/>
+              </p:ext>
+            </p:extLst>
+          </p:nvPr>
+        </p:nvSpPr>
+        <p:spPr>
+          <a:xfrm>
+            <a:off x="-1" y="1838764"/>
+            <a:ext cx="4964567" cy="3180473"/>
+          </a:xfrm>
+          <a:prstGeom prst="rect">
+            <a:avLst/>
+          </a:prstGeom>
+          <a:solidFill>
+            <a:schemeClr val="bg1">
+              <a:lumMod val="85000"/>
+              <a:lumOff val="15000"/>
+            </a:schemeClr>
+          </a:solidFill>
+          <a:ln>
+            <a:noFill/>
+          </a:ln>
+        </p:spPr>
+        <p:style>
+          <a:lnRef idx="2">
+            <a:schemeClr val="accent1">
+              <a:shade val="50000"/>
+            </a:schemeClr>
+          </a:lnRef>
+          <a:fillRef idx="1">
+            <a:schemeClr val="accent1"/>
+          </a:fillRef>
+          <a:effectRef idx="0">
+            <a:schemeClr val="accent1"/>
+          </a:effectRef>
+          <a:fontRef idx="minor">
+            <a:schemeClr val="lt1"/>
+          </a:fontRef>
+        </p:style>
+      </p:sp>
+      <p:sp>
+        <p:nvSpPr>
+          <p:cNvPr id="2" name="Title 1">
+            <a:extLst>
+              <a:ext uri="{FF2B5EF4-FFF2-40B4-BE49-F238E27FC236}">
+                <a16:creationId xmlns:a16="http://schemas.microsoft.com/office/drawing/2014/main" id="{DDB2533A-61BA-4801-9E80-07B7011B9C17}"/>
+              </a:ext>
+            </a:extLst>
+          </p:cNvPr>
+          <p:cNvSpPr>
+            <a:spLocks noGrp="1"/>
+          </p:cNvSpPr>
+          <p:nvPr>
+            <p:ph type="title"/>
+          </p:nvPr>
+        </p:nvSpPr>
+        <p:spPr>
+          <a:xfrm>
+            <a:off x="680322" y="2063262"/>
+            <a:ext cx="3739278" cy="2661138"/>
+          </a:xfrm>
+        </p:spPr>
+        <p:txBody>
+          <a:bodyPr vert="horz" lIns="91440" tIns="45720" rIns="91440" bIns="45720" rtlCol="0" anchor="b">
+            <a:normAutofit/>
+          </a:bodyPr>
+          <a:lstStyle/>
+          <a:p>
+            <a:pPr algn="r"/>
+            <a:r>
+              <a:rPr lang="en-US" sz="5400"/>
+              <a:t>CloudRTOS Thread</a:t>
+            </a:r>
+          </a:p>
+        </p:txBody>
+      </p:sp>
+    </p:spTree>
+    <p:extLst>
+      <p:ext uri="{BB962C8B-B14F-4D97-AF65-F5344CB8AC3E}">
+        <p14:creationId xmlns:p14="http://schemas.microsoft.com/office/powerpoint/2010/main" val="1828281025"/>
+      </p:ext>
+    </p:extLst>
+  </p:cSld>
+  <p:clrMapOvr>
+    <a:masterClrMapping/>
+  </p:clrMapOvr>
+</p:sld>
+</file>
+
+<file path=ppt/slides/slide25.xml><?xml version="1.0" encoding="utf-8"?>
 <p:sld xmlns:a="http://schemas.openxmlformats.org/drawingml/2006/main" xmlns:r="http://schemas.openxmlformats.org/officeDocument/2006/relationships" xmlns:p="http://schemas.openxmlformats.org/presentationml/2006/main">
   <p:cSld>
     <p:bg>

--- a/projectsTP4/PPT/Control de Acceso + RTOS + CLOUD.pptx
+++ b/projectsTP4/PPT/Control de Acceso + RTOS + CLOUD.pptx
@@ -11,25 +11,26 @@
     <p:sldId id="277" r:id="rId5"/>
     <p:sldId id="276" r:id="rId6"/>
     <p:sldId id="279" r:id="rId7"/>
-    <p:sldId id="258" r:id="rId8"/>
-    <p:sldId id="257" r:id="rId9"/>
-    <p:sldId id="262" r:id="rId10"/>
-    <p:sldId id="259" r:id="rId11"/>
-    <p:sldId id="268" r:id="rId12"/>
-    <p:sldId id="269" r:id="rId13"/>
-    <p:sldId id="270" r:id="rId14"/>
-    <p:sldId id="260" r:id="rId15"/>
-    <p:sldId id="273" r:id="rId16"/>
-    <p:sldId id="272" r:id="rId17"/>
-    <p:sldId id="261" r:id="rId18"/>
-    <p:sldId id="263" r:id="rId19"/>
-    <p:sldId id="264" r:id="rId20"/>
-    <p:sldId id="265" r:id="rId21"/>
-    <p:sldId id="267" r:id="rId22"/>
-    <p:sldId id="278" r:id="rId23"/>
-    <p:sldId id="280" r:id="rId24"/>
-    <p:sldId id="281" r:id="rId25"/>
-    <p:sldId id="266" r:id="rId26"/>
+    <p:sldId id="282" r:id="rId8"/>
+    <p:sldId id="258" r:id="rId9"/>
+    <p:sldId id="257" r:id="rId10"/>
+    <p:sldId id="262" r:id="rId11"/>
+    <p:sldId id="259" r:id="rId12"/>
+    <p:sldId id="268" r:id="rId13"/>
+    <p:sldId id="269" r:id="rId14"/>
+    <p:sldId id="270" r:id="rId15"/>
+    <p:sldId id="260" r:id="rId16"/>
+    <p:sldId id="273" r:id="rId17"/>
+    <p:sldId id="272" r:id="rId18"/>
+    <p:sldId id="261" r:id="rId19"/>
+    <p:sldId id="263" r:id="rId20"/>
+    <p:sldId id="264" r:id="rId21"/>
+    <p:sldId id="265" r:id="rId22"/>
+    <p:sldId id="267" r:id="rId23"/>
+    <p:sldId id="278" r:id="rId24"/>
+    <p:sldId id="280" r:id="rId25"/>
+    <p:sldId id="281" r:id="rId26"/>
+    <p:sldId id="266" r:id="rId27"/>
   </p:sldIdLst>
   <p:sldSz cx="12192000" cy="6858000"/>
   <p:notesSz cx="6858000" cy="9144000"/>
@@ -139,6 +140,7 @@
             <p14:sldId id="277"/>
             <p14:sldId id="276"/>
             <p14:sldId id="279"/>
+            <p14:sldId id="282"/>
             <p14:sldId id="258"/>
             <p14:sldId id="257"/>
             <p14:sldId id="262"/>
@@ -20112,7 +20114,7 @@
           <a:p>
             <a:fld id="{78ABE3C1-DBE1-495D-B57B-2849774B866A}" type="datetimeFigureOut">
               <a:rPr lang="en-US" dirty="0"/>
-              <a:t>29/11/2019</a:t>
+              <a:t>11/29/2019</a:t>
             </a:fld>
             <a:endParaRPr lang="en-US" dirty="0"/>
           </a:p>
@@ -20159,7 +20161,7 @@
           <a:p>
             <a:fld id="{6D22F896-40B5-4ADD-8801-0D06FADFA095}" type="slidenum">
               <a:rPr lang="en-US" dirty="0"/>
-              <a:t>‹#›</a:t>
+              <a:t>‹Nº›</a:t>
             </a:fld>
             <a:endParaRPr lang="en-US" dirty="0"/>
           </a:p>
@@ -20521,7 +20523,7 @@
           <a:p>
             <a:fld id="{446C117F-5CCF-4837-BE5F-2B92066CAFAF}" type="datetimeFigureOut">
               <a:rPr lang="en-US" dirty="0"/>
-              <a:t>29/11/2019</a:t>
+              <a:t>11/29/2019</a:t>
             </a:fld>
             <a:endParaRPr lang="en-US" dirty="0"/>
           </a:p>
@@ -20568,7 +20570,7 @@
           <a:p>
             <a:fld id="{6D22F896-40B5-4ADD-8801-0D06FADFA095}" type="slidenum">
               <a:rPr lang="en-US" dirty="0"/>
-              <a:t>‹#›</a:t>
+              <a:t>‹Nº›</a:t>
             </a:fld>
             <a:endParaRPr lang="en-US" dirty="0"/>
           </a:p>
@@ -20852,7 +20854,7 @@
           <a:p>
             <a:fld id="{84EB90BD-B6CE-46B7-997F-7313B992CCDC}" type="datetimeFigureOut">
               <a:rPr lang="en-US" dirty="0"/>
-              <a:t>29/11/2019</a:t>
+              <a:t>11/29/2019</a:t>
             </a:fld>
             <a:endParaRPr lang="en-US" dirty="0"/>
           </a:p>
@@ -20899,7 +20901,7 @@
           <a:p>
             <a:fld id="{6D22F896-40B5-4ADD-8801-0D06FADFA095}" type="slidenum">
               <a:rPr lang="en-US" dirty="0"/>
-              <a:t>‹#›</a:t>
+              <a:t>‹Nº›</a:t>
             </a:fld>
             <a:endParaRPr lang="en-US" dirty="0"/>
           </a:p>
@@ -21252,7 +21254,7 @@
           <a:p>
             <a:fld id="{CDB9D11F-B188-461D-B23F-39381795C052}" type="datetimeFigureOut">
               <a:rPr lang="en-US" dirty="0"/>
-              <a:t>29/11/2019</a:t>
+              <a:t>11/29/2019</a:t>
             </a:fld>
             <a:endParaRPr lang="en-US" dirty="0"/>
           </a:p>
@@ -21299,7 +21301,7 @@
           <a:p>
             <a:fld id="{6D22F896-40B5-4ADD-8801-0D06FADFA095}" type="slidenum">
               <a:rPr lang="en-US" dirty="0"/>
-              <a:t>‹#›</a:t>
+              <a:t>‹Nº›</a:t>
             </a:fld>
             <a:endParaRPr lang="en-US" dirty="0"/>
           </a:p>
@@ -21815,7 +21817,7 @@
           <a:p>
             <a:fld id="{52E6D8D9-55A2-4063-B0F3-121F44549695}" type="datetimeFigureOut">
               <a:rPr lang="en-US" dirty="0"/>
-              <a:t>29/11/2019</a:t>
+              <a:t>11/29/2019</a:t>
             </a:fld>
             <a:endParaRPr lang="en-US" dirty="0"/>
           </a:p>
@@ -21862,7 +21864,7 @@
           <a:p>
             <a:fld id="{6D22F896-40B5-4ADD-8801-0D06FADFA095}" type="slidenum">
               <a:rPr lang="en-US" dirty="0"/>
-              <a:t>‹#›</a:t>
+              <a:t>‹Nº›</a:t>
             </a:fld>
             <a:endParaRPr lang="en-US" dirty="0"/>
           </a:p>
@@ -22491,7 +22493,7 @@
           <a:p>
             <a:fld id="{D4B24536-994D-4021-A283-9F449C0DB509}" type="datetimeFigureOut">
               <a:rPr lang="en-US" dirty="0"/>
-              <a:t>29/11/2019</a:t>
+              <a:t>11/29/2019</a:t>
             </a:fld>
             <a:endParaRPr lang="en-US" dirty="0"/>
           </a:p>
@@ -22533,7 +22535,7 @@
           <a:p>
             <a:fld id="{6D22F896-40B5-4ADD-8801-0D06FADFA095}" type="slidenum">
               <a:rPr lang="en-US" dirty="0"/>
-              <a:t>‹#›</a:t>
+              <a:t>‹Nº›</a:t>
             </a:fld>
             <a:endParaRPr lang="en-US" dirty="0"/>
           </a:p>
@@ -23399,7 +23401,7 @@
           <a:p>
             <a:fld id="{3CBBBB78-C96F-47B7-AB17-D852CA960AC9}" type="datetimeFigureOut">
               <a:rPr lang="en-US" dirty="0"/>
-              <a:t>29/11/2019</a:t>
+              <a:t>11/29/2019</a:t>
             </a:fld>
             <a:endParaRPr lang="en-US" dirty="0"/>
           </a:p>
@@ -23441,7 +23443,7 @@
           <a:p>
             <a:fld id="{6D22F896-40B5-4ADD-8801-0D06FADFA095}" type="slidenum">
               <a:rPr lang="en-US" dirty="0"/>
-              <a:t>‹#›</a:t>
+              <a:t>‹Nº›</a:t>
             </a:fld>
             <a:endParaRPr lang="en-US" dirty="0"/>
           </a:p>
@@ -23707,7 +23709,7 @@
           <a:p>
             <a:fld id="{1FA3F48C-C7C6-4055-9F49-3777875E72AE}" type="datetimeFigureOut">
               <a:rPr lang="en-US" dirty="0"/>
-              <a:t>29/11/2019</a:t>
+              <a:t>11/29/2019</a:t>
             </a:fld>
             <a:endParaRPr lang="en-US" dirty="0"/>
           </a:p>
@@ -23749,7 +23751,7 @@
           <a:p>
             <a:fld id="{6D22F896-40B5-4ADD-8801-0D06FADFA095}" type="slidenum">
               <a:rPr lang="en-US" dirty="0"/>
-              <a:t>‹#›</a:t>
+              <a:t>‹Nº›</a:t>
             </a:fld>
             <a:endParaRPr lang="en-US" dirty="0"/>
           </a:p>
@@ -23966,7 +23968,7 @@
           <a:p>
             <a:fld id="{6178E61D-D431-422C-9764-11DAFE33AB63}" type="datetimeFigureOut">
               <a:rPr lang="en-US" dirty="0"/>
-              <a:t>29/11/2019</a:t>
+              <a:t>11/29/2019</a:t>
             </a:fld>
             <a:endParaRPr lang="en-US" dirty="0"/>
           </a:p>
@@ -24023,7 +24025,7 @@
             <a:fld id="{6D22F896-40B5-4ADD-8801-0D06FADFA095}" type="slidenum">
               <a:rPr lang="en-US" dirty="0"/>
               <a:pPr/>
-              <a:t>‹#›</a:t>
+              <a:t>‹Nº›</a:t>
             </a:fld>
             <a:endParaRPr lang="en-US" dirty="0"/>
           </a:p>
@@ -24285,7 +24287,7 @@
           <a:p>
             <a:fld id="{12DE42F4-6EEF-4EF7-8ED4-2208F0F89A08}" type="datetimeFigureOut">
               <a:rPr lang="en-US" dirty="0"/>
-              <a:t>29/11/2019</a:t>
+              <a:t>11/29/2019</a:t>
             </a:fld>
             <a:endParaRPr lang="en-US" dirty="0"/>
           </a:p>
@@ -24327,7 +24329,7 @@
           <a:p>
             <a:fld id="{6D22F896-40B5-4ADD-8801-0D06FADFA095}" type="slidenum">
               <a:rPr lang="en-US" dirty="0"/>
-              <a:t>‹#›</a:t>
+              <a:t>‹Nº›</a:t>
             </a:fld>
             <a:endParaRPr lang="en-US" dirty="0"/>
           </a:p>
@@ -24669,7 +24671,7 @@
           <a:p>
             <a:fld id="{30578ACC-22D6-47C1-A373-4FD133E34F3C}" type="datetimeFigureOut">
               <a:rPr lang="en-US" dirty="0"/>
-              <a:t>29/11/2019</a:t>
+              <a:t>11/29/2019</a:t>
             </a:fld>
             <a:endParaRPr lang="en-US" dirty="0"/>
           </a:p>
@@ -24716,7 +24718,7 @@
           <a:p>
             <a:fld id="{6D22F896-40B5-4ADD-8801-0D06FADFA095}" type="slidenum">
               <a:rPr lang="en-US" dirty="0"/>
-              <a:t>‹#›</a:t>
+              <a:t>‹Nº›</a:t>
             </a:fld>
             <a:endParaRPr lang="en-US" dirty="0"/>
           </a:p>
@@ -25040,7 +25042,7 @@
           <a:p>
             <a:fld id="{4E5A6C69-6797-4E8A-BF37-F2C3751466E9}" type="datetimeFigureOut">
               <a:rPr lang="en-US" dirty="0"/>
-              <a:t>29/11/2019</a:t>
+              <a:t>11/29/2019</a:t>
             </a:fld>
             <a:endParaRPr lang="en-US" dirty="0"/>
           </a:p>
@@ -25082,7 +25084,7 @@
           <a:p>
             <a:fld id="{6D22F896-40B5-4ADD-8801-0D06FADFA095}" type="slidenum">
               <a:rPr lang="en-US" dirty="0"/>
-              <a:t>‹#›</a:t>
+              <a:t>‹Nº›</a:t>
             </a:fld>
             <a:endParaRPr lang="en-US" dirty="0"/>
           </a:p>
@@ -25541,7 +25543,7 @@
           <a:p>
             <a:fld id="{D82014A1-A632-4878-A0D3-F52BA7563730}" type="datetimeFigureOut">
               <a:rPr lang="en-US" dirty="0"/>
-              <a:t>29/11/2019</a:t>
+              <a:t>11/29/2019</a:t>
             </a:fld>
             <a:endParaRPr lang="en-US" dirty="0"/>
           </a:p>
@@ -25583,7 +25585,7 @@
           <a:p>
             <a:fld id="{6D22F896-40B5-4ADD-8801-0D06FADFA095}" type="slidenum">
               <a:rPr lang="en-US" dirty="0"/>
-              <a:t>‹#›</a:t>
+              <a:t>‹Nº›</a:t>
             </a:fld>
             <a:endParaRPr lang="en-US" dirty="0"/>
           </a:p>
@@ -25793,7 +25795,7 @@
           <a:p>
             <a:fld id="{CE99F462-093F-4566-844B-4C71F2739DA5}" type="datetimeFigureOut">
               <a:rPr lang="en-US" dirty="0"/>
-              <a:t>29/11/2019</a:t>
+              <a:t>11/29/2019</a:t>
             </a:fld>
             <a:endParaRPr lang="en-US" dirty="0"/>
           </a:p>
@@ -25835,7 +25837,7 @@
           <a:p>
             <a:fld id="{6D22F896-40B5-4ADD-8801-0D06FADFA095}" type="slidenum">
               <a:rPr lang="en-US" dirty="0"/>
-              <a:t>‹#›</a:t>
+              <a:t>‹Nº›</a:t>
             </a:fld>
             <a:endParaRPr lang="en-US" dirty="0"/>
           </a:p>
@@ -25951,7 +25953,7 @@
           <a:p>
             <a:fld id="{3D24A7AC-904D-4781-85BA-7D10C17ED021}" type="datetimeFigureOut">
               <a:rPr lang="en-US" dirty="0"/>
-              <a:t>29/11/2019</a:t>
+              <a:t>11/29/2019</a:t>
             </a:fld>
             <a:endParaRPr lang="en-US" dirty="0"/>
           </a:p>
@@ -25993,7 +25995,7 @@
           <a:p>
             <a:fld id="{6D22F896-40B5-4ADD-8801-0D06FADFA095}" type="slidenum">
               <a:rPr lang="en-US" dirty="0"/>
-              <a:t>‹#›</a:t>
+              <a:t>‹Nº›</a:t>
             </a:fld>
             <a:endParaRPr lang="en-US" dirty="0"/>
           </a:p>
@@ -26336,7 +26338,7 @@
           <a:p>
             <a:fld id="{E331444B-B92B-4E27-8C94-BB93EAF5CB18}" type="datetimeFigureOut">
               <a:rPr lang="en-US" dirty="0"/>
-              <a:t>29/11/2019</a:t>
+              <a:t>11/29/2019</a:t>
             </a:fld>
             <a:endParaRPr lang="en-US" dirty="0"/>
           </a:p>
@@ -26378,7 +26380,7 @@
           <a:p>
             <a:fld id="{6D22F896-40B5-4ADD-8801-0D06FADFA095}" type="slidenum">
               <a:rPr lang="en-US" dirty="0"/>
-              <a:t>‹#›</a:t>
+              <a:t>‹Nº›</a:t>
             </a:fld>
             <a:endParaRPr lang="en-US" dirty="0"/>
           </a:p>
@@ -26740,7 +26742,7 @@
           <a:p>
             <a:fld id="{363EFA5E-FA76-400D-B3DC-F0BA90E6D107}" type="datetimeFigureOut">
               <a:rPr lang="en-US" dirty="0"/>
-              <a:t>29/11/2019</a:t>
+              <a:t>11/29/2019</a:t>
             </a:fld>
             <a:endParaRPr lang="en-US" dirty="0"/>
           </a:p>
@@ -26782,7 +26784,7 @@
           <a:p>
             <a:fld id="{6D22F896-40B5-4ADD-8801-0D06FADFA095}" type="slidenum">
               <a:rPr lang="en-US" dirty="0"/>
-              <a:t>‹#›</a:t>
+              <a:t>‹Nº›</a:t>
             </a:fld>
             <a:endParaRPr lang="en-US" dirty="0"/>
           </a:p>
@@ -26979,7 +26981,7 @@
           <a:p>
             <a:fld id="{9D6E9DEC-419B-4CC5-A080-3B06BD5A8291}" type="datetimeFigureOut">
               <a:rPr lang="en-US" dirty="0"/>
-              <a:t>29/11/2019</a:t>
+              <a:t>11/29/2019</a:t>
             </a:fld>
             <a:endParaRPr lang="en-US" dirty="0"/>
           </a:p>
@@ -27058,7 +27060,7 @@
             <a:fld id="{6D22F896-40B5-4ADD-8801-0D06FADFA095}" type="slidenum">
               <a:rPr lang="en-US" dirty="0"/>
               <a:pPr/>
-              <a:t>‹#›</a:t>
+              <a:t>‹Nº›</a:t>
             </a:fld>
             <a:endParaRPr lang="en-US" dirty="0"/>
           </a:p>
@@ -27524,6 +27526,94 @@
           <p:cNvPr id="2" name="Título 1">
             <a:extLst>
               <a:ext uri="{FF2B5EF4-FFF2-40B4-BE49-F238E27FC236}">
+                <a16:creationId xmlns:a16="http://schemas.microsoft.com/office/drawing/2014/main" id="{37D5BD20-2C43-42C0-B780-C25DE3299815}"/>
+              </a:ext>
+            </a:extLst>
+          </p:cNvPr>
+          <p:cNvSpPr>
+            <a:spLocks noGrp="1"/>
+          </p:cNvSpPr>
+          <p:nvPr>
+            <p:ph type="title"/>
+          </p:nvPr>
+        </p:nvSpPr>
+        <p:spPr/>
+        <p:txBody>
+          <a:bodyPr/>
+          <a:lstStyle/>
+          <a:p>
+            <a:r>
+              <a:rPr lang="es-AR" dirty="0"/>
+              <a:t>“Main program” - Aplicación</a:t>
+            </a:r>
+          </a:p>
+        </p:txBody>
+      </p:sp>
+      <p:pic>
+        <p:nvPicPr>
+          <p:cNvPr id="4" name="Imagen 3" descr="Imagen que contiene captura de pantalla&#10;&#10;Descripción generada automáticamente">
+            <a:extLst>
+              <a:ext uri="{FF2B5EF4-FFF2-40B4-BE49-F238E27FC236}">
+                <a16:creationId xmlns:a16="http://schemas.microsoft.com/office/drawing/2014/main" id="{79783A38-9C69-409E-8DA3-70AD472556D3}"/>
+              </a:ext>
+            </a:extLst>
+          </p:cNvPr>
+          <p:cNvPicPr>
+            <a:picLocks noChangeAspect="1"/>
+          </p:cNvPicPr>
+          <p:nvPr/>
+        </p:nvPicPr>
+        <p:blipFill>
+          <a:blip r:embed="rId2"/>
+          <a:stretch>
+            <a:fillRect/>
+          </a:stretch>
+        </p:blipFill>
+        <p:spPr>
+          <a:xfrm>
+            <a:off x="868582" y="1977604"/>
+            <a:ext cx="9425600" cy="4883157"/>
+          </a:xfrm>
+          <a:prstGeom prst="rect">
+            <a:avLst/>
+          </a:prstGeom>
+        </p:spPr>
+      </p:pic>
+    </p:spTree>
+    <p:extLst>
+      <p:ext uri="{BB962C8B-B14F-4D97-AF65-F5344CB8AC3E}">
+        <p14:creationId xmlns:p14="http://schemas.microsoft.com/office/powerpoint/2010/main" val="548131117"/>
+      </p:ext>
+    </p:extLst>
+  </p:cSld>
+  <p:clrMapOvr>
+    <a:masterClrMapping/>
+  </p:clrMapOvr>
+</p:sld>
+</file>
+
+<file path=ppt/slides/slide11.xml><?xml version="1.0" encoding="utf-8"?>
+<p:sld xmlns:a="http://schemas.openxmlformats.org/drawingml/2006/main" xmlns:r="http://schemas.openxmlformats.org/officeDocument/2006/relationships" xmlns:p="http://schemas.openxmlformats.org/presentationml/2006/main">
+  <p:cSld>
+    <p:spTree>
+      <p:nvGrpSpPr>
+        <p:cNvPr id="1" name=""/>
+        <p:cNvGrpSpPr/>
+        <p:nvPr/>
+      </p:nvGrpSpPr>
+      <p:grpSpPr>
+        <a:xfrm>
+          <a:off x="0" y="0"/>
+          <a:ext cx="0" cy="0"/>
+          <a:chOff x="0" y="0"/>
+          <a:chExt cx="0" cy="0"/>
+        </a:xfrm>
+      </p:grpSpPr>
+      <p:sp>
+        <p:nvSpPr>
+          <p:cNvPr id="2" name="Título 1">
+            <a:extLst>
+              <a:ext uri="{FF2B5EF4-FFF2-40B4-BE49-F238E27FC236}">
                 <a16:creationId xmlns:a16="http://schemas.microsoft.com/office/drawing/2014/main" id="{A5CD2E74-C930-40CC-A742-CE7EA3DA9828}"/>
               </a:ext>
             </a:extLst>
@@ -27868,7 +27958,7 @@
 </p:sld>
 </file>
 
-<file path=ppt/slides/slide11.xml><?xml version="1.0" encoding="utf-8"?>
+<file path=ppt/slides/slide12.xml><?xml version="1.0" encoding="utf-8"?>
 <p:sld xmlns:a="http://schemas.openxmlformats.org/drawingml/2006/main" xmlns:r="http://schemas.openxmlformats.org/officeDocument/2006/relationships" xmlns:p="http://schemas.openxmlformats.org/presentationml/2006/main">
   <p:cSld>
     <p:spTree>
@@ -27951,7 +28041,7 @@
 </p:sld>
 </file>
 
-<file path=ppt/slides/slide12.xml><?xml version="1.0" encoding="utf-8"?>
+<file path=ppt/slides/slide13.xml><?xml version="1.0" encoding="utf-8"?>
 <p:sld xmlns:a="http://schemas.openxmlformats.org/drawingml/2006/main" xmlns:r="http://schemas.openxmlformats.org/officeDocument/2006/relationships" xmlns:p="http://schemas.openxmlformats.org/presentationml/2006/main">
   <p:cSld>
     <p:spTree>
@@ -28223,7 +28313,7 @@
 </p:sld>
 </file>
 
-<file path=ppt/slides/slide13.xml><?xml version="1.0" encoding="utf-8"?>
+<file path=ppt/slides/slide14.xml><?xml version="1.0" encoding="utf-8"?>
 <p:sld xmlns:a="http://schemas.openxmlformats.org/drawingml/2006/main" xmlns:r="http://schemas.openxmlformats.org/officeDocument/2006/relationships" xmlns:p="http://schemas.openxmlformats.org/presentationml/2006/main">
   <p:cSld>
     <p:spTree>
@@ -28553,7 +28643,7 @@
 </p:sld>
 </file>
 
-<file path=ppt/slides/slide14.xml><?xml version="1.0" encoding="utf-8"?>
+<file path=ppt/slides/slide15.xml><?xml version="1.0" encoding="utf-8"?>
 <p:sld xmlns:a="http://schemas.openxmlformats.org/drawingml/2006/main" xmlns:r="http://schemas.openxmlformats.org/officeDocument/2006/relationships" xmlns:p="http://schemas.openxmlformats.org/presentationml/2006/main">
   <p:cSld>
     <p:spTree>
@@ -28968,7 +29058,7 @@
 </p:sld>
 </file>
 
-<file path=ppt/slides/slide15.xml><?xml version="1.0" encoding="utf-8"?>
+<file path=ppt/slides/slide16.xml><?xml version="1.0" encoding="utf-8"?>
 <p:sld xmlns:a="http://schemas.openxmlformats.org/drawingml/2006/main" xmlns:r="http://schemas.openxmlformats.org/officeDocument/2006/relationships" xmlns:p="http://schemas.openxmlformats.org/presentationml/2006/main">
   <p:cSld>
     <p:spTree>
@@ -29066,7 +29156,7 @@
 </p:sld>
 </file>
 
-<file path=ppt/slides/slide16.xml><?xml version="1.0" encoding="utf-8"?>
+<file path=ppt/slides/slide17.xml><?xml version="1.0" encoding="utf-8"?>
 <p:sld xmlns:a="http://schemas.openxmlformats.org/drawingml/2006/main" xmlns:r="http://schemas.openxmlformats.org/officeDocument/2006/relationships" xmlns:p="http://schemas.openxmlformats.org/presentationml/2006/main">
   <p:cSld>
     <p:bg>
@@ -29408,7 +29498,7 @@
 </p:sld>
 </file>
 
-<file path=ppt/slides/slide17.xml><?xml version="1.0" encoding="utf-8"?>
+<file path=ppt/slides/slide18.xml><?xml version="1.0" encoding="utf-8"?>
 <p:sld xmlns:a="http://schemas.openxmlformats.org/drawingml/2006/main" xmlns:r="http://schemas.openxmlformats.org/officeDocument/2006/relationships" xmlns:p="http://schemas.openxmlformats.org/presentationml/2006/main">
   <p:cSld>
     <p:spTree>
@@ -29555,7 +29645,7 @@
 </p:sld>
 </file>
 
-<file path=ppt/slides/slide18.xml><?xml version="1.0" encoding="utf-8"?>
+<file path=ppt/slides/slide19.xml><?xml version="1.0" encoding="utf-8"?>
 <p:sld xmlns:a="http://schemas.openxmlformats.org/drawingml/2006/main" xmlns:r="http://schemas.openxmlformats.org/officeDocument/2006/relationships" xmlns:p="http://schemas.openxmlformats.org/presentationml/2006/main">
   <p:cSld>
     <p:spTree>
@@ -29684,132 +29774,6 @@
     <p:extLst>
       <p:ext uri="{BB962C8B-B14F-4D97-AF65-F5344CB8AC3E}">
         <p14:creationId xmlns:p14="http://schemas.microsoft.com/office/powerpoint/2010/main" val="492572831"/>
-      </p:ext>
-    </p:extLst>
-  </p:cSld>
-  <p:clrMapOvr>
-    <a:masterClrMapping/>
-  </p:clrMapOvr>
-</p:sld>
-</file>
-
-<file path=ppt/slides/slide19.xml><?xml version="1.0" encoding="utf-8"?>
-<p:sld xmlns:a="http://schemas.openxmlformats.org/drawingml/2006/main" xmlns:r="http://schemas.openxmlformats.org/officeDocument/2006/relationships" xmlns:p="http://schemas.openxmlformats.org/presentationml/2006/main">
-  <p:cSld>
-    <p:spTree>
-      <p:nvGrpSpPr>
-        <p:cNvPr id="1" name=""/>
-        <p:cNvGrpSpPr/>
-        <p:nvPr/>
-      </p:nvGrpSpPr>
-      <p:grpSpPr>
-        <a:xfrm>
-          <a:off x="0" y="0"/>
-          <a:ext cx="0" cy="0"/>
-          <a:chOff x="0" y="0"/>
-          <a:chExt cx="0" cy="0"/>
-        </a:xfrm>
-      </p:grpSpPr>
-      <p:sp>
-        <p:nvSpPr>
-          <p:cNvPr id="2" name="Título 1">
-            <a:extLst>
-              <a:ext uri="{FF2B5EF4-FFF2-40B4-BE49-F238E27FC236}">
-                <a16:creationId xmlns:a16="http://schemas.microsoft.com/office/drawing/2014/main" id="{FA540032-3C3F-44CF-B0F2-6BA666FE84E9}"/>
-              </a:ext>
-            </a:extLst>
-          </p:cNvPr>
-          <p:cNvSpPr>
-            <a:spLocks noGrp="1"/>
-          </p:cNvSpPr>
-          <p:nvPr>
-            <p:ph type="title"/>
-          </p:nvPr>
-        </p:nvSpPr>
-        <p:spPr/>
-        <p:txBody>
-          <a:bodyPr/>
-          <a:lstStyle/>
-          <a:p>
-            <a:r>
-              <a:rPr lang="es-AR" dirty="0"/>
-              <a:t>Lectura de banda magnética</a:t>
-            </a:r>
-          </a:p>
-        </p:txBody>
-      </p:sp>
-      <p:sp>
-        <p:nvSpPr>
-          <p:cNvPr id="3" name="CuadroTexto 2">
-            <a:extLst>
-              <a:ext uri="{FF2B5EF4-FFF2-40B4-BE49-F238E27FC236}">
-                <a16:creationId xmlns:a16="http://schemas.microsoft.com/office/drawing/2014/main" id="{633E9794-5113-453A-AFC1-6806F2A76A5A}"/>
-              </a:ext>
-            </a:extLst>
-          </p:cNvPr>
-          <p:cNvSpPr txBox="1"/>
-          <p:nvPr/>
-        </p:nvSpPr>
-        <p:spPr>
-          <a:xfrm>
-            <a:off x="530087" y="2319130"/>
-            <a:ext cx="10866783" cy="3908762"/>
-          </a:xfrm>
-          <a:prstGeom prst="rect">
-            <a:avLst/>
-          </a:prstGeom>
-          <a:noFill/>
-        </p:spPr>
-        <p:txBody>
-          <a:bodyPr wrap="square" rtlCol="0">
-            <a:spAutoFit/>
-          </a:bodyPr>
-          <a:lstStyle/>
-          <a:p>
-            <a:r>
-              <a:rPr lang="es-AR" sz="3200" dirty="0"/>
-              <a:t>Manejo de evento de lectura:</a:t>
-            </a:r>
-          </a:p>
-          <a:p>
-            <a:r>
-              <a:rPr lang="es-AR" sz="2400" dirty="0"/>
-              <a:t>Ante la generación de este tipo de evento, se guarda el mismo en una cola.</a:t>
-            </a:r>
-          </a:p>
-          <a:p>
-            <a:endParaRPr lang="es-AR" sz="2400" dirty="0"/>
-          </a:p>
-          <a:p>
-            <a:r>
-              <a:rPr lang="es-AR" sz="2400" dirty="0"/>
-              <a:t>Una “APP” puede indicar que se extraiga un evento de la cola</a:t>
-            </a:r>
-          </a:p>
-          <a:p>
-            <a:endParaRPr lang="es-AR" sz="2400" dirty="0"/>
-          </a:p>
-          <a:p>
-            <a:r>
-              <a:rPr lang="es-AR" sz="2400" dirty="0"/>
-              <a:t>Al extraer el evento de la cola (cuyo contenido es una serie de 1s o 0s), este es decodificado según los estándares especificados de tarjetas magnéticas</a:t>
-            </a:r>
-          </a:p>
-          <a:p>
-            <a:endParaRPr lang="es-AR" sz="2400" dirty="0"/>
-          </a:p>
-          <a:p>
-            <a:r>
-              <a:rPr lang="es-AR" sz="2400" dirty="0"/>
-              <a:t>Finalmente, la APP tiene a su disposición una PALABRA decodificada (y separada en campos según el standard) , y la validez de esta palabra.</a:t>
-            </a:r>
-          </a:p>
-        </p:txBody>
-      </p:sp>
-    </p:spTree>
-    <p:extLst>
-      <p:ext uri="{BB962C8B-B14F-4D97-AF65-F5344CB8AC3E}">
-        <p14:creationId xmlns:p14="http://schemas.microsoft.com/office/powerpoint/2010/main" val="1530338545"/>
       </p:ext>
     </p:extLst>
   </p:cSld>
@@ -29933,6 +29897,132 @@
           <p:cNvPr id="2" name="Título 1">
             <a:extLst>
               <a:ext uri="{FF2B5EF4-FFF2-40B4-BE49-F238E27FC236}">
+                <a16:creationId xmlns:a16="http://schemas.microsoft.com/office/drawing/2014/main" id="{FA540032-3C3F-44CF-B0F2-6BA666FE84E9}"/>
+              </a:ext>
+            </a:extLst>
+          </p:cNvPr>
+          <p:cNvSpPr>
+            <a:spLocks noGrp="1"/>
+          </p:cNvSpPr>
+          <p:nvPr>
+            <p:ph type="title"/>
+          </p:nvPr>
+        </p:nvSpPr>
+        <p:spPr/>
+        <p:txBody>
+          <a:bodyPr/>
+          <a:lstStyle/>
+          <a:p>
+            <a:r>
+              <a:rPr lang="es-AR" dirty="0"/>
+              <a:t>Lectura de banda magnética</a:t>
+            </a:r>
+          </a:p>
+        </p:txBody>
+      </p:sp>
+      <p:sp>
+        <p:nvSpPr>
+          <p:cNvPr id="3" name="CuadroTexto 2">
+            <a:extLst>
+              <a:ext uri="{FF2B5EF4-FFF2-40B4-BE49-F238E27FC236}">
+                <a16:creationId xmlns:a16="http://schemas.microsoft.com/office/drawing/2014/main" id="{633E9794-5113-453A-AFC1-6806F2A76A5A}"/>
+              </a:ext>
+            </a:extLst>
+          </p:cNvPr>
+          <p:cNvSpPr txBox="1"/>
+          <p:nvPr/>
+        </p:nvSpPr>
+        <p:spPr>
+          <a:xfrm>
+            <a:off x="530087" y="2319130"/>
+            <a:ext cx="10866783" cy="3908762"/>
+          </a:xfrm>
+          <a:prstGeom prst="rect">
+            <a:avLst/>
+          </a:prstGeom>
+          <a:noFill/>
+        </p:spPr>
+        <p:txBody>
+          <a:bodyPr wrap="square" rtlCol="0">
+            <a:spAutoFit/>
+          </a:bodyPr>
+          <a:lstStyle/>
+          <a:p>
+            <a:r>
+              <a:rPr lang="es-AR" sz="3200" dirty="0"/>
+              <a:t>Manejo de evento de lectura:</a:t>
+            </a:r>
+          </a:p>
+          <a:p>
+            <a:r>
+              <a:rPr lang="es-AR" sz="2400" dirty="0"/>
+              <a:t>Ante la generación de este tipo de evento, se guarda el mismo en una cola.</a:t>
+            </a:r>
+          </a:p>
+          <a:p>
+            <a:endParaRPr lang="es-AR" sz="2400" dirty="0"/>
+          </a:p>
+          <a:p>
+            <a:r>
+              <a:rPr lang="es-AR" sz="2400" dirty="0"/>
+              <a:t>Una “APP” puede indicar que se extraiga un evento de la cola</a:t>
+            </a:r>
+          </a:p>
+          <a:p>
+            <a:endParaRPr lang="es-AR" sz="2400" dirty="0"/>
+          </a:p>
+          <a:p>
+            <a:r>
+              <a:rPr lang="es-AR" sz="2400" dirty="0"/>
+              <a:t>Al extraer el evento de la cola (cuyo contenido es una serie de 1s o 0s), este es decodificado según los estándares especificados de tarjetas magnéticas</a:t>
+            </a:r>
+          </a:p>
+          <a:p>
+            <a:endParaRPr lang="es-AR" sz="2400" dirty="0"/>
+          </a:p>
+          <a:p>
+            <a:r>
+              <a:rPr lang="es-AR" sz="2400" dirty="0"/>
+              <a:t>Finalmente, la APP tiene a su disposición una PALABRA decodificada (y separada en campos según el standard) , y la validez de esta palabra.</a:t>
+            </a:r>
+          </a:p>
+        </p:txBody>
+      </p:sp>
+    </p:spTree>
+    <p:extLst>
+      <p:ext uri="{BB962C8B-B14F-4D97-AF65-F5344CB8AC3E}">
+        <p14:creationId xmlns:p14="http://schemas.microsoft.com/office/powerpoint/2010/main" val="1530338545"/>
+      </p:ext>
+    </p:extLst>
+  </p:cSld>
+  <p:clrMapOvr>
+    <a:masterClrMapping/>
+  </p:clrMapOvr>
+</p:sld>
+</file>
+
+<file path=ppt/slides/slide21.xml><?xml version="1.0" encoding="utf-8"?>
+<p:sld xmlns:a="http://schemas.openxmlformats.org/drawingml/2006/main" xmlns:r="http://schemas.openxmlformats.org/officeDocument/2006/relationships" xmlns:p="http://schemas.openxmlformats.org/presentationml/2006/main">
+  <p:cSld>
+    <p:spTree>
+      <p:nvGrpSpPr>
+        <p:cNvPr id="1" name=""/>
+        <p:cNvGrpSpPr/>
+        <p:nvPr/>
+      </p:nvGrpSpPr>
+      <p:grpSpPr>
+        <a:xfrm>
+          <a:off x="0" y="0"/>
+          <a:ext cx="0" cy="0"/>
+          <a:chOff x="0" y="0"/>
+          <a:chExt cx="0" cy="0"/>
+        </a:xfrm>
+      </p:grpSpPr>
+      <p:sp>
+        <p:nvSpPr>
+          <p:cNvPr id="2" name="Título 1">
+            <a:extLst>
+              <a:ext uri="{FF2B5EF4-FFF2-40B4-BE49-F238E27FC236}">
                 <a16:creationId xmlns:a16="http://schemas.microsoft.com/office/drawing/2014/main" id="{31B5D5F5-0C93-4318-9806-DB700321A128}"/>
               </a:ext>
             </a:extLst>
@@ -30034,7 +30124,7 @@
 </p:sld>
 </file>
 
-<file path=ppt/slides/slide21.xml><?xml version="1.0" encoding="utf-8"?>
+<file path=ppt/slides/slide22.xml><?xml version="1.0" encoding="utf-8"?>
 <p:sld xmlns:a="http://schemas.openxmlformats.org/drawingml/2006/main" xmlns:r="http://schemas.openxmlformats.org/officeDocument/2006/relationships" xmlns:p="http://schemas.openxmlformats.org/presentationml/2006/main">
   <p:cSld>
     <p:spTree>
@@ -30163,7 +30253,7 @@
 </p:sld>
 </file>
 
-<file path=ppt/slides/slide22.xml><?xml version="1.0" encoding="utf-8"?>
+<file path=ppt/slides/slide23.xml><?xml version="1.0" encoding="utf-8"?>
 <p:sld xmlns:a="http://schemas.openxmlformats.org/drawingml/2006/main" xmlns:r="http://schemas.openxmlformats.org/officeDocument/2006/relationships" xmlns:p="http://schemas.openxmlformats.org/presentationml/2006/main">
   <p:cSld>
     <p:spTree>
@@ -30488,7 +30578,7 @@
 </p:sld>
 </file>
 
-<file path=ppt/slides/slide23.xml><?xml version="1.0" encoding="utf-8"?>
+<file path=ppt/slides/slide24.xml><?xml version="1.0" encoding="utf-8"?>
 <p:sld xmlns:a="http://schemas.openxmlformats.org/drawingml/2006/main" xmlns:r="http://schemas.openxmlformats.org/officeDocument/2006/relationships" xmlns:p="http://schemas.openxmlformats.org/presentationml/2006/main">
   <p:cSld>
     <p:bg>
@@ -31147,7 +31237,7 @@
 </p:sld>
 </file>
 
-<file path=ppt/slides/slide24.xml><?xml version="1.0" encoding="utf-8"?>
+<file path=ppt/slides/slide25.xml><?xml version="1.0" encoding="utf-8"?>
 <p:sld xmlns:a="http://schemas.openxmlformats.org/drawingml/2006/main" xmlns:r="http://schemas.openxmlformats.org/officeDocument/2006/relationships" xmlns:p="http://schemas.openxmlformats.org/presentationml/2006/main">
   <p:cSld>
     <p:bg>
@@ -31633,7 +31723,7 @@
 </p:sld>
 </file>
 
-<file path=ppt/slides/slide25.xml><?xml version="1.0" encoding="utf-8"?>
+<file path=ppt/slides/slide26.xml><?xml version="1.0" encoding="utf-8"?>
 <p:sld xmlns:a="http://schemas.openxmlformats.org/drawingml/2006/main" xmlns:r="http://schemas.openxmlformats.org/officeDocument/2006/relationships" xmlns:p="http://schemas.openxmlformats.org/presentationml/2006/main">
   <p:cSld>
     <p:bg>
@@ -32641,6 +32731,36 @@
           </a:p>
         </p:txBody>
       </p:sp>
+      <p:pic>
+        <p:nvPicPr>
+          <p:cNvPr id="4" name="Imagen 3" descr="Captura de pantalla de un celular&#10;&#10;Descripción generada automáticamente">
+            <a:extLst>
+              <a:ext uri="{FF2B5EF4-FFF2-40B4-BE49-F238E27FC236}">
+                <a16:creationId xmlns:a16="http://schemas.microsoft.com/office/drawing/2014/main" id="{85D4089B-A44E-4FDD-99A6-E826EEE6FB40}"/>
+              </a:ext>
+            </a:extLst>
+          </p:cNvPr>
+          <p:cNvPicPr>
+            <a:picLocks noChangeAspect="1"/>
+          </p:cNvPicPr>
+          <p:nvPr/>
+        </p:nvPicPr>
+        <p:blipFill>
+          <a:blip r:embed="rId2"/>
+          <a:stretch>
+            <a:fillRect/>
+          </a:stretch>
+        </p:blipFill>
+        <p:spPr>
+          <a:xfrm>
+            <a:off x="1019480" y="2453882"/>
+            <a:ext cx="9840777" cy="3327940"/>
+          </a:xfrm>
+          <a:prstGeom prst="rect">
+            <a:avLst/>
+          </a:prstGeom>
+        </p:spPr>
+      </p:pic>
     </p:spTree>
     <p:extLst>
       <p:ext uri="{BB962C8B-B14F-4D97-AF65-F5344CB8AC3E}">
@@ -32655,6 +32775,115 @@
 </file>
 
 <file path=ppt/slides/slide7.xml><?xml version="1.0" encoding="utf-8"?>
+<p:sld xmlns:a="http://schemas.openxmlformats.org/drawingml/2006/main" xmlns:r="http://schemas.openxmlformats.org/officeDocument/2006/relationships" xmlns:p="http://schemas.openxmlformats.org/presentationml/2006/main">
+  <p:cSld>
+    <p:spTree>
+      <p:nvGrpSpPr>
+        <p:cNvPr id="1" name=""/>
+        <p:cNvGrpSpPr/>
+        <p:nvPr/>
+      </p:nvGrpSpPr>
+      <p:grpSpPr>
+        <a:xfrm>
+          <a:off x="0" y="0"/>
+          <a:ext cx="0" cy="0"/>
+          <a:chOff x="0" y="0"/>
+          <a:chExt cx="0" cy="0"/>
+        </a:xfrm>
+      </p:grpSpPr>
+      <p:sp>
+        <p:nvSpPr>
+          <p:cNvPr id="2" name="Título 1">
+            <a:extLst>
+              <a:ext uri="{FF2B5EF4-FFF2-40B4-BE49-F238E27FC236}">
+                <a16:creationId xmlns:a16="http://schemas.microsoft.com/office/drawing/2014/main" id="{2CC27856-7D9A-411D-88D5-6372F5DD192E}"/>
+              </a:ext>
+            </a:extLst>
+          </p:cNvPr>
+          <p:cNvSpPr>
+            <a:spLocks noGrp="1"/>
+          </p:cNvSpPr>
+          <p:nvPr>
+            <p:ph type="title"/>
+          </p:nvPr>
+        </p:nvSpPr>
+        <p:spPr/>
+        <p:txBody>
+          <a:bodyPr/>
+          <a:lstStyle/>
+          <a:p>
+            <a:r>
+              <a:rPr lang="es-AR" dirty="0"/>
+              <a:t>Timing </a:t>
+            </a:r>
+            <a:r>
+              <a:rPr lang="es-AR" dirty="0" err="1"/>
+              <a:t>results</a:t>
+            </a:r>
+            <a:endParaRPr lang="es-AR" dirty="0"/>
+          </a:p>
+        </p:txBody>
+      </p:sp>
+      <p:sp>
+        <p:nvSpPr>
+          <p:cNvPr id="3" name="CuadroTexto 2">
+            <a:extLst>
+              <a:ext uri="{FF2B5EF4-FFF2-40B4-BE49-F238E27FC236}">
+                <a16:creationId xmlns:a16="http://schemas.microsoft.com/office/drawing/2014/main" id="{94EE6686-B3E4-4F79-BA10-D3FCCDE53E08}"/>
+              </a:ext>
+            </a:extLst>
+          </p:cNvPr>
+          <p:cNvSpPr txBox="1"/>
+          <p:nvPr/>
+        </p:nvSpPr>
+        <p:spPr>
+          <a:xfrm>
+            <a:off x="1167618" y="2602523"/>
+            <a:ext cx="7469945" cy="1200329"/>
+          </a:xfrm>
+          <a:prstGeom prst="rect">
+            <a:avLst/>
+          </a:prstGeom>
+          <a:noFill/>
+        </p:spPr>
+        <p:txBody>
+          <a:bodyPr wrap="square" rtlCol="0">
+            <a:spAutoFit/>
+          </a:bodyPr>
+          <a:lstStyle/>
+          <a:p>
+            <a:r>
+              <a:rPr lang="es-AR" sz="3600" dirty="0"/>
+              <a:t>Porcentaje de uso normal: 45%</a:t>
+            </a:r>
+          </a:p>
+          <a:p>
+            <a:r>
+              <a:rPr lang="es-AR" sz="3600" dirty="0"/>
+              <a:t>Picos de uso</a:t>
+            </a:r>
+            <a:r>
+              <a:rPr lang="es-AR" sz="3600"/>
+              <a:t>: 55%</a:t>
+            </a:r>
+            <a:endParaRPr lang="es-AR" sz="3600" dirty="0"/>
+          </a:p>
+        </p:txBody>
+      </p:sp>
+    </p:spTree>
+    <p:extLst>
+      <p:ext uri="{BB962C8B-B14F-4D97-AF65-F5344CB8AC3E}">
+        <p14:creationId xmlns:p14="http://schemas.microsoft.com/office/powerpoint/2010/main" val="950188641"/>
+      </p:ext>
+    </p:extLst>
+  </p:cSld>
+  <p:clrMapOvr>
+    <a:masterClrMapping/>
+  </p:clrMapOvr>
+</p:sld>
+</file>
+
+<file path=ppt/slides/slide8.xml><?xml version="1.0" encoding="utf-8"?>
 <p:sld xmlns:a="http://schemas.openxmlformats.org/drawingml/2006/main" xmlns:r="http://schemas.openxmlformats.org/officeDocument/2006/relationships" xmlns:p="http://schemas.openxmlformats.org/presentationml/2006/main">
   <p:cSld>
     <p:spTree>
@@ -32712,7 +32941,7 @@
 </p:sld>
 </file>
 
-<file path=ppt/slides/slide8.xml><?xml version="1.0" encoding="utf-8"?>
+<file path=ppt/slides/slide9.xml><?xml version="1.0" encoding="utf-8"?>
 <p:sld xmlns:a="http://schemas.openxmlformats.org/drawingml/2006/main" xmlns:r="http://schemas.openxmlformats.org/officeDocument/2006/relationships" xmlns:p="http://schemas.openxmlformats.org/presentationml/2006/main">
   <p:cSld>
     <p:spTree>
@@ -33924,94 +34153,6 @@
 </p:sld>
 </file>
 
-<file path=ppt/slides/slide9.xml><?xml version="1.0" encoding="utf-8"?>
-<p:sld xmlns:a="http://schemas.openxmlformats.org/drawingml/2006/main" xmlns:r="http://schemas.openxmlformats.org/officeDocument/2006/relationships" xmlns:p="http://schemas.openxmlformats.org/presentationml/2006/main">
-  <p:cSld>
-    <p:spTree>
-      <p:nvGrpSpPr>
-        <p:cNvPr id="1" name=""/>
-        <p:cNvGrpSpPr/>
-        <p:nvPr/>
-      </p:nvGrpSpPr>
-      <p:grpSpPr>
-        <a:xfrm>
-          <a:off x="0" y="0"/>
-          <a:ext cx="0" cy="0"/>
-          <a:chOff x="0" y="0"/>
-          <a:chExt cx="0" cy="0"/>
-        </a:xfrm>
-      </p:grpSpPr>
-      <p:sp>
-        <p:nvSpPr>
-          <p:cNvPr id="2" name="Título 1">
-            <a:extLst>
-              <a:ext uri="{FF2B5EF4-FFF2-40B4-BE49-F238E27FC236}">
-                <a16:creationId xmlns:a16="http://schemas.microsoft.com/office/drawing/2014/main" id="{37D5BD20-2C43-42C0-B780-C25DE3299815}"/>
-              </a:ext>
-            </a:extLst>
-          </p:cNvPr>
-          <p:cNvSpPr>
-            <a:spLocks noGrp="1"/>
-          </p:cNvSpPr>
-          <p:nvPr>
-            <p:ph type="title"/>
-          </p:nvPr>
-        </p:nvSpPr>
-        <p:spPr/>
-        <p:txBody>
-          <a:bodyPr/>
-          <a:lstStyle/>
-          <a:p>
-            <a:r>
-              <a:rPr lang="es-AR" dirty="0"/>
-              <a:t>“Main program” - Aplicación</a:t>
-            </a:r>
-          </a:p>
-        </p:txBody>
-      </p:sp>
-      <p:pic>
-        <p:nvPicPr>
-          <p:cNvPr id="4" name="Imagen 3" descr="Imagen que contiene captura de pantalla&#10;&#10;Descripción generada automáticamente">
-            <a:extLst>
-              <a:ext uri="{FF2B5EF4-FFF2-40B4-BE49-F238E27FC236}">
-                <a16:creationId xmlns:a16="http://schemas.microsoft.com/office/drawing/2014/main" id="{79783A38-9C69-409E-8DA3-70AD472556D3}"/>
-              </a:ext>
-            </a:extLst>
-          </p:cNvPr>
-          <p:cNvPicPr>
-            <a:picLocks noChangeAspect="1"/>
-          </p:cNvPicPr>
-          <p:nvPr/>
-        </p:nvPicPr>
-        <p:blipFill>
-          <a:blip r:embed="rId2"/>
-          <a:stretch>
-            <a:fillRect/>
-          </a:stretch>
-        </p:blipFill>
-        <p:spPr>
-          <a:xfrm>
-            <a:off x="868582" y="1977604"/>
-            <a:ext cx="9425600" cy="4883157"/>
-          </a:xfrm>
-          <a:prstGeom prst="rect">
-            <a:avLst/>
-          </a:prstGeom>
-        </p:spPr>
-      </p:pic>
-    </p:spTree>
-    <p:extLst>
-      <p:ext uri="{BB962C8B-B14F-4D97-AF65-F5344CB8AC3E}">
-        <p14:creationId xmlns:p14="http://schemas.microsoft.com/office/powerpoint/2010/main" val="548131117"/>
-      </p:ext>
-    </p:extLst>
-  </p:cSld>
-  <p:clrMapOvr>
-    <a:masterClrMapping/>
-  </p:clrMapOvr>
-</p:sld>
-</file>
-
 <file path=ppt/theme/theme1.xml><?xml version="1.0" encoding="utf-8"?>
 <a:theme xmlns:a="http://schemas.openxmlformats.org/drawingml/2006/main" name="Berlín">
   <a:themeElements>
